--- a/02-ARDs_and_Displays/ARDS and Tables.pptx
+++ b/02-ARDs_and_Displays/ARDS and Tables.pptx
@@ -5,7 +5,7 @@
     <p:sldMasterId id="2147483648" r:id="rId1"/>
   </p:sldMasterIdLst>
   <p:notesMasterIdLst>
-    <p:notesMasterId r:id="rId18"/>
+    <p:notesMasterId r:id="rId19"/>
   </p:notesMasterIdLst>
   <p:sldIdLst>
     <p:sldId id="256" r:id="rId2"/>
@@ -13,17 +13,18 @@
     <p:sldId id="259" r:id="rId4"/>
     <p:sldId id="260" r:id="rId5"/>
     <p:sldId id="2147375135" r:id="rId6"/>
-    <p:sldId id="261" r:id="rId7"/>
-    <p:sldId id="2147375136" r:id="rId8"/>
-    <p:sldId id="324" r:id="rId9"/>
-    <p:sldId id="296" r:id="rId10"/>
-    <p:sldId id="297" r:id="rId11"/>
-    <p:sldId id="298" r:id="rId12"/>
-    <p:sldId id="2147375133" r:id="rId13"/>
-    <p:sldId id="289" r:id="rId14"/>
-    <p:sldId id="2147375134" r:id="rId15"/>
-    <p:sldId id="301" r:id="rId16"/>
-    <p:sldId id="312" r:id="rId17"/>
+    <p:sldId id="2147375137" r:id="rId7"/>
+    <p:sldId id="261" r:id="rId8"/>
+    <p:sldId id="2147375136" r:id="rId9"/>
+    <p:sldId id="324" r:id="rId10"/>
+    <p:sldId id="296" r:id="rId11"/>
+    <p:sldId id="297" r:id="rId12"/>
+    <p:sldId id="298" r:id="rId13"/>
+    <p:sldId id="2147375133" r:id="rId14"/>
+    <p:sldId id="289" r:id="rId15"/>
+    <p:sldId id="2147375134" r:id="rId16"/>
+    <p:sldId id="301" r:id="rId17"/>
+    <p:sldId id="312" r:id="rId18"/>
   </p:sldIdLst>
   <p:sldSz cx="12192000" cy="6858000"/>
   <p:notesSz cx="6858000" cy="9144000"/>
@@ -212,7 +213,7 @@
           <a:p>
             <a:fld id="{55567DDF-AC03-47FA-8860-6F854B148C3A}" type="datetimeFigureOut">
               <a:rPr lang="en-US" smtClean="0"/>
-              <a:t>9/13/2023</a:t>
+              <a:t>9/15/2023</a:t>
             </a:fld>
             <a:endParaRPr lang="en-US"/>
           </a:p>
@@ -545,7 +546,7 @@
             <a:fld id="{026B53C8-14E4-49A7-A1A5-3BF810B81EBE}" type="slidenum">
               <a:rPr lang="en-GB" smtClean="0"/>
               <a:pPr/>
-              <a:t>8</a:t>
+              <a:t>9</a:t>
             </a:fld>
             <a:endParaRPr lang="en-GB"/>
           </a:p>
@@ -633,7 +634,7 @@
             <a:fld id="{026B53C8-14E4-49A7-A1A5-3BF810B81EBE}" type="slidenum">
               <a:rPr lang="en-GB" smtClean="0"/>
               <a:pPr/>
-              <a:t>9</a:t>
+              <a:t>10</a:t>
             </a:fld>
             <a:endParaRPr lang="en-GB"/>
           </a:p>
@@ -721,7 +722,7 @@
             <a:fld id="{026B53C8-14E4-49A7-A1A5-3BF810B81EBE}" type="slidenum">
               <a:rPr lang="en-GB" smtClean="0"/>
               <a:pPr/>
-              <a:t>10</a:t>
+              <a:t>11</a:t>
             </a:fld>
             <a:endParaRPr lang="en-GB"/>
           </a:p>
@@ -809,7 +810,7 @@
             <a:fld id="{026B53C8-14E4-49A7-A1A5-3BF810B81EBE}" type="slidenum">
               <a:rPr lang="en-GB" smtClean="0"/>
               <a:pPr/>
-              <a:t>11</a:t>
+              <a:t>12</a:t>
             </a:fld>
             <a:endParaRPr lang="en-GB"/>
           </a:p>
@@ -894,7 +895,7 @@
             <a:fld id="{026B53C8-14E4-49A7-A1A5-3BF810B81EBE}" type="slidenum">
               <a:rPr lang="en-GB" smtClean="0"/>
               <a:pPr/>
-              <a:t>12</a:t>
+              <a:t>13</a:t>
             </a:fld>
             <a:endParaRPr lang="en-GB"/>
           </a:p>
@@ -979,7 +980,7 @@
             <a:fld id="{026B53C8-14E4-49A7-A1A5-3BF810B81EBE}" type="slidenum">
               <a:rPr lang="en-GB" smtClean="0"/>
               <a:pPr/>
-              <a:t>13</a:t>
+              <a:t>14</a:t>
             </a:fld>
             <a:endParaRPr lang="en-GB"/>
           </a:p>
@@ -1064,7 +1065,7 @@
             <a:fld id="{026B53C8-14E4-49A7-A1A5-3BF810B81EBE}" type="slidenum">
               <a:rPr lang="en-GB" smtClean="0"/>
               <a:pPr/>
-              <a:t>14</a:t>
+              <a:t>15</a:t>
             </a:fld>
             <a:endParaRPr lang="en-GB"/>
           </a:p>
@@ -1166,7 +1167,7 @@
             <a:fld id="{026B53C8-14E4-49A7-A1A5-3BF810B81EBE}" type="slidenum">
               <a:rPr lang="en-GB" smtClean="0"/>
               <a:pPr/>
-              <a:t>15</a:t>
+              <a:t>16</a:t>
             </a:fld>
             <a:endParaRPr lang="en-GB"/>
           </a:p>
@@ -1254,7 +1255,7 @@
             <a:fld id="{026B53C8-14E4-49A7-A1A5-3BF810B81EBE}" type="slidenum">
               <a:rPr lang="en-GB" smtClean="0"/>
               <a:pPr/>
-              <a:t>16</a:t>
+              <a:t>17</a:t>
             </a:fld>
             <a:endParaRPr lang="en-GB"/>
           </a:p>
@@ -1420,7 +1421,7 @@
           <a:p>
             <a:fld id="{58188607-42DB-477D-8C52-CB475D197554}" type="datetimeFigureOut">
               <a:rPr lang="en-US" smtClean="0"/>
-              <a:t>9/13/2023</a:t>
+              <a:t>9/15/2023</a:t>
             </a:fld>
             <a:endParaRPr lang="en-US"/>
           </a:p>
@@ -1618,7 +1619,7 @@
           <a:p>
             <a:fld id="{58188607-42DB-477D-8C52-CB475D197554}" type="datetimeFigureOut">
               <a:rPr lang="en-US" smtClean="0"/>
-              <a:t>9/13/2023</a:t>
+              <a:t>9/15/2023</a:t>
             </a:fld>
             <a:endParaRPr lang="en-US"/>
           </a:p>
@@ -1826,7 +1827,7 @@
           <a:p>
             <a:fld id="{58188607-42DB-477D-8C52-CB475D197554}" type="datetimeFigureOut">
               <a:rPr lang="en-US" smtClean="0"/>
-              <a:t>9/13/2023</a:t>
+              <a:t>9/15/2023</a:t>
             </a:fld>
             <a:endParaRPr lang="en-US"/>
           </a:p>
@@ -2209,7 +2210,7 @@
           <a:p>
             <a:fld id="{DB124F8D-6A21-41BB-B641-CA493D4F9456}" type="datetime4">
               <a:rPr lang="en-GB" smtClean="0"/>
-              <a:t>13 September 2023</a:t>
+              <a:t>15 September 2023</a:t>
             </a:fld>
             <a:endParaRPr lang="en-GB"/>
           </a:p>
@@ -2701,7 +2702,7 @@
           <a:p>
             <a:fld id="{58188607-42DB-477D-8C52-CB475D197554}" type="datetimeFigureOut">
               <a:rPr lang="en-US" smtClean="0"/>
-              <a:t>9/13/2023</a:t>
+              <a:t>9/15/2023</a:t>
             </a:fld>
             <a:endParaRPr lang="en-US"/>
           </a:p>
@@ -2976,7 +2977,7 @@
           <a:p>
             <a:fld id="{58188607-42DB-477D-8C52-CB475D197554}" type="datetimeFigureOut">
               <a:rPr lang="en-US" smtClean="0"/>
-              <a:t>9/13/2023</a:t>
+              <a:t>9/15/2023</a:t>
             </a:fld>
             <a:endParaRPr lang="en-US"/>
           </a:p>
@@ -3241,7 +3242,7 @@
           <a:p>
             <a:fld id="{58188607-42DB-477D-8C52-CB475D197554}" type="datetimeFigureOut">
               <a:rPr lang="en-US" smtClean="0"/>
-              <a:t>9/13/2023</a:t>
+              <a:t>9/15/2023</a:t>
             </a:fld>
             <a:endParaRPr lang="en-US"/>
           </a:p>
@@ -3653,7 +3654,7 @@
           <a:p>
             <a:fld id="{58188607-42DB-477D-8C52-CB475D197554}" type="datetimeFigureOut">
               <a:rPr lang="en-US" smtClean="0"/>
-              <a:t>9/13/2023</a:t>
+              <a:t>9/15/2023</a:t>
             </a:fld>
             <a:endParaRPr lang="en-US"/>
           </a:p>
@@ -3794,7 +3795,7 @@
           <a:p>
             <a:fld id="{58188607-42DB-477D-8C52-CB475D197554}" type="datetimeFigureOut">
               <a:rPr lang="en-US" smtClean="0"/>
-              <a:t>9/13/2023</a:t>
+              <a:t>9/15/2023</a:t>
             </a:fld>
             <a:endParaRPr lang="en-US"/>
           </a:p>
@@ -3907,7 +3908,7 @@
           <a:p>
             <a:fld id="{58188607-42DB-477D-8C52-CB475D197554}" type="datetimeFigureOut">
               <a:rPr lang="en-US" smtClean="0"/>
-              <a:t>9/13/2023</a:t>
+              <a:t>9/15/2023</a:t>
             </a:fld>
             <a:endParaRPr lang="en-US"/>
           </a:p>
@@ -4218,7 +4219,7 @@
           <a:p>
             <a:fld id="{58188607-42DB-477D-8C52-CB475D197554}" type="datetimeFigureOut">
               <a:rPr lang="en-US" smtClean="0"/>
-              <a:t>9/13/2023</a:t>
+              <a:t>9/15/2023</a:t>
             </a:fld>
             <a:endParaRPr lang="en-US"/>
           </a:p>
@@ -4506,7 +4507,7 @@
           <a:p>
             <a:fld id="{58188607-42DB-477D-8C52-CB475D197554}" type="datetimeFigureOut">
               <a:rPr lang="en-US" smtClean="0"/>
-              <a:t>9/13/2023</a:t>
+              <a:t>9/15/2023</a:t>
             </a:fld>
             <a:endParaRPr lang="en-US"/>
           </a:p>
@@ -4747,7 +4748,7 @@
           <a:p>
             <a:fld id="{58188607-42DB-477D-8C52-CB475D197554}" type="datetimeFigureOut">
               <a:rPr lang="en-US" smtClean="0"/>
-              <a:t>9/13/2023</a:t>
+              <a:t>9/15/2023</a:t>
             </a:fld>
             <a:endParaRPr lang="en-US"/>
           </a:p>
@@ -5188,7 +5189,7 @@
           <a:p>
             <a:r>
               <a:rPr lang="en-US" dirty="0"/>
-              <a:t>ARDS and Tables</a:t>
+              <a:t>ARDS and Displays</a:t>
             </a:r>
           </a:p>
         </p:txBody>
@@ -5271,7 +5272,7 @@
           <a:p>
             <a:fld id="{DB124F8D-6A21-41BB-B641-CA493D4F9456}" type="datetime4">
               <a:rPr lang="en-GB" smtClean="0"/>
-              <a:t>13 September 2023</a:t>
+              <a:t>15 September 2023</a:t>
             </a:fld>
             <a:endParaRPr lang="en-GB"/>
           </a:p>
@@ -5302,6 +5303,4286 @@
               <a:rPr lang="en-GB" smtClean="0"/>
               <a:pPr/>
               <a:t>10</a:t>
+            </a:fld>
+            <a:endParaRPr lang="en-GB"/>
+          </a:p>
+        </p:txBody>
+      </p:sp>
+      <p:sp>
+        <p:nvSpPr>
+          <p:cNvPr id="6" name="Title 5">
+            <a:extLst>
+              <a:ext uri="{FF2B5EF4-FFF2-40B4-BE49-F238E27FC236}">
+                <a16:creationId xmlns:a16="http://schemas.microsoft.com/office/drawing/2014/main" id="{919AFA49-7CB0-43FA-A28F-67F8A8E4C1D3}"/>
+              </a:ext>
+            </a:extLst>
+          </p:cNvPr>
+          <p:cNvSpPr>
+            <a:spLocks noGrp="1"/>
+          </p:cNvSpPr>
+          <p:nvPr>
+            <p:ph type="title"/>
+          </p:nvPr>
+        </p:nvSpPr>
+        <p:spPr/>
+        <p:txBody>
+          <a:bodyPr>
+            <a:normAutofit fontScale="90000"/>
+          </a:bodyPr>
+          <a:lstStyle/>
+          <a:p>
+            <a:r>
+              <a:rPr lang="en-GB"/>
+              <a:t>Tables parts </a:t>
+            </a:r>
+          </a:p>
+        </p:txBody>
+      </p:sp>
+      <p:sp>
+        <p:nvSpPr>
+          <p:cNvPr id="7" name="Subtitle 6">
+            <a:extLst>
+              <a:ext uri="{FF2B5EF4-FFF2-40B4-BE49-F238E27FC236}">
+                <a16:creationId xmlns:a16="http://schemas.microsoft.com/office/drawing/2014/main" id="{8A08C554-69BE-4DEE-A5E5-7F8149AE9750}"/>
+              </a:ext>
+            </a:extLst>
+          </p:cNvPr>
+          <p:cNvSpPr>
+            <a:spLocks noGrp="1"/>
+          </p:cNvSpPr>
+          <p:nvPr>
+            <p:ph type="subTitle" idx="1"/>
+          </p:nvPr>
+        </p:nvSpPr>
+        <p:spPr/>
+        <p:txBody>
+          <a:bodyPr/>
+          <a:lstStyle/>
+          <a:p>
+            <a:endParaRPr lang="en-GB"/>
+          </a:p>
+        </p:txBody>
+      </p:sp>
+      <p:graphicFrame>
+        <p:nvGraphicFramePr>
+          <p:cNvPr id="8" name="Table 8">
+            <a:extLst>
+              <a:ext uri="{FF2B5EF4-FFF2-40B4-BE49-F238E27FC236}">
+                <a16:creationId xmlns:a16="http://schemas.microsoft.com/office/drawing/2014/main" id="{823F4383-7386-452E-9B1A-DCB0E571409E}"/>
+              </a:ext>
+            </a:extLst>
+          </p:cNvPr>
+          <p:cNvGraphicFramePr>
+            <a:graphicFrameLocks noGrp="1"/>
+          </p:cNvGraphicFramePr>
+          <p:nvPr/>
+        </p:nvGraphicFramePr>
+        <p:xfrm>
+          <a:off x="2119331" y="1134078"/>
+          <a:ext cx="8463175" cy="5029200"/>
+        </p:xfrm>
+        <a:graphic>
+          <a:graphicData uri="http://schemas.openxmlformats.org/drawingml/2006/table">
+            <a:tbl>
+              <a:tblPr firstRow="1" bandRow="1">
+                <a:tableStyleId>{9D7B26C5-4107-4FEC-AEDC-1716B250A1EF}</a:tableStyleId>
+              </a:tblPr>
+              <a:tblGrid>
+                <a:gridCol w="1692635">
+                  <a:extLst>
+                    <a:ext uri="{9D8B030D-6E8A-4147-A177-3AD203B41FA5}">
+                      <a16:colId xmlns:a16="http://schemas.microsoft.com/office/drawing/2014/main" val="671404405"/>
+                    </a:ext>
+                  </a:extLst>
+                </a:gridCol>
+                <a:gridCol w="1692635">
+                  <a:extLst>
+                    <a:ext uri="{9D8B030D-6E8A-4147-A177-3AD203B41FA5}">
+                      <a16:colId xmlns:a16="http://schemas.microsoft.com/office/drawing/2014/main" val="2500139443"/>
+                    </a:ext>
+                  </a:extLst>
+                </a:gridCol>
+                <a:gridCol w="1692635">
+                  <a:extLst>
+                    <a:ext uri="{9D8B030D-6E8A-4147-A177-3AD203B41FA5}">
+                      <a16:colId xmlns:a16="http://schemas.microsoft.com/office/drawing/2014/main" val="1338003998"/>
+                    </a:ext>
+                  </a:extLst>
+                </a:gridCol>
+                <a:gridCol w="1692635">
+                  <a:extLst>
+                    <a:ext uri="{9D8B030D-6E8A-4147-A177-3AD203B41FA5}">
+                      <a16:colId xmlns:a16="http://schemas.microsoft.com/office/drawing/2014/main" val="3927575502"/>
+                    </a:ext>
+                  </a:extLst>
+                </a:gridCol>
+                <a:gridCol w="1692635">
+                  <a:extLst>
+                    <a:ext uri="{9D8B030D-6E8A-4147-A177-3AD203B41FA5}">
+                      <a16:colId xmlns:a16="http://schemas.microsoft.com/office/drawing/2014/main" val="4027172728"/>
+                    </a:ext>
+                  </a:extLst>
+                </a:gridCol>
+              </a:tblGrid>
+              <a:tr h="370840">
+                <a:tc>
+                  <a:txBody>
+                    <a:bodyPr/>
+                    <a:lstStyle/>
+                    <a:p>
+                      <a:endParaRPr lang="en-GB" sz="1600"/>
+                    </a:p>
+                  </a:txBody>
+                  <a:tcPr>
+                    <a:noFill/>
+                  </a:tcPr>
+                </a:tc>
+                <a:tc>
+                  <a:txBody>
+                    <a:bodyPr/>
+                    <a:lstStyle/>
+                    <a:p>
+                      <a:endParaRPr lang="en-GB" sz="1600"/>
+                    </a:p>
+                  </a:txBody>
+                  <a:tcPr>
+                    <a:noFill/>
+                  </a:tcPr>
+                </a:tc>
+                <a:tc>
+                  <a:txBody>
+                    <a:bodyPr/>
+                    <a:lstStyle/>
+                    <a:p>
+                      <a:pPr algn="ctr"/>
+                      <a:r>
+                        <a:rPr lang="en-GB" sz="1600"/>
+                        <a:t>Placebo </a:t>
+                      </a:r>
+                    </a:p>
+                    <a:p>
+                      <a:pPr algn="ctr"/>
+                      <a:r>
+                        <a:rPr lang="en-GB" sz="1600"/>
+                        <a:t>(N = XX)</a:t>
+                      </a:r>
+                    </a:p>
+                  </a:txBody>
+                  <a:tcPr>
+                    <a:noFill/>
+                  </a:tcPr>
+                </a:tc>
+                <a:tc>
+                  <a:txBody>
+                    <a:bodyPr/>
+                    <a:lstStyle/>
+                    <a:p>
+                      <a:pPr algn="ctr"/>
+                      <a:r>
+                        <a:rPr lang="en-GB" sz="1600"/>
+                        <a:t>Treatment</a:t>
+                      </a:r>
+                    </a:p>
+                    <a:p>
+                      <a:pPr algn="ctr"/>
+                      <a:r>
+                        <a:rPr lang="en-GB" sz="1600"/>
+                        <a:t>(N = XX)</a:t>
+                      </a:r>
+                    </a:p>
+                  </a:txBody>
+                  <a:tcPr>
+                    <a:noFill/>
+                  </a:tcPr>
+                </a:tc>
+                <a:tc>
+                  <a:txBody>
+                    <a:bodyPr/>
+                    <a:lstStyle/>
+                    <a:p>
+                      <a:pPr algn="ctr"/>
+                      <a:r>
+                        <a:rPr lang="en-GB" sz="1600"/>
+                        <a:t>Total </a:t>
+                      </a:r>
+                    </a:p>
+                    <a:p>
+                      <a:pPr algn="ctr"/>
+                      <a:r>
+                        <a:rPr lang="en-GB" sz="1600"/>
+                        <a:t>(N = XX)</a:t>
+                      </a:r>
+                    </a:p>
+                  </a:txBody>
+                  <a:tcPr>
+                    <a:noFill/>
+                  </a:tcPr>
+                </a:tc>
+                <a:extLst>
+                  <a:ext uri="{0D108BD9-81ED-4DB2-BD59-A6C34878D82A}">
+                    <a16:rowId xmlns:a16="http://schemas.microsoft.com/office/drawing/2014/main" val="2775711262"/>
+                  </a:ext>
+                </a:extLst>
+              </a:tr>
+              <a:tr h="370840">
+                <a:tc>
+                  <a:txBody>
+                    <a:bodyPr/>
+                    <a:lstStyle/>
+                    <a:p>
+                      <a:r>
+                        <a:rPr lang="en-GB" sz="1600"/>
+                        <a:t>Age (y)</a:t>
+                      </a:r>
+                    </a:p>
+                  </a:txBody>
+                  <a:tcPr>
+                    <a:lnR w="12700" cap="flat" cmpd="sng" algn="ctr">
+                      <a:solidFill>
+                        <a:schemeClr val="tx1"/>
+                      </a:solidFill>
+                      <a:prstDash val="dot"/>
+                      <a:round/>
+                      <a:headEnd type="none" w="med" len="med"/>
+                      <a:tailEnd type="none" w="med" len="med"/>
+                    </a:lnR>
+                    <a:lnB w="12700" cap="flat" cmpd="sng" algn="ctr">
+                      <a:solidFill>
+                        <a:schemeClr val="tx1"/>
+                      </a:solidFill>
+                      <a:prstDash val="dot"/>
+                      <a:round/>
+                      <a:headEnd type="none" w="med" len="med"/>
+                      <a:tailEnd type="none" w="med" len="med"/>
+                    </a:lnB>
+                    <a:noFill/>
+                  </a:tcPr>
+                </a:tc>
+                <a:tc>
+                  <a:txBody>
+                    <a:bodyPr/>
+                    <a:lstStyle/>
+                    <a:p>
+                      <a:r>
+                        <a:rPr lang="en-GB" sz="1600"/>
+                        <a:t>n</a:t>
+                      </a:r>
+                    </a:p>
+                  </a:txBody>
+                  <a:tcPr>
+                    <a:lnL w="12700" cap="flat" cmpd="sng" algn="ctr">
+                      <a:solidFill>
+                        <a:schemeClr val="tx1"/>
+                      </a:solidFill>
+                      <a:prstDash val="dot"/>
+                      <a:round/>
+                      <a:headEnd type="none" w="med" len="med"/>
+                      <a:tailEnd type="none" w="med" len="med"/>
+                    </a:lnL>
+                    <a:lnR w="12700" cap="flat" cmpd="sng" algn="ctr">
+                      <a:solidFill>
+                        <a:schemeClr val="tx1"/>
+                      </a:solidFill>
+                      <a:prstDash val="solid"/>
+                      <a:round/>
+                      <a:headEnd type="none" w="med" len="med"/>
+                      <a:tailEnd type="none" w="med" len="med"/>
+                    </a:lnR>
+                    <a:lnB w="12700" cap="flat" cmpd="sng" algn="ctr">
+                      <a:solidFill>
+                        <a:schemeClr val="tx1"/>
+                      </a:solidFill>
+                      <a:prstDash val="dot"/>
+                      <a:round/>
+                      <a:headEnd type="none" w="med" len="med"/>
+                      <a:tailEnd type="none" w="med" len="med"/>
+                    </a:lnB>
+                    <a:noFill/>
+                  </a:tcPr>
+                </a:tc>
+                <a:tc>
+                  <a:txBody>
+                    <a:bodyPr/>
+                    <a:lstStyle/>
+                    <a:p>
+                      <a:pPr algn="ctr"/>
+                      <a:r>
+                        <a:rPr lang="en-GB" sz="1600">
+                          <a:latin typeface="Courier New" panose="02070309020205020404" pitchFamily="49" charset="0"/>
+                          <a:cs typeface="Courier New" panose="02070309020205020404" pitchFamily="49" charset="0"/>
+                        </a:rPr>
+                        <a:t>XX</a:t>
+                      </a:r>
+                    </a:p>
+                  </a:txBody>
+                  <a:tcPr>
+                    <a:lnL w="12700" cap="flat" cmpd="sng" algn="ctr">
+                      <a:solidFill>
+                        <a:schemeClr val="tx1"/>
+                      </a:solidFill>
+                      <a:prstDash val="solid"/>
+                      <a:round/>
+                      <a:headEnd type="none" w="med" len="med"/>
+                      <a:tailEnd type="none" w="med" len="med"/>
+                    </a:lnL>
+                    <a:lnR w="12700" cap="flat" cmpd="sng" algn="ctr">
+                      <a:solidFill>
+                        <a:schemeClr val="tx1"/>
+                      </a:solidFill>
+                      <a:prstDash val="dot"/>
+                      <a:round/>
+                      <a:headEnd type="none" w="med" len="med"/>
+                      <a:tailEnd type="none" w="med" len="med"/>
+                    </a:lnR>
+                    <a:lnB w="12700" cap="flat" cmpd="sng" algn="ctr">
+                      <a:solidFill>
+                        <a:schemeClr val="tx1"/>
+                      </a:solidFill>
+                      <a:prstDash val="dot"/>
+                      <a:round/>
+                      <a:headEnd type="none" w="med" len="med"/>
+                      <a:tailEnd type="none" w="med" len="med"/>
+                    </a:lnB>
+                    <a:noFill/>
+                  </a:tcPr>
+                </a:tc>
+                <a:tc>
+                  <a:txBody>
+                    <a:bodyPr/>
+                    <a:lstStyle/>
+                    <a:p>
+                      <a:pPr algn="ctr"/>
+                      <a:r>
+                        <a:rPr lang="en-GB" sz="1600">
+                          <a:latin typeface="Courier New" panose="02070309020205020404" pitchFamily="49" charset="0"/>
+                          <a:cs typeface="Courier New" panose="02070309020205020404" pitchFamily="49" charset="0"/>
+                        </a:rPr>
+                        <a:t>XX</a:t>
+                      </a:r>
+                    </a:p>
+                  </a:txBody>
+                  <a:tcPr>
+                    <a:lnL w="12700" cap="flat" cmpd="sng" algn="ctr">
+                      <a:solidFill>
+                        <a:schemeClr val="tx1"/>
+                      </a:solidFill>
+                      <a:prstDash val="dot"/>
+                      <a:round/>
+                      <a:headEnd type="none" w="med" len="med"/>
+                      <a:tailEnd type="none" w="med" len="med"/>
+                    </a:lnL>
+                    <a:lnR w="12700" cap="flat" cmpd="sng" algn="ctr">
+                      <a:solidFill>
+                        <a:schemeClr val="tx1"/>
+                      </a:solidFill>
+                      <a:prstDash val="dot"/>
+                      <a:round/>
+                      <a:headEnd type="none" w="med" len="med"/>
+                      <a:tailEnd type="none" w="med" len="med"/>
+                    </a:lnR>
+                    <a:lnB w="12700" cap="flat" cmpd="sng" algn="ctr">
+                      <a:solidFill>
+                        <a:schemeClr val="tx1"/>
+                      </a:solidFill>
+                      <a:prstDash val="dot"/>
+                      <a:round/>
+                      <a:headEnd type="none" w="med" len="med"/>
+                      <a:tailEnd type="none" w="med" len="med"/>
+                    </a:lnB>
+                    <a:noFill/>
+                  </a:tcPr>
+                </a:tc>
+                <a:tc>
+                  <a:txBody>
+                    <a:bodyPr/>
+                    <a:lstStyle/>
+                    <a:p>
+                      <a:pPr algn="ctr"/>
+                      <a:r>
+                        <a:rPr lang="en-GB" sz="1600">
+                          <a:latin typeface="Courier New" panose="02070309020205020404" pitchFamily="49" charset="0"/>
+                          <a:cs typeface="Courier New" panose="02070309020205020404" pitchFamily="49" charset="0"/>
+                        </a:rPr>
+                        <a:t>XX</a:t>
+                      </a:r>
+                    </a:p>
+                  </a:txBody>
+                  <a:tcPr>
+                    <a:lnL w="12700" cap="flat" cmpd="sng" algn="ctr">
+                      <a:solidFill>
+                        <a:schemeClr val="tx1"/>
+                      </a:solidFill>
+                      <a:prstDash val="dot"/>
+                      <a:round/>
+                      <a:headEnd type="none" w="med" len="med"/>
+                      <a:tailEnd type="none" w="med" len="med"/>
+                    </a:lnL>
+                    <a:lnB w="12700" cap="flat" cmpd="sng" algn="ctr">
+                      <a:solidFill>
+                        <a:schemeClr val="tx1"/>
+                      </a:solidFill>
+                      <a:prstDash val="dot"/>
+                      <a:round/>
+                      <a:headEnd type="none" w="med" len="med"/>
+                      <a:tailEnd type="none" w="med" len="med"/>
+                    </a:lnB>
+                    <a:noFill/>
+                  </a:tcPr>
+                </a:tc>
+                <a:extLst>
+                  <a:ext uri="{0D108BD9-81ED-4DB2-BD59-A6C34878D82A}">
+                    <a16:rowId xmlns:a16="http://schemas.microsoft.com/office/drawing/2014/main" val="5581767"/>
+                  </a:ext>
+                </a:extLst>
+              </a:tr>
+              <a:tr h="370840">
+                <a:tc>
+                  <a:txBody>
+                    <a:bodyPr/>
+                    <a:lstStyle/>
+                    <a:p>
+                      <a:endParaRPr lang="en-GB" sz="1600"/>
+                    </a:p>
+                  </a:txBody>
+                  <a:tcPr>
+                    <a:lnR w="12700" cap="flat" cmpd="sng" algn="ctr">
+                      <a:solidFill>
+                        <a:schemeClr val="tx1"/>
+                      </a:solidFill>
+                      <a:prstDash val="dot"/>
+                      <a:round/>
+                      <a:headEnd type="none" w="med" len="med"/>
+                      <a:tailEnd type="none" w="med" len="med"/>
+                    </a:lnR>
+                    <a:lnT w="12700" cap="flat" cmpd="sng" algn="ctr">
+                      <a:solidFill>
+                        <a:schemeClr val="tx1"/>
+                      </a:solidFill>
+                      <a:prstDash val="dot"/>
+                      <a:round/>
+                      <a:headEnd type="none" w="med" len="med"/>
+                      <a:tailEnd type="none" w="med" len="med"/>
+                    </a:lnT>
+                    <a:lnB w="12700" cap="flat" cmpd="sng" algn="ctr">
+                      <a:solidFill>
+                        <a:schemeClr val="tx1"/>
+                      </a:solidFill>
+                      <a:prstDash val="dot"/>
+                      <a:round/>
+                      <a:headEnd type="none" w="med" len="med"/>
+                      <a:tailEnd type="none" w="med" len="med"/>
+                    </a:lnB>
+                    <a:noFill/>
+                  </a:tcPr>
+                </a:tc>
+                <a:tc>
+                  <a:txBody>
+                    <a:bodyPr/>
+                    <a:lstStyle/>
+                    <a:p>
+                      <a:r>
+                        <a:rPr lang="en-GB" sz="1600"/>
+                        <a:t>Mean (</a:t>
+                      </a:r>
+                      <a:r>
+                        <a:rPr lang="en-GB" sz="1600" err="1"/>
+                        <a:t>sd</a:t>
+                      </a:r>
+                      <a:r>
+                        <a:rPr lang="en-GB" sz="1600"/>
+                        <a:t>)</a:t>
+                      </a:r>
+                    </a:p>
+                  </a:txBody>
+                  <a:tcPr>
+                    <a:lnL w="12700" cap="flat" cmpd="sng" algn="ctr">
+                      <a:solidFill>
+                        <a:schemeClr val="tx1"/>
+                      </a:solidFill>
+                      <a:prstDash val="dot"/>
+                      <a:round/>
+                      <a:headEnd type="none" w="med" len="med"/>
+                      <a:tailEnd type="none" w="med" len="med"/>
+                    </a:lnL>
+                    <a:lnR w="12700" cap="flat" cmpd="sng" algn="ctr">
+                      <a:solidFill>
+                        <a:schemeClr val="tx1"/>
+                      </a:solidFill>
+                      <a:prstDash val="solid"/>
+                      <a:round/>
+                      <a:headEnd type="none" w="med" len="med"/>
+                      <a:tailEnd type="none" w="med" len="med"/>
+                    </a:lnR>
+                    <a:lnT w="12700" cap="flat" cmpd="sng" algn="ctr">
+                      <a:solidFill>
+                        <a:schemeClr val="tx1"/>
+                      </a:solidFill>
+                      <a:prstDash val="dot"/>
+                      <a:round/>
+                      <a:headEnd type="none" w="med" len="med"/>
+                      <a:tailEnd type="none" w="med" len="med"/>
+                    </a:lnT>
+                    <a:lnB w="12700" cap="flat" cmpd="sng" algn="ctr">
+                      <a:solidFill>
+                        <a:schemeClr val="tx1"/>
+                      </a:solidFill>
+                      <a:prstDash val="dot"/>
+                      <a:round/>
+                      <a:headEnd type="none" w="med" len="med"/>
+                      <a:tailEnd type="none" w="med" len="med"/>
+                    </a:lnB>
+                    <a:noFill/>
+                  </a:tcPr>
+                </a:tc>
+                <a:tc>
+                  <a:txBody>
+                    <a:bodyPr/>
+                    <a:lstStyle/>
+                    <a:p>
+                      <a:pPr algn="ctr"/>
+                      <a:r>
+                        <a:rPr lang="en-GB" sz="1600">
+                          <a:latin typeface="Courier New" panose="02070309020205020404" pitchFamily="49" charset="0"/>
+                          <a:cs typeface="Courier New" panose="02070309020205020404" pitchFamily="49" charset="0"/>
+                        </a:rPr>
+                        <a:t>XX.X(XX.XX)</a:t>
+                      </a:r>
+                    </a:p>
+                  </a:txBody>
+                  <a:tcPr>
+                    <a:lnL w="12700" cap="flat" cmpd="sng" algn="ctr">
+                      <a:solidFill>
+                        <a:schemeClr val="tx1"/>
+                      </a:solidFill>
+                      <a:prstDash val="solid"/>
+                      <a:round/>
+                      <a:headEnd type="none" w="med" len="med"/>
+                      <a:tailEnd type="none" w="med" len="med"/>
+                    </a:lnL>
+                    <a:lnR w="12700" cap="flat" cmpd="sng" algn="ctr">
+                      <a:solidFill>
+                        <a:schemeClr val="tx1"/>
+                      </a:solidFill>
+                      <a:prstDash val="dot"/>
+                      <a:round/>
+                      <a:headEnd type="none" w="med" len="med"/>
+                      <a:tailEnd type="none" w="med" len="med"/>
+                    </a:lnR>
+                    <a:lnT w="12700" cap="flat" cmpd="sng" algn="ctr">
+                      <a:solidFill>
+                        <a:schemeClr val="tx1"/>
+                      </a:solidFill>
+                      <a:prstDash val="dot"/>
+                      <a:round/>
+                      <a:headEnd type="none" w="med" len="med"/>
+                      <a:tailEnd type="none" w="med" len="med"/>
+                    </a:lnT>
+                    <a:lnB w="12700" cap="flat" cmpd="sng" algn="ctr">
+                      <a:solidFill>
+                        <a:schemeClr val="tx1"/>
+                      </a:solidFill>
+                      <a:prstDash val="dot"/>
+                      <a:round/>
+                      <a:headEnd type="none" w="med" len="med"/>
+                      <a:tailEnd type="none" w="med" len="med"/>
+                    </a:lnB>
+                    <a:noFill/>
+                  </a:tcPr>
+                </a:tc>
+                <a:tc>
+                  <a:txBody>
+                    <a:bodyPr/>
+                    <a:lstStyle/>
+                    <a:p>
+                      <a:pPr marL="0" marR="0" lvl="0" indent="0" algn="ctr" defTabSz="1219170" rtl="0" eaLnBrk="1" fontAlgn="auto" latinLnBrk="0" hangingPunct="1">
+                        <a:lnSpc>
+                          <a:spcPct val="100000"/>
+                        </a:lnSpc>
+                        <a:spcBef>
+                          <a:spcPts val="0"/>
+                        </a:spcBef>
+                        <a:spcAft>
+                          <a:spcPts val="0"/>
+                        </a:spcAft>
+                        <a:buClrTx/>
+                        <a:buSzTx/>
+                        <a:buFontTx/>
+                        <a:buNone/>
+                        <a:tabLst/>
+                        <a:defRPr/>
+                      </a:pPr>
+                      <a:r>
+                        <a:rPr lang="en-GB" sz="1600">
+                          <a:latin typeface="Courier New" panose="02070309020205020404" pitchFamily="49" charset="0"/>
+                          <a:cs typeface="Courier New" panose="02070309020205020404" pitchFamily="49" charset="0"/>
+                        </a:rPr>
+                        <a:t>XX.X(XX.XX)</a:t>
+                      </a:r>
+                    </a:p>
+                  </a:txBody>
+                  <a:tcPr>
+                    <a:lnL w="12700" cap="flat" cmpd="sng" algn="ctr">
+                      <a:solidFill>
+                        <a:schemeClr val="tx1"/>
+                      </a:solidFill>
+                      <a:prstDash val="dot"/>
+                      <a:round/>
+                      <a:headEnd type="none" w="med" len="med"/>
+                      <a:tailEnd type="none" w="med" len="med"/>
+                    </a:lnL>
+                    <a:lnR w="12700" cap="flat" cmpd="sng" algn="ctr">
+                      <a:solidFill>
+                        <a:schemeClr val="tx1"/>
+                      </a:solidFill>
+                      <a:prstDash val="dot"/>
+                      <a:round/>
+                      <a:headEnd type="none" w="med" len="med"/>
+                      <a:tailEnd type="none" w="med" len="med"/>
+                    </a:lnR>
+                    <a:lnT w="12700" cap="flat" cmpd="sng" algn="ctr">
+                      <a:solidFill>
+                        <a:schemeClr val="tx1"/>
+                      </a:solidFill>
+                      <a:prstDash val="dot"/>
+                      <a:round/>
+                      <a:headEnd type="none" w="med" len="med"/>
+                      <a:tailEnd type="none" w="med" len="med"/>
+                    </a:lnT>
+                    <a:lnB w="12700" cap="flat" cmpd="sng" algn="ctr">
+                      <a:solidFill>
+                        <a:schemeClr val="tx1"/>
+                      </a:solidFill>
+                      <a:prstDash val="dot"/>
+                      <a:round/>
+                      <a:headEnd type="none" w="med" len="med"/>
+                      <a:tailEnd type="none" w="med" len="med"/>
+                    </a:lnB>
+                    <a:noFill/>
+                  </a:tcPr>
+                </a:tc>
+                <a:tc>
+                  <a:txBody>
+                    <a:bodyPr/>
+                    <a:lstStyle/>
+                    <a:p>
+                      <a:pPr marL="0" marR="0" lvl="0" indent="0" algn="ctr" defTabSz="1219170" rtl="0" eaLnBrk="1" fontAlgn="auto" latinLnBrk="0" hangingPunct="1">
+                        <a:lnSpc>
+                          <a:spcPct val="100000"/>
+                        </a:lnSpc>
+                        <a:spcBef>
+                          <a:spcPts val="0"/>
+                        </a:spcBef>
+                        <a:spcAft>
+                          <a:spcPts val="0"/>
+                        </a:spcAft>
+                        <a:buClrTx/>
+                        <a:buSzTx/>
+                        <a:buFontTx/>
+                        <a:buNone/>
+                        <a:tabLst/>
+                        <a:defRPr/>
+                      </a:pPr>
+                      <a:r>
+                        <a:rPr lang="en-GB" sz="1600">
+                          <a:latin typeface="Courier New" panose="02070309020205020404" pitchFamily="49" charset="0"/>
+                          <a:cs typeface="Courier New" panose="02070309020205020404" pitchFamily="49" charset="0"/>
+                        </a:rPr>
+                        <a:t>XX.X(XX.XX)</a:t>
+                      </a:r>
+                    </a:p>
+                  </a:txBody>
+                  <a:tcPr>
+                    <a:lnL w="12700" cap="flat" cmpd="sng" algn="ctr">
+                      <a:solidFill>
+                        <a:schemeClr val="tx1"/>
+                      </a:solidFill>
+                      <a:prstDash val="dot"/>
+                      <a:round/>
+                      <a:headEnd type="none" w="med" len="med"/>
+                      <a:tailEnd type="none" w="med" len="med"/>
+                    </a:lnL>
+                    <a:lnT w="12700" cap="flat" cmpd="sng" algn="ctr">
+                      <a:solidFill>
+                        <a:schemeClr val="tx1"/>
+                      </a:solidFill>
+                      <a:prstDash val="dot"/>
+                      <a:round/>
+                      <a:headEnd type="none" w="med" len="med"/>
+                      <a:tailEnd type="none" w="med" len="med"/>
+                    </a:lnT>
+                    <a:lnB w="12700" cap="flat" cmpd="sng" algn="ctr">
+                      <a:solidFill>
+                        <a:schemeClr val="tx1"/>
+                      </a:solidFill>
+                      <a:prstDash val="dot"/>
+                      <a:round/>
+                      <a:headEnd type="none" w="med" len="med"/>
+                      <a:tailEnd type="none" w="med" len="med"/>
+                    </a:lnB>
+                    <a:noFill/>
+                  </a:tcPr>
+                </a:tc>
+                <a:extLst>
+                  <a:ext uri="{0D108BD9-81ED-4DB2-BD59-A6C34878D82A}">
+                    <a16:rowId xmlns:a16="http://schemas.microsoft.com/office/drawing/2014/main" val="4221371649"/>
+                  </a:ext>
+                </a:extLst>
+              </a:tr>
+              <a:tr h="370840">
+                <a:tc>
+                  <a:txBody>
+                    <a:bodyPr/>
+                    <a:lstStyle/>
+                    <a:p>
+                      <a:endParaRPr lang="en-GB" sz="1600"/>
+                    </a:p>
+                  </a:txBody>
+                  <a:tcPr>
+                    <a:lnR w="12700" cap="flat" cmpd="sng" algn="ctr">
+                      <a:solidFill>
+                        <a:schemeClr val="tx1"/>
+                      </a:solidFill>
+                      <a:prstDash val="dot"/>
+                      <a:round/>
+                      <a:headEnd type="none" w="med" len="med"/>
+                      <a:tailEnd type="none" w="med" len="med"/>
+                    </a:lnR>
+                    <a:lnT w="12700" cap="flat" cmpd="sng" algn="ctr">
+                      <a:solidFill>
+                        <a:schemeClr val="tx1"/>
+                      </a:solidFill>
+                      <a:prstDash val="dot"/>
+                      <a:round/>
+                      <a:headEnd type="none" w="med" len="med"/>
+                      <a:tailEnd type="none" w="med" len="med"/>
+                    </a:lnT>
+                    <a:lnB w="12700" cap="flat" cmpd="sng" algn="ctr">
+                      <a:solidFill>
+                        <a:schemeClr val="tx1"/>
+                      </a:solidFill>
+                      <a:prstDash val="dot"/>
+                      <a:round/>
+                      <a:headEnd type="none" w="med" len="med"/>
+                      <a:tailEnd type="none" w="med" len="med"/>
+                    </a:lnB>
+                    <a:noFill/>
+                  </a:tcPr>
+                </a:tc>
+                <a:tc>
+                  <a:txBody>
+                    <a:bodyPr/>
+                    <a:lstStyle/>
+                    <a:p>
+                      <a:r>
+                        <a:rPr lang="en-GB" sz="1600"/>
+                        <a:t>Median</a:t>
+                      </a:r>
+                    </a:p>
+                  </a:txBody>
+                  <a:tcPr>
+                    <a:lnL w="12700" cap="flat" cmpd="sng" algn="ctr">
+                      <a:solidFill>
+                        <a:schemeClr val="tx1"/>
+                      </a:solidFill>
+                      <a:prstDash val="dot"/>
+                      <a:round/>
+                      <a:headEnd type="none" w="med" len="med"/>
+                      <a:tailEnd type="none" w="med" len="med"/>
+                    </a:lnL>
+                    <a:lnR w="12700" cap="flat" cmpd="sng" algn="ctr">
+                      <a:solidFill>
+                        <a:schemeClr val="tx1"/>
+                      </a:solidFill>
+                      <a:prstDash val="solid"/>
+                      <a:round/>
+                      <a:headEnd type="none" w="med" len="med"/>
+                      <a:tailEnd type="none" w="med" len="med"/>
+                    </a:lnR>
+                    <a:lnT w="12700" cap="flat" cmpd="sng" algn="ctr">
+                      <a:solidFill>
+                        <a:schemeClr val="tx1"/>
+                      </a:solidFill>
+                      <a:prstDash val="dot"/>
+                      <a:round/>
+                      <a:headEnd type="none" w="med" len="med"/>
+                      <a:tailEnd type="none" w="med" len="med"/>
+                    </a:lnT>
+                    <a:lnB w="12700" cap="flat" cmpd="sng" algn="ctr">
+                      <a:solidFill>
+                        <a:schemeClr val="tx1"/>
+                      </a:solidFill>
+                      <a:prstDash val="dot"/>
+                      <a:round/>
+                      <a:headEnd type="none" w="med" len="med"/>
+                      <a:tailEnd type="none" w="med" len="med"/>
+                    </a:lnB>
+                    <a:noFill/>
+                  </a:tcPr>
+                </a:tc>
+                <a:tc>
+                  <a:txBody>
+                    <a:bodyPr/>
+                    <a:lstStyle/>
+                    <a:p>
+                      <a:pPr algn="ctr"/>
+                      <a:r>
+                        <a:rPr lang="en-GB" sz="1600">
+                          <a:latin typeface="Courier New" panose="02070309020205020404" pitchFamily="49" charset="0"/>
+                          <a:cs typeface="Courier New" panose="02070309020205020404" pitchFamily="49" charset="0"/>
+                        </a:rPr>
+                        <a:t>XX.X</a:t>
+                      </a:r>
+                    </a:p>
+                  </a:txBody>
+                  <a:tcPr>
+                    <a:lnL w="12700" cap="flat" cmpd="sng" algn="ctr">
+                      <a:solidFill>
+                        <a:schemeClr val="tx1"/>
+                      </a:solidFill>
+                      <a:prstDash val="solid"/>
+                      <a:round/>
+                      <a:headEnd type="none" w="med" len="med"/>
+                      <a:tailEnd type="none" w="med" len="med"/>
+                    </a:lnL>
+                    <a:lnR w="12700" cap="flat" cmpd="sng" algn="ctr">
+                      <a:solidFill>
+                        <a:schemeClr val="tx1"/>
+                      </a:solidFill>
+                      <a:prstDash val="dot"/>
+                      <a:round/>
+                      <a:headEnd type="none" w="med" len="med"/>
+                      <a:tailEnd type="none" w="med" len="med"/>
+                    </a:lnR>
+                    <a:lnT w="12700" cap="flat" cmpd="sng" algn="ctr">
+                      <a:solidFill>
+                        <a:schemeClr val="tx1"/>
+                      </a:solidFill>
+                      <a:prstDash val="dot"/>
+                      <a:round/>
+                      <a:headEnd type="none" w="med" len="med"/>
+                      <a:tailEnd type="none" w="med" len="med"/>
+                    </a:lnT>
+                    <a:lnB w="12700" cap="flat" cmpd="sng" algn="ctr">
+                      <a:solidFill>
+                        <a:schemeClr val="tx1"/>
+                      </a:solidFill>
+                      <a:prstDash val="dot"/>
+                      <a:round/>
+                      <a:headEnd type="none" w="med" len="med"/>
+                      <a:tailEnd type="none" w="med" len="med"/>
+                    </a:lnB>
+                    <a:noFill/>
+                  </a:tcPr>
+                </a:tc>
+                <a:tc>
+                  <a:txBody>
+                    <a:bodyPr/>
+                    <a:lstStyle/>
+                    <a:p>
+                      <a:pPr algn="ctr"/>
+                      <a:r>
+                        <a:rPr lang="en-GB" sz="1600">
+                          <a:latin typeface="Courier New" panose="02070309020205020404" pitchFamily="49" charset="0"/>
+                          <a:cs typeface="Courier New" panose="02070309020205020404" pitchFamily="49" charset="0"/>
+                        </a:rPr>
+                        <a:t>XX.X</a:t>
+                      </a:r>
+                    </a:p>
+                  </a:txBody>
+                  <a:tcPr>
+                    <a:lnL w="12700" cap="flat" cmpd="sng" algn="ctr">
+                      <a:solidFill>
+                        <a:schemeClr val="tx1"/>
+                      </a:solidFill>
+                      <a:prstDash val="dot"/>
+                      <a:round/>
+                      <a:headEnd type="none" w="med" len="med"/>
+                      <a:tailEnd type="none" w="med" len="med"/>
+                    </a:lnL>
+                    <a:lnR w="12700" cap="flat" cmpd="sng" algn="ctr">
+                      <a:solidFill>
+                        <a:schemeClr val="tx1"/>
+                      </a:solidFill>
+                      <a:prstDash val="dot"/>
+                      <a:round/>
+                      <a:headEnd type="none" w="med" len="med"/>
+                      <a:tailEnd type="none" w="med" len="med"/>
+                    </a:lnR>
+                    <a:lnT w="12700" cap="flat" cmpd="sng" algn="ctr">
+                      <a:solidFill>
+                        <a:schemeClr val="tx1"/>
+                      </a:solidFill>
+                      <a:prstDash val="dot"/>
+                      <a:round/>
+                      <a:headEnd type="none" w="med" len="med"/>
+                      <a:tailEnd type="none" w="med" len="med"/>
+                    </a:lnT>
+                    <a:lnB w="12700" cap="flat" cmpd="sng" algn="ctr">
+                      <a:solidFill>
+                        <a:schemeClr val="tx1"/>
+                      </a:solidFill>
+                      <a:prstDash val="dot"/>
+                      <a:round/>
+                      <a:headEnd type="none" w="med" len="med"/>
+                      <a:tailEnd type="none" w="med" len="med"/>
+                    </a:lnB>
+                    <a:noFill/>
+                  </a:tcPr>
+                </a:tc>
+                <a:tc>
+                  <a:txBody>
+                    <a:bodyPr/>
+                    <a:lstStyle/>
+                    <a:p>
+                      <a:pPr algn="ctr"/>
+                      <a:r>
+                        <a:rPr lang="en-GB" sz="1600">
+                          <a:latin typeface="Courier New" panose="02070309020205020404" pitchFamily="49" charset="0"/>
+                          <a:cs typeface="Courier New" panose="02070309020205020404" pitchFamily="49" charset="0"/>
+                        </a:rPr>
+                        <a:t>XX.X</a:t>
+                      </a:r>
+                    </a:p>
+                  </a:txBody>
+                  <a:tcPr>
+                    <a:lnL w="12700" cap="flat" cmpd="sng" algn="ctr">
+                      <a:solidFill>
+                        <a:schemeClr val="tx1"/>
+                      </a:solidFill>
+                      <a:prstDash val="dot"/>
+                      <a:round/>
+                      <a:headEnd type="none" w="med" len="med"/>
+                      <a:tailEnd type="none" w="med" len="med"/>
+                    </a:lnL>
+                    <a:lnT w="12700" cap="flat" cmpd="sng" algn="ctr">
+                      <a:solidFill>
+                        <a:schemeClr val="tx1"/>
+                      </a:solidFill>
+                      <a:prstDash val="dot"/>
+                      <a:round/>
+                      <a:headEnd type="none" w="med" len="med"/>
+                      <a:tailEnd type="none" w="med" len="med"/>
+                    </a:lnT>
+                    <a:lnB w="12700" cap="flat" cmpd="sng" algn="ctr">
+                      <a:solidFill>
+                        <a:schemeClr val="tx1"/>
+                      </a:solidFill>
+                      <a:prstDash val="dot"/>
+                      <a:round/>
+                      <a:headEnd type="none" w="med" len="med"/>
+                      <a:tailEnd type="none" w="med" len="med"/>
+                    </a:lnB>
+                    <a:noFill/>
+                  </a:tcPr>
+                </a:tc>
+                <a:extLst>
+                  <a:ext uri="{0D108BD9-81ED-4DB2-BD59-A6C34878D82A}">
+                    <a16:rowId xmlns:a16="http://schemas.microsoft.com/office/drawing/2014/main" val="3286758342"/>
+                  </a:ext>
+                </a:extLst>
+              </a:tr>
+              <a:tr h="370840">
+                <a:tc>
+                  <a:txBody>
+                    <a:bodyPr/>
+                    <a:lstStyle/>
+                    <a:p>
+                      <a:endParaRPr lang="en-GB" sz="1600"/>
+                    </a:p>
+                  </a:txBody>
+                  <a:tcPr>
+                    <a:lnR w="12700" cap="flat" cmpd="sng" algn="ctr">
+                      <a:solidFill>
+                        <a:schemeClr val="tx1"/>
+                      </a:solidFill>
+                      <a:prstDash val="dot"/>
+                      <a:round/>
+                      <a:headEnd type="none" w="med" len="med"/>
+                      <a:tailEnd type="none" w="med" len="med"/>
+                    </a:lnR>
+                    <a:lnT w="12700" cap="flat" cmpd="sng" algn="ctr">
+                      <a:solidFill>
+                        <a:schemeClr val="tx1"/>
+                      </a:solidFill>
+                      <a:prstDash val="dot"/>
+                      <a:round/>
+                      <a:headEnd type="none" w="med" len="med"/>
+                      <a:tailEnd type="none" w="med" len="med"/>
+                    </a:lnT>
+                    <a:lnB w="12700" cap="flat" cmpd="sng" algn="ctr">
+                      <a:solidFill>
+                        <a:schemeClr val="tx1"/>
+                      </a:solidFill>
+                      <a:prstDash val="dot"/>
+                      <a:round/>
+                      <a:headEnd type="none" w="med" len="med"/>
+                      <a:tailEnd type="none" w="med" len="med"/>
+                    </a:lnB>
+                    <a:noFill/>
+                  </a:tcPr>
+                </a:tc>
+                <a:tc>
+                  <a:txBody>
+                    <a:bodyPr/>
+                    <a:lstStyle/>
+                    <a:p>
+                      <a:r>
+                        <a:rPr lang="en-GB" sz="1600"/>
+                        <a:t>Min, Max</a:t>
+                      </a:r>
+                    </a:p>
+                  </a:txBody>
+                  <a:tcPr>
+                    <a:lnL w="12700" cap="flat" cmpd="sng" algn="ctr">
+                      <a:solidFill>
+                        <a:schemeClr val="tx1"/>
+                      </a:solidFill>
+                      <a:prstDash val="dot"/>
+                      <a:round/>
+                      <a:headEnd type="none" w="med" len="med"/>
+                      <a:tailEnd type="none" w="med" len="med"/>
+                    </a:lnL>
+                    <a:lnR w="12700" cap="flat" cmpd="sng" algn="ctr">
+                      <a:solidFill>
+                        <a:schemeClr val="tx1"/>
+                      </a:solidFill>
+                      <a:prstDash val="solid"/>
+                      <a:round/>
+                      <a:headEnd type="none" w="med" len="med"/>
+                      <a:tailEnd type="none" w="med" len="med"/>
+                    </a:lnR>
+                    <a:lnT w="12700" cap="flat" cmpd="sng" algn="ctr">
+                      <a:solidFill>
+                        <a:schemeClr val="tx1"/>
+                      </a:solidFill>
+                      <a:prstDash val="dot"/>
+                      <a:round/>
+                      <a:headEnd type="none" w="med" len="med"/>
+                      <a:tailEnd type="none" w="med" len="med"/>
+                    </a:lnT>
+                    <a:lnB w="12700" cap="flat" cmpd="sng" algn="ctr">
+                      <a:solidFill>
+                        <a:schemeClr val="tx1"/>
+                      </a:solidFill>
+                      <a:prstDash val="dot"/>
+                      <a:round/>
+                      <a:headEnd type="none" w="med" len="med"/>
+                      <a:tailEnd type="none" w="med" len="med"/>
+                    </a:lnB>
+                    <a:noFill/>
+                  </a:tcPr>
+                </a:tc>
+                <a:tc>
+                  <a:txBody>
+                    <a:bodyPr/>
+                    <a:lstStyle/>
+                    <a:p>
+                      <a:pPr algn="ctr"/>
+                      <a:r>
+                        <a:rPr lang="en-GB" sz="1600">
+                          <a:latin typeface="Courier New" panose="02070309020205020404" pitchFamily="49" charset="0"/>
+                          <a:cs typeface="Courier New" panose="02070309020205020404" pitchFamily="49" charset="0"/>
+                        </a:rPr>
+                        <a:t>XX,XX</a:t>
+                      </a:r>
+                    </a:p>
+                  </a:txBody>
+                  <a:tcPr>
+                    <a:lnL w="12700" cap="flat" cmpd="sng" algn="ctr">
+                      <a:solidFill>
+                        <a:schemeClr val="tx1"/>
+                      </a:solidFill>
+                      <a:prstDash val="solid"/>
+                      <a:round/>
+                      <a:headEnd type="none" w="med" len="med"/>
+                      <a:tailEnd type="none" w="med" len="med"/>
+                    </a:lnL>
+                    <a:lnR w="12700" cap="flat" cmpd="sng" algn="ctr">
+                      <a:solidFill>
+                        <a:schemeClr val="tx1"/>
+                      </a:solidFill>
+                      <a:prstDash val="dot"/>
+                      <a:round/>
+                      <a:headEnd type="none" w="med" len="med"/>
+                      <a:tailEnd type="none" w="med" len="med"/>
+                    </a:lnR>
+                    <a:lnT w="12700" cap="flat" cmpd="sng" algn="ctr">
+                      <a:solidFill>
+                        <a:schemeClr val="tx1"/>
+                      </a:solidFill>
+                      <a:prstDash val="dot"/>
+                      <a:round/>
+                      <a:headEnd type="none" w="med" len="med"/>
+                      <a:tailEnd type="none" w="med" len="med"/>
+                    </a:lnT>
+                    <a:lnB w="12700" cap="flat" cmpd="sng" algn="ctr">
+                      <a:solidFill>
+                        <a:schemeClr val="tx1"/>
+                      </a:solidFill>
+                      <a:prstDash val="dot"/>
+                      <a:round/>
+                      <a:headEnd type="none" w="med" len="med"/>
+                      <a:tailEnd type="none" w="med" len="med"/>
+                    </a:lnB>
+                    <a:noFill/>
+                  </a:tcPr>
+                </a:tc>
+                <a:tc>
+                  <a:txBody>
+                    <a:bodyPr/>
+                    <a:lstStyle/>
+                    <a:p>
+                      <a:pPr algn="ctr"/>
+                      <a:r>
+                        <a:rPr lang="en-GB" sz="1600">
+                          <a:latin typeface="Courier New" panose="02070309020205020404" pitchFamily="49" charset="0"/>
+                          <a:cs typeface="Courier New" panose="02070309020205020404" pitchFamily="49" charset="0"/>
+                        </a:rPr>
+                        <a:t>XX,XX</a:t>
+                      </a:r>
+                    </a:p>
+                  </a:txBody>
+                  <a:tcPr>
+                    <a:lnL w="12700" cap="flat" cmpd="sng" algn="ctr">
+                      <a:solidFill>
+                        <a:schemeClr val="tx1"/>
+                      </a:solidFill>
+                      <a:prstDash val="dot"/>
+                      <a:round/>
+                      <a:headEnd type="none" w="med" len="med"/>
+                      <a:tailEnd type="none" w="med" len="med"/>
+                    </a:lnL>
+                    <a:lnR w="12700" cap="flat" cmpd="sng" algn="ctr">
+                      <a:solidFill>
+                        <a:schemeClr val="tx1"/>
+                      </a:solidFill>
+                      <a:prstDash val="dot"/>
+                      <a:round/>
+                      <a:headEnd type="none" w="med" len="med"/>
+                      <a:tailEnd type="none" w="med" len="med"/>
+                    </a:lnR>
+                    <a:lnT w="12700" cap="flat" cmpd="sng" algn="ctr">
+                      <a:solidFill>
+                        <a:schemeClr val="tx1"/>
+                      </a:solidFill>
+                      <a:prstDash val="dot"/>
+                      <a:round/>
+                      <a:headEnd type="none" w="med" len="med"/>
+                      <a:tailEnd type="none" w="med" len="med"/>
+                    </a:lnT>
+                    <a:lnB w="12700" cap="flat" cmpd="sng" algn="ctr">
+                      <a:solidFill>
+                        <a:schemeClr val="tx1"/>
+                      </a:solidFill>
+                      <a:prstDash val="dot"/>
+                      <a:round/>
+                      <a:headEnd type="none" w="med" len="med"/>
+                      <a:tailEnd type="none" w="med" len="med"/>
+                    </a:lnB>
+                    <a:noFill/>
+                  </a:tcPr>
+                </a:tc>
+                <a:tc>
+                  <a:txBody>
+                    <a:bodyPr/>
+                    <a:lstStyle/>
+                    <a:p>
+                      <a:pPr marL="0" marR="0" lvl="0" indent="0" algn="ctr" defTabSz="1219170" rtl="0" eaLnBrk="1" fontAlgn="auto" latinLnBrk="0" hangingPunct="1">
+                        <a:lnSpc>
+                          <a:spcPct val="100000"/>
+                        </a:lnSpc>
+                        <a:spcBef>
+                          <a:spcPts val="0"/>
+                        </a:spcBef>
+                        <a:spcAft>
+                          <a:spcPts val="0"/>
+                        </a:spcAft>
+                        <a:buClrTx/>
+                        <a:buSzTx/>
+                        <a:buFontTx/>
+                        <a:buNone/>
+                        <a:tabLst/>
+                        <a:defRPr/>
+                      </a:pPr>
+                      <a:r>
+                        <a:rPr lang="en-GB" sz="1600">
+                          <a:latin typeface="Courier New" panose="02070309020205020404" pitchFamily="49" charset="0"/>
+                          <a:cs typeface="Courier New" panose="02070309020205020404" pitchFamily="49" charset="0"/>
+                        </a:rPr>
+                        <a:t>XX,XX</a:t>
+                      </a:r>
+                    </a:p>
+                  </a:txBody>
+                  <a:tcPr>
+                    <a:lnL w="12700" cap="flat" cmpd="sng" algn="ctr">
+                      <a:solidFill>
+                        <a:schemeClr val="tx1"/>
+                      </a:solidFill>
+                      <a:prstDash val="dot"/>
+                      <a:round/>
+                      <a:headEnd type="none" w="med" len="med"/>
+                      <a:tailEnd type="none" w="med" len="med"/>
+                    </a:lnL>
+                    <a:lnT w="12700" cap="flat" cmpd="sng" algn="ctr">
+                      <a:solidFill>
+                        <a:schemeClr val="tx1"/>
+                      </a:solidFill>
+                      <a:prstDash val="dot"/>
+                      <a:round/>
+                      <a:headEnd type="none" w="med" len="med"/>
+                      <a:tailEnd type="none" w="med" len="med"/>
+                    </a:lnT>
+                    <a:lnB w="12700" cap="flat" cmpd="sng" algn="ctr">
+                      <a:solidFill>
+                        <a:schemeClr val="tx1"/>
+                      </a:solidFill>
+                      <a:prstDash val="dot"/>
+                      <a:round/>
+                      <a:headEnd type="none" w="med" len="med"/>
+                      <a:tailEnd type="none" w="med" len="med"/>
+                    </a:lnB>
+                    <a:noFill/>
+                  </a:tcPr>
+                </a:tc>
+                <a:extLst>
+                  <a:ext uri="{0D108BD9-81ED-4DB2-BD59-A6C34878D82A}">
+                    <a16:rowId xmlns:a16="http://schemas.microsoft.com/office/drawing/2014/main" val="3070892772"/>
+                  </a:ext>
+                </a:extLst>
+              </a:tr>
+              <a:tr h="370840">
+                <a:tc>
+                  <a:txBody>
+                    <a:bodyPr/>
+                    <a:lstStyle/>
+                    <a:p>
+                      <a:endParaRPr lang="en-GB" sz="1600"/>
+                    </a:p>
+                  </a:txBody>
+                  <a:tcPr>
+                    <a:lnR w="12700" cap="flat" cmpd="sng" algn="ctr">
+                      <a:solidFill>
+                        <a:schemeClr val="tx1"/>
+                      </a:solidFill>
+                      <a:prstDash val="dot"/>
+                      <a:round/>
+                      <a:headEnd type="none" w="med" len="med"/>
+                      <a:tailEnd type="none" w="med" len="med"/>
+                    </a:lnR>
+                    <a:lnT w="12700" cap="flat" cmpd="sng" algn="ctr">
+                      <a:solidFill>
+                        <a:schemeClr val="tx1"/>
+                      </a:solidFill>
+                      <a:prstDash val="dot"/>
+                      <a:round/>
+                      <a:headEnd type="none" w="med" len="med"/>
+                      <a:tailEnd type="none" w="med" len="med"/>
+                    </a:lnT>
+                    <a:lnB w="12700" cap="flat" cmpd="sng" algn="ctr">
+                      <a:solidFill>
+                        <a:schemeClr val="tx1"/>
+                      </a:solidFill>
+                      <a:prstDash val="dot"/>
+                      <a:round/>
+                      <a:headEnd type="none" w="med" len="med"/>
+                      <a:tailEnd type="none" w="med" len="med"/>
+                    </a:lnB>
+                    <a:noFill/>
+                  </a:tcPr>
+                </a:tc>
+                <a:tc>
+                  <a:txBody>
+                    <a:bodyPr/>
+                    <a:lstStyle/>
+                    <a:p>
+                      <a:endParaRPr lang="en-GB" sz="1600"/>
+                    </a:p>
+                  </a:txBody>
+                  <a:tcPr>
+                    <a:lnL w="12700" cap="flat" cmpd="sng" algn="ctr">
+                      <a:solidFill>
+                        <a:schemeClr val="tx1"/>
+                      </a:solidFill>
+                      <a:prstDash val="dot"/>
+                      <a:round/>
+                      <a:headEnd type="none" w="med" len="med"/>
+                      <a:tailEnd type="none" w="med" len="med"/>
+                    </a:lnL>
+                    <a:lnR w="12700" cap="flat" cmpd="sng" algn="ctr">
+                      <a:solidFill>
+                        <a:schemeClr val="tx1"/>
+                      </a:solidFill>
+                      <a:prstDash val="solid"/>
+                      <a:round/>
+                      <a:headEnd type="none" w="med" len="med"/>
+                      <a:tailEnd type="none" w="med" len="med"/>
+                    </a:lnR>
+                    <a:lnT w="12700" cap="flat" cmpd="sng" algn="ctr">
+                      <a:solidFill>
+                        <a:schemeClr val="tx1"/>
+                      </a:solidFill>
+                      <a:prstDash val="dot"/>
+                      <a:round/>
+                      <a:headEnd type="none" w="med" len="med"/>
+                      <a:tailEnd type="none" w="med" len="med"/>
+                    </a:lnT>
+                    <a:lnB w="12700" cap="flat" cmpd="sng" algn="ctr">
+                      <a:solidFill>
+                        <a:schemeClr val="tx1"/>
+                      </a:solidFill>
+                      <a:prstDash val="dot"/>
+                      <a:round/>
+                      <a:headEnd type="none" w="med" len="med"/>
+                      <a:tailEnd type="none" w="med" len="med"/>
+                    </a:lnB>
+                    <a:noFill/>
+                  </a:tcPr>
+                </a:tc>
+                <a:tc>
+                  <a:txBody>
+                    <a:bodyPr/>
+                    <a:lstStyle/>
+                    <a:p>
+                      <a:pPr algn="ctr"/>
+                      <a:endParaRPr lang="en-GB" sz="1600">
+                        <a:latin typeface="Courier New" panose="02070309020205020404" pitchFamily="49" charset="0"/>
+                        <a:cs typeface="Courier New" panose="02070309020205020404" pitchFamily="49" charset="0"/>
+                      </a:endParaRPr>
+                    </a:p>
+                  </a:txBody>
+                  <a:tcPr>
+                    <a:lnL w="12700" cap="flat" cmpd="sng" algn="ctr">
+                      <a:solidFill>
+                        <a:schemeClr val="tx1"/>
+                      </a:solidFill>
+                      <a:prstDash val="solid"/>
+                      <a:round/>
+                      <a:headEnd type="none" w="med" len="med"/>
+                      <a:tailEnd type="none" w="med" len="med"/>
+                    </a:lnL>
+                    <a:lnR w="12700" cap="flat" cmpd="sng" algn="ctr">
+                      <a:solidFill>
+                        <a:schemeClr val="tx1"/>
+                      </a:solidFill>
+                      <a:prstDash val="dot"/>
+                      <a:round/>
+                      <a:headEnd type="none" w="med" len="med"/>
+                      <a:tailEnd type="none" w="med" len="med"/>
+                    </a:lnR>
+                    <a:lnT w="12700" cap="flat" cmpd="sng" algn="ctr">
+                      <a:solidFill>
+                        <a:schemeClr val="tx1"/>
+                      </a:solidFill>
+                      <a:prstDash val="dot"/>
+                      <a:round/>
+                      <a:headEnd type="none" w="med" len="med"/>
+                      <a:tailEnd type="none" w="med" len="med"/>
+                    </a:lnT>
+                    <a:lnB w="12700" cap="flat" cmpd="sng" algn="ctr">
+                      <a:solidFill>
+                        <a:schemeClr val="tx1"/>
+                      </a:solidFill>
+                      <a:prstDash val="dot"/>
+                      <a:round/>
+                      <a:headEnd type="none" w="med" len="med"/>
+                      <a:tailEnd type="none" w="med" len="med"/>
+                    </a:lnB>
+                    <a:noFill/>
+                  </a:tcPr>
+                </a:tc>
+                <a:tc>
+                  <a:txBody>
+                    <a:bodyPr/>
+                    <a:lstStyle/>
+                    <a:p>
+                      <a:pPr algn="ctr"/>
+                      <a:endParaRPr lang="en-GB" sz="1600">
+                        <a:latin typeface="Courier New" panose="02070309020205020404" pitchFamily="49" charset="0"/>
+                        <a:cs typeface="Courier New" panose="02070309020205020404" pitchFamily="49" charset="0"/>
+                      </a:endParaRPr>
+                    </a:p>
+                  </a:txBody>
+                  <a:tcPr>
+                    <a:lnL w="12700" cap="flat" cmpd="sng" algn="ctr">
+                      <a:solidFill>
+                        <a:schemeClr val="tx1"/>
+                      </a:solidFill>
+                      <a:prstDash val="dot"/>
+                      <a:round/>
+                      <a:headEnd type="none" w="med" len="med"/>
+                      <a:tailEnd type="none" w="med" len="med"/>
+                    </a:lnL>
+                    <a:lnR w="12700" cap="flat" cmpd="sng" algn="ctr">
+                      <a:solidFill>
+                        <a:schemeClr val="tx1"/>
+                      </a:solidFill>
+                      <a:prstDash val="dot"/>
+                      <a:round/>
+                      <a:headEnd type="none" w="med" len="med"/>
+                      <a:tailEnd type="none" w="med" len="med"/>
+                    </a:lnR>
+                    <a:lnT w="12700" cap="flat" cmpd="sng" algn="ctr">
+                      <a:solidFill>
+                        <a:schemeClr val="tx1"/>
+                      </a:solidFill>
+                      <a:prstDash val="dot"/>
+                      <a:round/>
+                      <a:headEnd type="none" w="med" len="med"/>
+                      <a:tailEnd type="none" w="med" len="med"/>
+                    </a:lnT>
+                    <a:lnB w="12700" cap="flat" cmpd="sng" algn="ctr">
+                      <a:solidFill>
+                        <a:schemeClr val="tx1"/>
+                      </a:solidFill>
+                      <a:prstDash val="dot"/>
+                      <a:round/>
+                      <a:headEnd type="none" w="med" len="med"/>
+                      <a:tailEnd type="none" w="med" len="med"/>
+                    </a:lnB>
+                    <a:noFill/>
+                  </a:tcPr>
+                </a:tc>
+                <a:tc>
+                  <a:txBody>
+                    <a:bodyPr/>
+                    <a:lstStyle/>
+                    <a:p>
+                      <a:pPr algn="ctr"/>
+                      <a:endParaRPr lang="en-GB" sz="1600">
+                        <a:latin typeface="Courier New" panose="02070309020205020404" pitchFamily="49" charset="0"/>
+                        <a:cs typeface="Courier New" panose="02070309020205020404" pitchFamily="49" charset="0"/>
+                      </a:endParaRPr>
+                    </a:p>
+                  </a:txBody>
+                  <a:tcPr>
+                    <a:lnL w="12700" cap="flat" cmpd="sng" algn="ctr">
+                      <a:solidFill>
+                        <a:schemeClr val="tx1"/>
+                      </a:solidFill>
+                      <a:prstDash val="dot"/>
+                      <a:round/>
+                      <a:headEnd type="none" w="med" len="med"/>
+                      <a:tailEnd type="none" w="med" len="med"/>
+                    </a:lnL>
+                    <a:lnT w="12700" cap="flat" cmpd="sng" algn="ctr">
+                      <a:solidFill>
+                        <a:schemeClr val="tx1"/>
+                      </a:solidFill>
+                      <a:prstDash val="dot"/>
+                      <a:round/>
+                      <a:headEnd type="none" w="med" len="med"/>
+                      <a:tailEnd type="none" w="med" len="med"/>
+                    </a:lnT>
+                    <a:lnB w="12700" cap="flat" cmpd="sng" algn="ctr">
+                      <a:solidFill>
+                        <a:schemeClr val="tx1"/>
+                      </a:solidFill>
+                      <a:prstDash val="dot"/>
+                      <a:round/>
+                      <a:headEnd type="none" w="med" len="med"/>
+                      <a:tailEnd type="none" w="med" len="med"/>
+                    </a:lnB>
+                    <a:noFill/>
+                  </a:tcPr>
+                </a:tc>
+                <a:extLst>
+                  <a:ext uri="{0D108BD9-81ED-4DB2-BD59-A6C34878D82A}">
+                    <a16:rowId xmlns:a16="http://schemas.microsoft.com/office/drawing/2014/main" val="2374896927"/>
+                  </a:ext>
+                </a:extLst>
+              </a:tr>
+              <a:tr h="370840">
+                <a:tc>
+                  <a:txBody>
+                    <a:bodyPr/>
+                    <a:lstStyle/>
+                    <a:p>
+                      <a:endParaRPr lang="en-GB" sz="1600"/>
+                    </a:p>
+                  </a:txBody>
+                  <a:tcPr>
+                    <a:lnR w="12700" cap="flat" cmpd="sng" algn="ctr">
+                      <a:solidFill>
+                        <a:schemeClr val="tx1"/>
+                      </a:solidFill>
+                      <a:prstDash val="dot"/>
+                      <a:round/>
+                      <a:headEnd type="none" w="med" len="med"/>
+                      <a:tailEnd type="none" w="med" len="med"/>
+                    </a:lnR>
+                    <a:lnT w="12700" cap="flat" cmpd="sng" algn="ctr">
+                      <a:solidFill>
+                        <a:schemeClr val="tx1"/>
+                      </a:solidFill>
+                      <a:prstDash val="dot"/>
+                      <a:round/>
+                      <a:headEnd type="none" w="med" len="med"/>
+                      <a:tailEnd type="none" w="med" len="med"/>
+                    </a:lnT>
+                    <a:lnB w="12700" cap="flat" cmpd="sng" algn="ctr">
+                      <a:solidFill>
+                        <a:schemeClr val="tx1"/>
+                      </a:solidFill>
+                      <a:prstDash val="dot"/>
+                      <a:round/>
+                      <a:headEnd type="none" w="med" len="med"/>
+                      <a:tailEnd type="none" w="med" len="med"/>
+                    </a:lnB>
+                    <a:noFill/>
+                  </a:tcPr>
+                </a:tc>
+                <a:tc>
+                  <a:txBody>
+                    <a:bodyPr/>
+                    <a:lstStyle/>
+                    <a:p>
+                      <a:r>
+                        <a:rPr lang="en-GB" sz="1600"/>
+                        <a:t>&lt;65 </a:t>
+                      </a:r>
+                      <a:r>
+                        <a:rPr lang="en-GB" sz="1600" err="1"/>
+                        <a:t>yrs</a:t>
+                      </a:r>
+                      <a:endParaRPr lang="en-GB" sz="1600"/>
+                    </a:p>
+                  </a:txBody>
+                  <a:tcPr>
+                    <a:lnL w="12700" cap="flat" cmpd="sng" algn="ctr">
+                      <a:solidFill>
+                        <a:schemeClr val="tx1"/>
+                      </a:solidFill>
+                      <a:prstDash val="dot"/>
+                      <a:round/>
+                      <a:headEnd type="none" w="med" len="med"/>
+                      <a:tailEnd type="none" w="med" len="med"/>
+                    </a:lnL>
+                    <a:lnR w="12700" cap="flat" cmpd="sng" algn="ctr">
+                      <a:solidFill>
+                        <a:schemeClr val="tx1"/>
+                      </a:solidFill>
+                      <a:prstDash val="solid"/>
+                      <a:round/>
+                      <a:headEnd type="none" w="med" len="med"/>
+                      <a:tailEnd type="none" w="med" len="med"/>
+                    </a:lnR>
+                    <a:lnT w="12700" cap="flat" cmpd="sng" algn="ctr">
+                      <a:solidFill>
+                        <a:schemeClr val="tx1"/>
+                      </a:solidFill>
+                      <a:prstDash val="dot"/>
+                      <a:round/>
+                      <a:headEnd type="none" w="med" len="med"/>
+                      <a:tailEnd type="none" w="med" len="med"/>
+                    </a:lnT>
+                    <a:lnB w="12700" cap="flat" cmpd="sng" algn="ctr">
+                      <a:solidFill>
+                        <a:schemeClr val="tx1"/>
+                      </a:solidFill>
+                      <a:prstDash val="dot"/>
+                      <a:round/>
+                      <a:headEnd type="none" w="med" len="med"/>
+                      <a:tailEnd type="none" w="med" len="med"/>
+                    </a:lnB>
+                    <a:noFill/>
+                  </a:tcPr>
+                </a:tc>
+                <a:tc>
+                  <a:txBody>
+                    <a:bodyPr/>
+                    <a:lstStyle/>
+                    <a:p>
+                      <a:pPr algn="ctr"/>
+                      <a:r>
+                        <a:rPr lang="en-GB" sz="1600">
+                          <a:latin typeface="Courier New" panose="02070309020205020404" pitchFamily="49" charset="0"/>
+                          <a:cs typeface="Courier New" panose="02070309020205020404" pitchFamily="49" charset="0"/>
+                        </a:rPr>
+                        <a:t>XX (XX.X%)</a:t>
+                      </a:r>
+                    </a:p>
+                  </a:txBody>
+                  <a:tcPr>
+                    <a:lnL w="12700" cap="flat" cmpd="sng" algn="ctr">
+                      <a:solidFill>
+                        <a:schemeClr val="tx1"/>
+                      </a:solidFill>
+                      <a:prstDash val="solid"/>
+                      <a:round/>
+                      <a:headEnd type="none" w="med" len="med"/>
+                      <a:tailEnd type="none" w="med" len="med"/>
+                    </a:lnL>
+                    <a:lnR w="12700" cap="flat" cmpd="sng" algn="ctr">
+                      <a:solidFill>
+                        <a:schemeClr val="tx1"/>
+                      </a:solidFill>
+                      <a:prstDash val="dot"/>
+                      <a:round/>
+                      <a:headEnd type="none" w="med" len="med"/>
+                      <a:tailEnd type="none" w="med" len="med"/>
+                    </a:lnR>
+                    <a:lnT w="12700" cap="flat" cmpd="sng" algn="ctr">
+                      <a:solidFill>
+                        <a:schemeClr val="tx1"/>
+                      </a:solidFill>
+                      <a:prstDash val="dot"/>
+                      <a:round/>
+                      <a:headEnd type="none" w="med" len="med"/>
+                      <a:tailEnd type="none" w="med" len="med"/>
+                    </a:lnT>
+                    <a:lnB w="12700" cap="flat" cmpd="sng" algn="ctr">
+                      <a:solidFill>
+                        <a:schemeClr val="tx1"/>
+                      </a:solidFill>
+                      <a:prstDash val="dot"/>
+                      <a:round/>
+                      <a:headEnd type="none" w="med" len="med"/>
+                      <a:tailEnd type="none" w="med" len="med"/>
+                    </a:lnB>
+                    <a:noFill/>
+                  </a:tcPr>
+                </a:tc>
+                <a:tc>
+                  <a:txBody>
+                    <a:bodyPr/>
+                    <a:lstStyle/>
+                    <a:p>
+                      <a:pPr marL="0" marR="0" lvl="0" indent="0" algn="ctr" defTabSz="1219170" rtl="0" eaLnBrk="1" fontAlgn="auto" latinLnBrk="0" hangingPunct="1">
+                        <a:lnSpc>
+                          <a:spcPct val="100000"/>
+                        </a:lnSpc>
+                        <a:spcBef>
+                          <a:spcPts val="0"/>
+                        </a:spcBef>
+                        <a:spcAft>
+                          <a:spcPts val="0"/>
+                        </a:spcAft>
+                        <a:buClrTx/>
+                        <a:buSzTx/>
+                        <a:buFontTx/>
+                        <a:buNone/>
+                        <a:tabLst/>
+                        <a:defRPr/>
+                      </a:pPr>
+                      <a:r>
+                        <a:rPr lang="en-GB" sz="1600">
+                          <a:latin typeface="Courier New" panose="02070309020205020404" pitchFamily="49" charset="0"/>
+                          <a:cs typeface="Courier New" panose="02070309020205020404" pitchFamily="49" charset="0"/>
+                        </a:rPr>
+                        <a:t>XX (XX.X%)</a:t>
+                      </a:r>
+                    </a:p>
+                  </a:txBody>
+                  <a:tcPr>
+                    <a:lnL w="12700" cap="flat" cmpd="sng" algn="ctr">
+                      <a:solidFill>
+                        <a:schemeClr val="tx1"/>
+                      </a:solidFill>
+                      <a:prstDash val="dot"/>
+                      <a:round/>
+                      <a:headEnd type="none" w="med" len="med"/>
+                      <a:tailEnd type="none" w="med" len="med"/>
+                    </a:lnL>
+                    <a:lnR w="12700" cap="flat" cmpd="sng" algn="ctr">
+                      <a:solidFill>
+                        <a:schemeClr val="tx1"/>
+                      </a:solidFill>
+                      <a:prstDash val="dot"/>
+                      <a:round/>
+                      <a:headEnd type="none" w="med" len="med"/>
+                      <a:tailEnd type="none" w="med" len="med"/>
+                    </a:lnR>
+                    <a:lnT w="12700" cap="flat" cmpd="sng" algn="ctr">
+                      <a:solidFill>
+                        <a:schemeClr val="tx1"/>
+                      </a:solidFill>
+                      <a:prstDash val="dot"/>
+                      <a:round/>
+                      <a:headEnd type="none" w="med" len="med"/>
+                      <a:tailEnd type="none" w="med" len="med"/>
+                    </a:lnT>
+                    <a:lnB w="12700" cap="flat" cmpd="sng" algn="ctr">
+                      <a:solidFill>
+                        <a:schemeClr val="tx1"/>
+                      </a:solidFill>
+                      <a:prstDash val="dot"/>
+                      <a:round/>
+                      <a:headEnd type="none" w="med" len="med"/>
+                      <a:tailEnd type="none" w="med" len="med"/>
+                    </a:lnB>
+                    <a:noFill/>
+                  </a:tcPr>
+                </a:tc>
+                <a:tc>
+                  <a:txBody>
+                    <a:bodyPr/>
+                    <a:lstStyle/>
+                    <a:p>
+                      <a:pPr marL="0" marR="0" lvl="0" indent="0" algn="ctr" defTabSz="1219170" rtl="0" eaLnBrk="1" fontAlgn="auto" latinLnBrk="0" hangingPunct="1">
+                        <a:lnSpc>
+                          <a:spcPct val="100000"/>
+                        </a:lnSpc>
+                        <a:spcBef>
+                          <a:spcPts val="0"/>
+                        </a:spcBef>
+                        <a:spcAft>
+                          <a:spcPts val="0"/>
+                        </a:spcAft>
+                        <a:buClrTx/>
+                        <a:buSzTx/>
+                        <a:buFontTx/>
+                        <a:buNone/>
+                        <a:tabLst/>
+                        <a:defRPr/>
+                      </a:pPr>
+                      <a:r>
+                        <a:rPr lang="en-GB" sz="1600">
+                          <a:latin typeface="Courier New" panose="02070309020205020404" pitchFamily="49" charset="0"/>
+                          <a:cs typeface="Courier New" panose="02070309020205020404" pitchFamily="49" charset="0"/>
+                        </a:rPr>
+                        <a:t>XX (XX.X%)</a:t>
+                      </a:r>
+                    </a:p>
+                  </a:txBody>
+                  <a:tcPr>
+                    <a:lnL w="12700" cap="flat" cmpd="sng" algn="ctr">
+                      <a:solidFill>
+                        <a:schemeClr val="tx1"/>
+                      </a:solidFill>
+                      <a:prstDash val="dot"/>
+                      <a:round/>
+                      <a:headEnd type="none" w="med" len="med"/>
+                      <a:tailEnd type="none" w="med" len="med"/>
+                    </a:lnL>
+                    <a:lnT w="12700" cap="flat" cmpd="sng" algn="ctr">
+                      <a:solidFill>
+                        <a:schemeClr val="tx1"/>
+                      </a:solidFill>
+                      <a:prstDash val="dot"/>
+                      <a:round/>
+                      <a:headEnd type="none" w="med" len="med"/>
+                      <a:tailEnd type="none" w="med" len="med"/>
+                    </a:lnT>
+                    <a:lnB w="12700" cap="flat" cmpd="sng" algn="ctr">
+                      <a:solidFill>
+                        <a:schemeClr val="tx1"/>
+                      </a:solidFill>
+                      <a:prstDash val="dot"/>
+                      <a:round/>
+                      <a:headEnd type="none" w="med" len="med"/>
+                      <a:tailEnd type="none" w="med" len="med"/>
+                    </a:lnB>
+                    <a:noFill/>
+                  </a:tcPr>
+                </a:tc>
+                <a:extLst>
+                  <a:ext uri="{0D108BD9-81ED-4DB2-BD59-A6C34878D82A}">
+                    <a16:rowId xmlns:a16="http://schemas.microsoft.com/office/drawing/2014/main" val="3894387984"/>
+                  </a:ext>
+                </a:extLst>
+              </a:tr>
+              <a:tr h="370840">
+                <a:tc>
+                  <a:txBody>
+                    <a:bodyPr/>
+                    <a:lstStyle/>
+                    <a:p>
+                      <a:endParaRPr lang="en-GB" sz="1600"/>
+                    </a:p>
+                  </a:txBody>
+                  <a:tcPr>
+                    <a:lnR w="12700" cap="flat" cmpd="sng" algn="ctr">
+                      <a:solidFill>
+                        <a:schemeClr val="tx1"/>
+                      </a:solidFill>
+                      <a:prstDash val="dot"/>
+                      <a:round/>
+                      <a:headEnd type="none" w="med" len="med"/>
+                      <a:tailEnd type="none" w="med" len="med"/>
+                    </a:lnR>
+                    <a:lnT w="12700" cap="flat" cmpd="sng" algn="ctr">
+                      <a:solidFill>
+                        <a:schemeClr val="tx1"/>
+                      </a:solidFill>
+                      <a:prstDash val="dot"/>
+                      <a:round/>
+                      <a:headEnd type="none" w="med" len="med"/>
+                      <a:tailEnd type="none" w="med" len="med"/>
+                    </a:lnT>
+                    <a:lnB w="12700" cap="flat" cmpd="sng" algn="ctr">
+                      <a:solidFill>
+                        <a:schemeClr val="tx1"/>
+                      </a:solidFill>
+                      <a:prstDash val="dot"/>
+                      <a:round/>
+                      <a:headEnd type="none" w="med" len="med"/>
+                      <a:tailEnd type="none" w="med" len="med"/>
+                    </a:lnB>
+                    <a:noFill/>
+                  </a:tcPr>
+                </a:tc>
+                <a:tc>
+                  <a:txBody>
+                    <a:bodyPr/>
+                    <a:lstStyle/>
+                    <a:p>
+                      <a:r>
+                        <a:rPr lang="en-GB" sz="1600"/>
+                        <a:t>65-80 </a:t>
+                      </a:r>
+                      <a:r>
+                        <a:rPr lang="en-GB" sz="1600" err="1"/>
+                        <a:t>yrs</a:t>
+                      </a:r>
+                      <a:endParaRPr lang="en-GB" sz="1600"/>
+                    </a:p>
+                  </a:txBody>
+                  <a:tcPr>
+                    <a:lnL w="12700" cap="flat" cmpd="sng" algn="ctr">
+                      <a:solidFill>
+                        <a:schemeClr val="tx1"/>
+                      </a:solidFill>
+                      <a:prstDash val="dot"/>
+                      <a:round/>
+                      <a:headEnd type="none" w="med" len="med"/>
+                      <a:tailEnd type="none" w="med" len="med"/>
+                    </a:lnL>
+                    <a:lnR w="12700" cap="flat" cmpd="sng" algn="ctr">
+                      <a:solidFill>
+                        <a:schemeClr val="tx1"/>
+                      </a:solidFill>
+                      <a:prstDash val="solid"/>
+                      <a:round/>
+                      <a:headEnd type="none" w="med" len="med"/>
+                      <a:tailEnd type="none" w="med" len="med"/>
+                    </a:lnR>
+                    <a:lnT w="12700" cap="flat" cmpd="sng" algn="ctr">
+                      <a:solidFill>
+                        <a:schemeClr val="tx1"/>
+                      </a:solidFill>
+                      <a:prstDash val="dot"/>
+                      <a:round/>
+                      <a:headEnd type="none" w="med" len="med"/>
+                      <a:tailEnd type="none" w="med" len="med"/>
+                    </a:lnT>
+                    <a:lnB w="12700" cap="flat" cmpd="sng" algn="ctr">
+                      <a:solidFill>
+                        <a:schemeClr val="tx1"/>
+                      </a:solidFill>
+                      <a:prstDash val="dot"/>
+                      <a:round/>
+                      <a:headEnd type="none" w="med" len="med"/>
+                      <a:tailEnd type="none" w="med" len="med"/>
+                    </a:lnB>
+                    <a:noFill/>
+                  </a:tcPr>
+                </a:tc>
+                <a:tc>
+                  <a:txBody>
+                    <a:bodyPr/>
+                    <a:lstStyle/>
+                    <a:p>
+                      <a:pPr algn="ctr"/>
+                      <a:r>
+                        <a:rPr lang="en-GB" sz="1600">
+                          <a:latin typeface="Courier New" panose="02070309020205020404" pitchFamily="49" charset="0"/>
+                          <a:cs typeface="Courier New" panose="02070309020205020404" pitchFamily="49" charset="0"/>
+                        </a:rPr>
+                        <a:t>XX (XX.X%)</a:t>
+                      </a:r>
+                    </a:p>
+                  </a:txBody>
+                  <a:tcPr>
+                    <a:lnL w="12700" cap="flat" cmpd="sng" algn="ctr">
+                      <a:solidFill>
+                        <a:schemeClr val="tx1"/>
+                      </a:solidFill>
+                      <a:prstDash val="solid"/>
+                      <a:round/>
+                      <a:headEnd type="none" w="med" len="med"/>
+                      <a:tailEnd type="none" w="med" len="med"/>
+                    </a:lnL>
+                    <a:lnR w="12700" cap="flat" cmpd="sng" algn="ctr">
+                      <a:solidFill>
+                        <a:schemeClr val="tx1"/>
+                      </a:solidFill>
+                      <a:prstDash val="dot"/>
+                      <a:round/>
+                      <a:headEnd type="none" w="med" len="med"/>
+                      <a:tailEnd type="none" w="med" len="med"/>
+                    </a:lnR>
+                    <a:lnT w="12700" cap="flat" cmpd="sng" algn="ctr">
+                      <a:solidFill>
+                        <a:schemeClr val="tx1"/>
+                      </a:solidFill>
+                      <a:prstDash val="dot"/>
+                      <a:round/>
+                      <a:headEnd type="none" w="med" len="med"/>
+                      <a:tailEnd type="none" w="med" len="med"/>
+                    </a:lnT>
+                    <a:lnB w="12700" cap="flat" cmpd="sng" algn="ctr">
+                      <a:solidFill>
+                        <a:schemeClr val="tx1"/>
+                      </a:solidFill>
+                      <a:prstDash val="dot"/>
+                      <a:round/>
+                      <a:headEnd type="none" w="med" len="med"/>
+                      <a:tailEnd type="none" w="med" len="med"/>
+                    </a:lnB>
+                    <a:noFill/>
+                  </a:tcPr>
+                </a:tc>
+                <a:tc>
+                  <a:txBody>
+                    <a:bodyPr/>
+                    <a:lstStyle/>
+                    <a:p>
+                      <a:pPr marL="0" marR="0" lvl="0" indent="0" algn="ctr" defTabSz="1219170" rtl="0" eaLnBrk="1" fontAlgn="auto" latinLnBrk="0" hangingPunct="1">
+                        <a:lnSpc>
+                          <a:spcPct val="100000"/>
+                        </a:lnSpc>
+                        <a:spcBef>
+                          <a:spcPts val="0"/>
+                        </a:spcBef>
+                        <a:spcAft>
+                          <a:spcPts val="0"/>
+                        </a:spcAft>
+                        <a:buClrTx/>
+                        <a:buSzTx/>
+                        <a:buFontTx/>
+                        <a:buNone/>
+                        <a:tabLst/>
+                        <a:defRPr/>
+                      </a:pPr>
+                      <a:r>
+                        <a:rPr lang="en-GB" sz="1600">
+                          <a:latin typeface="Courier New" panose="02070309020205020404" pitchFamily="49" charset="0"/>
+                          <a:cs typeface="Courier New" panose="02070309020205020404" pitchFamily="49" charset="0"/>
+                        </a:rPr>
+                        <a:t>XX (XX.X%)</a:t>
+                      </a:r>
+                    </a:p>
+                  </a:txBody>
+                  <a:tcPr>
+                    <a:lnL w="12700" cap="flat" cmpd="sng" algn="ctr">
+                      <a:solidFill>
+                        <a:schemeClr val="tx1"/>
+                      </a:solidFill>
+                      <a:prstDash val="dot"/>
+                      <a:round/>
+                      <a:headEnd type="none" w="med" len="med"/>
+                      <a:tailEnd type="none" w="med" len="med"/>
+                    </a:lnL>
+                    <a:lnR w="12700" cap="flat" cmpd="sng" algn="ctr">
+                      <a:solidFill>
+                        <a:schemeClr val="tx1"/>
+                      </a:solidFill>
+                      <a:prstDash val="dot"/>
+                      <a:round/>
+                      <a:headEnd type="none" w="med" len="med"/>
+                      <a:tailEnd type="none" w="med" len="med"/>
+                    </a:lnR>
+                    <a:lnT w="12700" cap="flat" cmpd="sng" algn="ctr">
+                      <a:solidFill>
+                        <a:schemeClr val="tx1"/>
+                      </a:solidFill>
+                      <a:prstDash val="dot"/>
+                      <a:round/>
+                      <a:headEnd type="none" w="med" len="med"/>
+                      <a:tailEnd type="none" w="med" len="med"/>
+                    </a:lnT>
+                    <a:lnB w="12700" cap="flat" cmpd="sng" algn="ctr">
+                      <a:solidFill>
+                        <a:schemeClr val="tx1"/>
+                      </a:solidFill>
+                      <a:prstDash val="dot"/>
+                      <a:round/>
+                      <a:headEnd type="none" w="med" len="med"/>
+                      <a:tailEnd type="none" w="med" len="med"/>
+                    </a:lnB>
+                    <a:noFill/>
+                  </a:tcPr>
+                </a:tc>
+                <a:tc>
+                  <a:txBody>
+                    <a:bodyPr/>
+                    <a:lstStyle/>
+                    <a:p>
+                      <a:pPr marL="0" marR="0" lvl="0" indent="0" algn="ctr" defTabSz="1219170" rtl="0" eaLnBrk="1" fontAlgn="auto" latinLnBrk="0" hangingPunct="1">
+                        <a:lnSpc>
+                          <a:spcPct val="100000"/>
+                        </a:lnSpc>
+                        <a:spcBef>
+                          <a:spcPts val="0"/>
+                        </a:spcBef>
+                        <a:spcAft>
+                          <a:spcPts val="0"/>
+                        </a:spcAft>
+                        <a:buClrTx/>
+                        <a:buSzTx/>
+                        <a:buFontTx/>
+                        <a:buNone/>
+                        <a:tabLst/>
+                        <a:defRPr/>
+                      </a:pPr>
+                      <a:r>
+                        <a:rPr lang="en-GB" sz="1600">
+                          <a:latin typeface="Courier New" panose="02070309020205020404" pitchFamily="49" charset="0"/>
+                          <a:cs typeface="Courier New" panose="02070309020205020404" pitchFamily="49" charset="0"/>
+                        </a:rPr>
+                        <a:t>XX (XX.X%)</a:t>
+                      </a:r>
+                    </a:p>
+                  </a:txBody>
+                  <a:tcPr>
+                    <a:lnL w="12700" cap="flat" cmpd="sng" algn="ctr">
+                      <a:solidFill>
+                        <a:schemeClr val="tx1"/>
+                      </a:solidFill>
+                      <a:prstDash val="dot"/>
+                      <a:round/>
+                      <a:headEnd type="none" w="med" len="med"/>
+                      <a:tailEnd type="none" w="med" len="med"/>
+                    </a:lnL>
+                    <a:lnT w="12700" cap="flat" cmpd="sng" algn="ctr">
+                      <a:solidFill>
+                        <a:schemeClr val="tx1"/>
+                      </a:solidFill>
+                      <a:prstDash val="dot"/>
+                      <a:round/>
+                      <a:headEnd type="none" w="med" len="med"/>
+                      <a:tailEnd type="none" w="med" len="med"/>
+                    </a:lnT>
+                    <a:lnB w="12700" cap="flat" cmpd="sng" algn="ctr">
+                      <a:solidFill>
+                        <a:schemeClr val="tx1"/>
+                      </a:solidFill>
+                      <a:prstDash val="dot"/>
+                      <a:round/>
+                      <a:headEnd type="none" w="med" len="med"/>
+                      <a:tailEnd type="none" w="med" len="med"/>
+                    </a:lnB>
+                    <a:noFill/>
+                  </a:tcPr>
+                </a:tc>
+                <a:extLst>
+                  <a:ext uri="{0D108BD9-81ED-4DB2-BD59-A6C34878D82A}">
+                    <a16:rowId xmlns:a16="http://schemas.microsoft.com/office/drawing/2014/main" val="3471175716"/>
+                  </a:ext>
+                </a:extLst>
+              </a:tr>
+              <a:tr h="370840">
+                <a:tc>
+                  <a:txBody>
+                    <a:bodyPr/>
+                    <a:lstStyle/>
+                    <a:p>
+                      <a:endParaRPr lang="en-GB" sz="1600"/>
+                    </a:p>
+                  </a:txBody>
+                  <a:tcPr>
+                    <a:lnR w="12700" cap="flat" cmpd="sng" algn="ctr">
+                      <a:solidFill>
+                        <a:schemeClr val="tx1"/>
+                      </a:solidFill>
+                      <a:prstDash val="dot"/>
+                      <a:round/>
+                      <a:headEnd type="none" w="med" len="med"/>
+                      <a:tailEnd type="none" w="med" len="med"/>
+                    </a:lnR>
+                    <a:lnT w="12700" cap="flat" cmpd="sng" algn="ctr">
+                      <a:solidFill>
+                        <a:schemeClr val="tx1"/>
+                      </a:solidFill>
+                      <a:prstDash val="dot"/>
+                      <a:round/>
+                      <a:headEnd type="none" w="med" len="med"/>
+                      <a:tailEnd type="none" w="med" len="med"/>
+                    </a:lnT>
+                    <a:lnB w="12700" cap="flat" cmpd="sng" algn="ctr">
+                      <a:solidFill>
+                        <a:schemeClr val="tx1"/>
+                      </a:solidFill>
+                      <a:prstDash val="dot"/>
+                      <a:round/>
+                      <a:headEnd type="none" w="med" len="med"/>
+                      <a:tailEnd type="none" w="med" len="med"/>
+                    </a:lnB>
+                    <a:noFill/>
+                  </a:tcPr>
+                </a:tc>
+                <a:tc>
+                  <a:txBody>
+                    <a:bodyPr/>
+                    <a:lstStyle/>
+                    <a:p>
+                      <a:r>
+                        <a:rPr lang="en-GB" sz="1600"/>
+                        <a:t>&gt;80 </a:t>
+                      </a:r>
+                      <a:r>
+                        <a:rPr lang="en-GB" sz="1600" err="1"/>
+                        <a:t>yrs</a:t>
+                      </a:r>
+                      <a:endParaRPr lang="en-GB" sz="1600"/>
+                    </a:p>
+                  </a:txBody>
+                  <a:tcPr>
+                    <a:lnL w="12700" cap="flat" cmpd="sng" algn="ctr">
+                      <a:solidFill>
+                        <a:schemeClr val="tx1"/>
+                      </a:solidFill>
+                      <a:prstDash val="dot"/>
+                      <a:round/>
+                      <a:headEnd type="none" w="med" len="med"/>
+                      <a:tailEnd type="none" w="med" len="med"/>
+                    </a:lnL>
+                    <a:lnR w="12700" cap="flat" cmpd="sng" algn="ctr">
+                      <a:solidFill>
+                        <a:schemeClr val="tx1"/>
+                      </a:solidFill>
+                      <a:prstDash val="solid"/>
+                      <a:round/>
+                      <a:headEnd type="none" w="med" len="med"/>
+                      <a:tailEnd type="none" w="med" len="med"/>
+                    </a:lnR>
+                    <a:lnT w="12700" cap="flat" cmpd="sng" algn="ctr">
+                      <a:solidFill>
+                        <a:schemeClr val="tx1"/>
+                      </a:solidFill>
+                      <a:prstDash val="dot"/>
+                      <a:round/>
+                      <a:headEnd type="none" w="med" len="med"/>
+                      <a:tailEnd type="none" w="med" len="med"/>
+                    </a:lnT>
+                    <a:lnB w="12700" cap="flat" cmpd="sng" algn="ctr">
+                      <a:solidFill>
+                        <a:schemeClr val="tx1"/>
+                      </a:solidFill>
+                      <a:prstDash val="dot"/>
+                      <a:round/>
+                      <a:headEnd type="none" w="med" len="med"/>
+                      <a:tailEnd type="none" w="med" len="med"/>
+                    </a:lnB>
+                    <a:noFill/>
+                  </a:tcPr>
+                </a:tc>
+                <a:tc>
+                  <a:txBody>
+                    <a:bodyPr/>
+                    <a:lstStyle/>
+                    <a:p>
+                      <a:pPr algn="ctr"/>
+                      <a:r>
+                        <a:rPr lang="en-GB" sz="1600">
+                          <a:latin typeface="Courier New" panose="02070309020205020404" pitchFamily="49" charset="0"/>
+                          <a:cs typeface="Courier New" panose="02070309020205020404" pitchFamily="49" charset="0"/>
+                        </a:rPr>
+                        <a:t>XX (XX.X%)</a:t>
+                      </a:r>
+                    </a:p>
+                  </a:txBody>
+                  <a:tcPr>
+                    <a:lnL w="12700" cap="flat" cmpd="sng" algn="ctr">
+                      <a:solidFill>
+                        <a:schemeClr val="tx1"/>
+                      </a:solidFill>
+                      <a:prstDash val="solid"/>
+                      <a:round/>
+                      <a:headEnd type="none" w="med" len="med"/>
+                      <a:tailEnd type="none" w="med" len="med"/>
+                    </a:lnL>
+                    <a:lnR w="12700" cap="flat" cmpd="sng" algn="ctr">
+                      <a:solidFill>
+                        <a:schemeClr val="tx1"/>
+                      </a:solidFill>
+                      <a:prstDash val="dot"/>
+                      <a:round/>
+                      <a:headEnd type="none" w="med" len="med"/>
+                      <a:tailEnd type="none" w="med" len="med"/>
+                    </a:lnR>
+                    <a:lnT w="12700" cap="flat" cmpd="sng" algn="ctr">
+                      <a:solidFill>
+                        <a:schemeClr val="tx1"/>
+                      </a:solidFill>
+                      <a:prstDash val="dot"/>
+                      <a:round/>
+                      <a:headEnd type="none" w="med" len="med"/>
+                      <a:tailEnd type="none" w="med" len="med"/>
+                    </a:lnT>
+                    <a:lnB w="12700" cap="flat" cmpd="sng" algn="ctr">
+                      <a:solidFill>
+                        <a:schemeClr val="tx1"/>
+                      </a:solidFill>
+                      <a:prstDash val="dot"/>
+                      <a:round/>
+                      <a:headEnd type="none" w="med" len="med"/>
+                      <a:tailEnd type="none" w="med" len="med"/>
+                    </a:lnB>
+                    <a:noFill/>
+                  </a:tcPr>
+                </a:tc>
+                <a:tc>
+                  <a:txBody>
+                    <a:bodyPr/>
+                    <a:lstStyle/>
+                    <a:p>
+                      <a:pPr marL="0" marR="0" lvl="0" indent="0" algn="ctr" defTabSz="1219170" rtl="0" eaLnBrk="1" fontAlgn="auto" latinLnBrk="0" hangingPunct="1">
+                        <a:lnSpc>
+                          <a:spcPct val="100000"/>
+                        </a:lnSpc>
+                        <a:spcBef>
+                          <a:spcPts val="0"/>
+                        </a:spcBef>
+                        <a:spcAft>
+                          <a:spcPts val="0"/>
+                        </a:spcAft>
+                        <a:buClrTx/>
+                        <a:buSzTx/>
+                        <a:buFontTx/>
+                        <a:buNone/>
+                        <a:tabLst/>
+                        <a:defRPr/>
+                      </a:pPr>
+                      <a:r>
+                        <a:rPr lang="en-GB" sz="1600">
+                          <a:latin typeface="Courier New" panose="02070309020205020404" pitchFamily="49" charset="0"/>
+                          <a:cs typeface="Courier New" panose="02070309020205020404" pitchFamily="49" charset="0"/>
+                        </a:rPr>
+                        <a:t>XX (XX.X%)</a:t>
+                      </a:r>
+                    </a:p>
+                  </a:txBody>
+                  <a:tcPr>
+                    <a:lnL w="12700" cap="flat" cmpd="sng" algn="ctr">
+                      <a:solidFill>
+                        <a:schemeClr val="tx1"/>
+                      </a:solidFill>
+                      <a:prstDash val="dot"/>
+                      <a:round/>
+                      <a:headEnd type="none" w="med" len="med"/>
+                      <a:tailEnd type="none" w="med" len="med"/>
+                    </a:lnL>
+                    <a:lnR w="12700" cap="flat" cmpd="sng" algn="ctr">
+                      <a:solidFill>
+                        <a:schemeClr val="tx1"/>
+                      </a:solidFill>
+                      <a:prstDash val="dot"/>
+                      <a:round/>
+                      <a:headEnd type="none" w="med" len="med"/>
+                      <a:tailEnd type="none" w="med" len="med"/>
+                    </a:lnR>
+                    <a:lnT w="12700" cap="flat" cmpd="sng" algn="ctr">
+                      <a:solidFill>
+                        <a:schemeClr val="tx1"/>
+                      </a:solidFill>
+                      <a:prstDash val="dot"/>
+                      <a:round/>
+                      <a:headEnd type="none" w="med" len="med"/>
+                      <a:tailEnd type="none" w="med" len="med"/>
+                    </a:lnT>
+                    <a:lnB w="12700" cap="flat" cmpd="sng" algn="ctr">
+                      <a:solidFill>
+                        <a:schemeClr val="tx1"/>
+                      </a:solidFill>
+                      <a:prstDash val="dot"/>
+                      <a:round/>
+                      <a:headEnd type="none" w="med" len="med"/>
+                      <a:tailEnd type="none" w="med" len="med"/>
+                    </a:lnB>
+                    <a:noFill/>
+                  </a:tcPr>
+                </a:tc>
+                <a:tc>
+                  <a:txBody>
+                    <a:bodyPr/>
+                    <a:lstStyle/>
+                    <a:p>
+                      <a:pPr marL="0" marR="0" lvl="0" indent="0" algn="ctr" defTabSz="1219170" rtl="0" eaLnBrk="1" fontAlgn="auto" latinLnBrk="0" hangingPunct="1">
+                        <a:lnSpc>
+                          <a:spcPct val="100000"/>
+                        </a:lnSpc>
+                        <a:spcBef>
+                          <a:spcPts val="0"/>
+                        </a:spcBef>
+                        <a:spcAft>
+                          <a:spcPts val="0"/>
+                        </a:spcAft>
+                        <a:buClrTx/>
+                        <a:buSzTx/>
+                        <a:buFontTx/>
+                        <a:buNone/>
+                        <a:tabLst/>
+                        <a:defRPr/>
+                      </a:pPr>
+                      <a:r>
+                        <a:rPr lang="en-GB" sz="1600">
+                          <a:latin typeface="Courier New" panose="02070309020205020404" pitchFamily="49" charset="0"/>
+                          <a:cs typeface="Courier New" panose="02070309020205020404" pitchFamily="49" charset="0"/>
+                        </a:rPr>
+                        <a:t>XX (XX.X%)</a:t>
+                      </a:r>
+                    </a:p>
+                  </a:txBody>
+                  <a:tcPr>
+                    <a:lnL w="12700" cap="flat" cmpd="sng" algn="ctr">
+                      <a:solidFill>
+                        <a:schemeClr val="tx1"/>
+                      </a:solidFill>
+                      <a:prstDash val="dot"/>
+                      <a:round/>
+                      <a:headEnd type="none" w="med" len="med"/>
+                      <a:tailEnd type="none" w="med" len="med"/>
+                    </a:lnL>
+                    <a:lnT w="12700" cap="flat" cmpd="sng" algn="ctr">
+                      <a:solidFill>
+                        <a:schemeClr val="tx1"/>
+                      </a:solidFill>
+                      <a:prstDash val="dot"/>
+                      <a:round/>
+                      <a:headEnd type="none" w="med" len="med"/>
+                      <a:tailEnd type="none" w="med" len="med"/>
+                    </a:lnT>
+                    <a:lnB w="12700" cap="flat" cmpd="sng" algn="ctr">
+                      <a:solidFill>
+                        <a:schemeClr val="tx1"/>
+                      </a:solidFill>
+                      <a:prstDash val="dot"/>
+                      <a:round/>
+                      <a:headEnd type="none" w="med" len="med"/>
+                      <a:tailEnd type="none" w="med" len="med"/>
+                    </a:lnB>
+                    <a:noFill/>
+                  </a:tcPr>
+                </a:tc>
+                <a:extLst>
+                  <a:ext uri="{0D108BD9-81ED-4DB2-BD59-A6C34878D82A}">
+                    <a16:rowId xmlns:a16="http://schemas.microsoft.com/office/drawing/2014/main" val="2791272013"/>
+                  </a:ext>
+                </a:extLst>
+              </a:tr>
+              <a:tr h="370840">
+                <a:tc>
+                  <a:txBody>
+                    <a:bodyPr/>
+                    <a:lstStyle/>
+                    <a:p>
+                      <a:endParaRPr lang="en-GB" sz="1600"/>
+                    </a:p>
+                  </a:txBody>
+                  <a:tcPr>
+                    <a:lnR w="12700" cap="flat" cmpd="sng" algn="ctr">
+                      <a:solidFill>
+                        <a:schemeClr val="tx1"/>
+                      </a:solidFill>
+                      <a:prstDash val="dot"/>
+                      <a:round/>
+                      <a:headEnd type="none" w="med" len="med"/>
+                      <a:tailEnd type="none" w="med" len="med"/>
+                    </a:lnR>
+                    <a:lnT w="12700" cap="flat" cmpd="sng" algn="ctr">
+                      <a:solidFill>
+                        <a:schemeClr val="tx1"/>
+                      </a:solidFill>
+                      <a:prstDash val="dot"/>
+                      <a:round/>
+                      <a:headEnd type="none" w="med" len="med"/>
+                      <a:tailEnd type="none" w="med" len="med"/>
+                    </a:lnT>
+                    <a:lnB w="12700" cap="flat" cmpd="sng" algn="ctr">
+                      <a:solidFill>
+                        <a:schemeClr val="tx1"/>
+                      </a:solidFill>
+                      <a:prstDash val="dot"/>
+                      <a:round/>
+                      <a:headEnd type="none" w="med" len="med"/>
+                      <a:tailEnd type="none" w="med" len="med"/>
+                    </a:lnB>
+                    <a:noFill/>
+                  </a:tcPr>
+                </a:tc>
+                <a:tc>
+                  <a:txBody>
+                    <a:bodyPr/>
+                    <a:lstStyle/>
+                    <a:p>
+                      <a:endParaRPr lang="en-GB" sz="1600"/>
+                    </a:p>
+                  </a:txBody>
+                  <a:tcPr>
+                    <a:lnL w="12700" cap="flat" cmpd="sng" algn="ctr">
+                      <a:solidFill>
+                        <a:schemeClr val="tx1"/>
+                      </a:solidFill>
+                      <a:prstDash val="dot"/>
+                      <a:round/>
+                      <a:headEnd type="none" w="med" len="med"/>
+                      <a:tailEnd type="none" w="med" len="med"/>
+                    </a:lnL>
+                    <a:lnR w="12700" cap="flat" cmpd="sng" algn="ctr">
+                      <a:solidFill>
+                        <a:schemeClr val="tx1"/>
+                      </a:solidFill>
+                      <a:prstDash val="solid"/>
+                      <a:round/>
+                      <a:headEnd type="none" w="med" len="med"/>
+                      <a:tailEnd type="none" w="med" len="med"/>
+                    </a:lnR>
+                    <a:lnT w="12700" cap="flat" cmpd="sng" algn="ctr">
+                      <a:solidFill>
+                        <a:schemeClr val="tx1"/>
+                      </a:solidFill>
+                      <a:prstDash val="dot"/>
+                      <a:round/>
+                      <a:headEnd type="none" w="med" len="med"/>
+                      <a:tailEnd type="none" w="med" len="med"/>
+                    </a:lnT>
+                    <a:lnB w="12700" cap="flat" cmpd="sng" algn="ctr">
+                      <a:solidFill>
+                        <a:schemeClr val="tx1"/>
+                      </a:solidFill>
+                      <a:prstDash val="dot"/>
+                      <a:round/>
+                      <a:headEnd type="none" w="med" len="med"/>
+                      <a:tailEnd type="none" w="med" len="med"/>
+                    </a:lnB>
+                    <a:noFill/>
+                  </a:tcPr>
+                </a:tc>
+                <a:tc>
+                  <a:txBody>
+                    <a:bodyPr/>
+                    <a:lstStyle/>
+                    <a:p>
+                      <a:pPr algn="ctr"/>
+                      <a:endParaRPr lang="en-GB" sz="1600">
+                        <a:latin typeface="Courier New" panose="02070309020205020404" pitchFamily="49" charset="0"/>
+                        <a:cs typeface="Courier New" panose="02070309020205020404" pitchFamily="49" charset="0"/>
+                      </a:endParaRPr>
+                    </a:p>
+                  </a:txBody>
+                  <a:tcPr>
+                    <a:lnL w="12700" cap="flat" cmpd="sng" algn="ctr">
+                      <a:solidFill>
+                        <a:schemeClr val="tx1"/>
+                      </a:solidFill>
+                      <a:prstDash val="solid"/>
+                      <a:round/>
+                      <a:headEnd type="none" w="med" len="med"/>
+                      <a:tailEnd type="none" w="med" len="med"/>
+                    </a:lnL>
+                    <a:lnR w="12700" cap="flat" cmpd="sng" algn="ctr">
+                      <a:solidFill>
+                        <a:schemeClr val="tx1"/>
+                      </a:solidFill>
+                      <a:prstDash val="dot"/>
+                      <a:round/>
+                      <a:headEnd type="none" w="med" len="med"/>
+                      <a:tailEnd type="none" w="med" len="med"/>
+                    </a:lnR>
+                    <a:lnT w="12700" cap="flat" cmpd="sng" algn="ctr">
+                      <a:solidFill>
+                        <a:schemeClr val="tx1"/>
+                      </a:solidFill>
+                      <a:prstDash val="dot"/>
+                      <a:round/>
+                      <a:headEnd type="none" w="med" len="med"/>
+                      <a:tailEnd type="none" w="med" len="med"/>
+                    </a:lnT>
+                    <a:lnB w="12700" cap="flat" cmpd="sng" algn="ctr">
+                      <a:solidFill>
+                        <a:schemeClr val="tx1"/>
+                      </a:solidFill>
+                      <a:prstDash val="dot"/>
+                      <a:round/>
+                      <a:headEnd type="none" w="med" len="med"/>
+                      <a:tailEnd type="none" w="med" len="med"/>
+                    </a:lnB>
+                    <a:noFill/>
+                  </a:tcPr>
+                </a:tc>
+                <a:tc>
+                  <a:txBody>
+                    <a:bodyPr/>
+                    <a:lstStyle/>
+                    <a:p>
+                      <a:pPr algn="ctr"/>
+                      <a:endParaRPr lang="en-GB" sz="1600">
+                        <a:latin typeface="Courier New" panose="02070309020205020404" pitchFamily="49" charset="0"/>
+                        <a:cs typeface="Courier New" panose="02070309020205020404" pitchFamily="49" charset="0"/>
+                      </a:endParaRPr>
+                    </a:p>
+                  </a:txBody>
+                  <a:tcPr>
+                    <a:lnL w="12700" cap="flat" cmpd="sng" algn="ctr">
+                      <a:solidFill>
+                        <a:schemeClr val="tx1"/>
+                      </a:solidFill>
+                      <a:prstDash val="dot"/>
+                      <a:round/>
+                      <a:headEnd type="none" w="med" len="med"/>
+                      <a:tailEnd type="none" w="med" len="med"/>
+                    </a:lnL>
+                    <a:lnR w="12700" cap="flat" cmpd="sng" algn="ctr">
+                      <a:solidFill>
+                        <a:schemeClr val="tx1"/>
+                      </a:solidFill>
+                      <a:prstDash val="dot"/>
+                      <a:round/>
+                      <a:headEnd type="none" w="med" len="med"/>
+                      <a:tailEnd type="none" w="med" len="med"/>
+                    </a:lnR>
+                    <a:lnT w="12700" cap="flat" cmpd="sng" algn="ctr">
+                      <a:solidFill>
+                        <a:schemeClr val="tx1"/>
+                      </a:solidFill>
+                      <a:prstDash val="dot"/>
+                      <a:round/>
+                      <a:headEnd type="none" w="med" len="med"/>
+                      <a:tailEnd type="none" w="med" len="med"/>
+                    </a:lnT>
+                    <a:lnB w="12700" cap="flat" cmpd="sng" algn="ctr">
+                      <a:solidFill>
+                        <a:schemeClr val="tx1"/>
+                      </a:solidFill>
+                      <a:prstDash val="dot"/>
+                      <a:round/>
+                      <a:headEnd type="none" w="med" len="med"/>
+                      <a:tailEnd type="none" w="med" len="med"/>
+                    </a:lnB>
+                    <a:noFill/>
+                  </a:tcPr>
+                </a:tc>
+                <a:tc>
+                  <a:txBody>
+                    <a:bodyPr/>
+                    <a:lstStyle/>
+                    <a:p>
+                      <a:pPr algn="ctr"/>
+                      <a:endParaRPr lang="en-GB" sz="1600">
+                        <a:latin typeface="Courier New" panose="02070309020205020404" pitchFamily="49" charset="0"/>
+                        <a:cs typeface="Courier New" panose="02070309020205020404" pitchFamily="49" charset="0"/>
+                      </a:endParaRPr>
+                    </a:p>
+                  </a:txBody>
+                  <a:tcPr>
+                    <a:lnL w="12700" cap="flat" cmpd="sng" algn="ctr">
+                      <a:solidFill>
+                        <a:schemeClr val="tx1"/>
+                      </a:solidFill>
+                      <a:prstDash val="dot"/>
+                      <a:round/>
+                      <a:headEnd type="none" w="med" len="med"/>
+                      <a:tailEnd type="none" w="med" len="med"/>
+                    </a:lnL>
+                    <a:lnT w="12700" cap="flat" cmpd="sng" algn="ctr">
+                      <a:solidFill>
+                        <a:schemeClr val="tx1"/>
+                      </a:solidFill>
+                      <a:prstDash val="dot"/>
+                      <a:round/>
+                      <a:headEnd type="none" w="med" len="med"/>
+                      <a:tailEnd type="none" w="med" len="med"/>
+                    </a:lnT>
+                    <a:lnB w="12700" cap="flat" cmpd="sng" algn="ctr">
+                      <a:solidFill>
+                        <a:schemeClr val="tx1"/>
+                      </a:solidFill>
+                      <a:prstDash val="dot"/>
+                      <a:round/>
+                      <a:headEnd type="none" w="med" len="med"/>
+                      <a:tailEnd type="none" w="med" len="med"/>
+                    </a:lnB>
+                    <a:noFill/>
+                  </a:tcPr>
+                </a:tc>
+                <a:extLst>
+                  <a:ext uri="{0D108BD9-81ED-4DB2-BD59-A6C34878D82A}">
+                    <a16:rowId xmlns:a16="http://schemas.microsoft.com/office/drawing/2014/main" val="216014934"/>
+                  </a:ext>
+                </a:extLst>
+              </a:tr>
+              <a:tr h="370840">
+                <a:tc>
+                  <a:txBody>
+                    <a:bodyPr/>
+                    <a:lstStyle/>
+                    <a:p>
+                      <a:r>
+                        <a:rPr lang="en-GB" sz="1600"/>
+                        <a:t>Sex</a:t>
+                      </a:r>
+                    </a:p>
+                  </a:txBody>
+                  <a:tcPr>
+                    <a:lnR w="12700" cap="flat" cmpd="sng" algn="ctr">
+                      <a:solidFill>
+                        <a:schemeClr val="tx1"/>
+                      </a:solidFill>
+                      <a:prstDash val="dot"/>
+                      <a:round/>
+                      <a:headEnd type="none" w="med" len="med"/>
+                      <a:tailEnd type="none" w="med" len="med"/>
+                    </a:lnR>
+                    <a:lnT w="12700" cap="flat" cmpd="sng" algn="ctr">
+                      <a:solidFill>
+                        <a:schemeClr val="tx1"/>
+                      </a:solidFill>
+                      <a:prstDash val="dot"/>
+                      <a:round/>
+                      <a:headEnd type="none" w="med" len="med"/>
+                      <a:tailEnd type="none" w="med" len="med"/>
+                    </a:lnT>
+                    <a:lnB w="12700" cap="flat" cmpd="sng" algn="ctr">
+                      <a:solidFill>
+                        <a:schemeClr val="tx1"/>
+                      </a:solidFill>
+                      <a:prstDash val="dot"/>
+                      <a:round/>
+                      <a:headEnd type="none" w="med" len="med"/>
+                      <a:tailEnd type="none" w="med" len="med"/>
+                    </a:lnB>
+                    <a:noFill/>
+                  </a:tcPr>
+                </a:tc>
+                <a:tc>
+                  <a:txBody>
+                    <a:bodyPr/>
+                    <a:lstStyle/>
+                    <a:p>
+                      <a:r>
+                        <a:rPr lang="en-GB" sz="1600"/>
+                        <a:t>n</a:t>
+                      </a:r>
+                    </a:p>
+                  </a:txBody>
+                  <a:tcPr>
+                    <a:lnL w="12700" cap="flat" cmpd="sng" algn="ctr">
+                      <a:solidFill>
+                        <a:schemeClr val="tx1"/>
+                      </a:solidFill>
+                      <a:prstDash val="dot"/>
+                      <a:round/>
+                      <a:headEnd type="none" w="med" len="med"/>
+                      <a:tailEnd type="none" w="med" len="med"/>
+                    </a:lnL>
+                    <a:lnR w="12700" cap="flat" cmpd="sng" algn="ctr">
+                      <a:solidFill>
+                        <a:schemeClr val="tx1"/>
+                      </a:solidFill>
+                      <a:prstDash val="solid"/>
+                      <a:round/>
+                      <a:headEnd type="none" w="med" len="med"/>
+                      <a:tailEnd type="none" w="med" len="med"/>
+                    </a:lnR>
+                    <a:lnT w="12700" cap="flat" cmpd="sng" algn="ctr">
+                      <a:solidFill>
+                        <a:schemeClr val="tx1"/>
+                      </a:solidFill>
+                      <a:prstDash val="dot"/>
+                      <a:round/>
+                      <a:headEnd type="none" w="med" len="med"/>
+                      <a:tailEnd type="none" w="med" len="med"/>
+                    </a:lnT>
+                    <a:lnB w="12700" cap="flat" cmpd="sng" algn="ctr">
+                      <a:solidFill>
+                        <a:schemeClr val="tx1"/>
+                      </a:solidFill>
+                      <a:prstDash val="dot"/>
+                      <a:round/>
+                      <a:headEnd type="none" w="med" len="med"/>
+                      <a:tailEnd type="none" w="med" len="med"/>
+                    </a:lnB>
+                    <a:noFill/>
+                  </a:tcPr>
+                </a:tc>
+                <a:tc>
+                  <a:txBody>
+                    <a:bodyPr/>
+                    <a:lstStyle/>
+                    <a:p>
+                      <a:pPr algn="ctr"/>
+                      <a:r>
+                        <a:rPr lang="en-GB" sz="1600">
+                          <a:latin typeface="Courier New" panose="02070309020205020404" pitchFamily="49" charset="0"/>
+                          <a:cs typeface="Courier New" panose="02070309020205020404" pitchFamily="49" charset="0"/>
+                        </a:rPr>
+                        <a:t>XX</a:t>
+                      </a:r>
+                    </a:p>
+                  </a:txBody>
+                  <a:tcPr>
+                    <a:lnL w="12700" cap="flat" cmpd="sng" algn="ctr">
+                      <a:solidFill>
+                        <a:schemeClr val="tx1"/>
+                      </a:solidFill>
+                      <a:prstDash val="solid"/>
+                      <a:round/>
+                      <a:headEnd type="none" w="med" len="med"/>
+                      <a:tailEnd type="none" w="med" len="med"/>
+                    </a:lnL>
+                    <a:lnR w="12700" cap="flat" cmpd="sng" algn="ctr">
+                      <a:solidFill>
+                        <a:schemeClr val="tx1"/>
+                      </a:solidFill>
+                      <a:prstDash val="dot"/>
+                      <a:round/>
+                      <a:headEnd type="none" w="med" len="med"/>
+                      <a:tailEnd type="none" w="med" len="med"/>
+                    </a:lnR>
+                    <a:lnT w="12700" cap="flat" cmpd="sng" algn="ctr">
+                      <a:solidFill>
+                        <a:schemeClr val="tx1"/>
+                      </a:solidFill>
+                      <a:prstDash val="dot"/>
+                      <a:round/>
+                      <a:headEnd type="none" w="med" len="med"/>
+                      <a:tailEnd type="none" w="med" len="med"/>
+                    </a:lnT>
+                    <a:lnB w="12700" cap="flat" cmpd="sng" algn="ctr">
+                      <a:solidFill>
+                        <a:schemeClr val="tx1"/>
+                      </a:solidFill>
+                      <a:prstDash val="dot"/>
+                      <a:round/>
+                      <a:headEnd type="none" w="med" len="med"/>
+                      <a:tailEnd type="none" w="med" len="med"/>
+                    </a:lnB>
+                    <a:noFill/>
+                  </a:tcPr>
+                </a:tc>
+                <a:tc>
+                  <a:txBody>
+                    <a:bodyPr/>
+                    <a:lstStyle/>
+                    <a:p>
+                      <a:pPr algn="ctr"/>
+                      <a:r>
+                        <a:rPr lang="en-GB" sz="1600">
+                          <a:latin typeface="Courier New" panose="02070309020205020404" pitchFamily="49" charset="0"/>
+                          <a:cs typeface="Courier New" panose="02070309020205020404" pitchFamily="49" charset="0"/>
+                        </a:rPr>
+                        <a:t>XX</a:t>
+                      </a:r>
+                    </a:p>
+                  </a:txBody>
+                  <a:tcPr>
+                    <a:lnL w="12700" cap="flat" cmpd="sng" algn="ctr">
+                      <a:solidFill>
+                        <a:schemeClr val="tx1"/>
+                      </a:solidFill>
+                      <a:prstDash val="dot"/>
+                      <a:round/>
+                      <a:headEnd type="none" w="med" len="med"/>
+                      <a:tailEnd type="none" w="med" len="med"/>
+                    </a:lnL>
+                    <a:lnR w="12700" cap="flat" cmpd="sng" algn="ctr">
+                      <a:solidFill>
+                        <a:schemeClr val="tx1"/>
+                      </a:solidFill>
+                      <a:prstDash val="dot"/>
+                      <a:round/>
+                      <a:headEnd type="none" w="med" len="med"/>
+                      <a:tailEnd type="none" w="med" len="med"/>
+                    </a:lnR>
+                    <a:lnT w="12700" cap="flat" cmpd="sng" algn="ctr">
+                      <a:solidFill>
+                        <a:schemeClr val="tx1"/>
+                      </a:solidFill>
+                      <a:prstDash val="dot"/>
+                      <a:round/>
+                      <a:headEnd type="none" w="med" len="med"/>
+                      <a:tailEnd type="none" w="med" len="med"/>
+                    </a:lnT>
+                    <a:lnB w="12700" cap="flat" cmpd="sng" algn="ctr">
+                      <a:solidFill>
+                        <a:schemeClr val="tx1"/>
+                      </a:solidFill>
+                      <a:prstDash val="dot"/>
+                      <a:round/>
+                      <a:headEnd type="none" w="med" len="med"/>
+                      <a:tailEnd type="none" w="med" len="med"/>
+                    </a:lnB>
+                    <a:noFill/>
+                  </a:tcPr>
+                </a:tc>
+                <a:tc>
+                  <a:txBody>
+                    <a:bodyPr/>
+                    <a:lstStyle/>
+                    <a:p>
+                      <a:pPr algn="ctr"/>
+                      <a:r>
+                        <a:rPr lang="en-GB" sz="1600">
+                          <a:latin typeface="Courier New" panose="02070309020205020404" pitchFamily="49" charset="0"/>
+                          <a:cs typeface="Courier New" panose="02070309020205020404" pitchFamily="49" charset="0"/>
+                        </a:rPr>
+                        <a:t>XX</a:t>
+                      </a:r>
+                    </a:p>
+                  </a:txBody>
+                  <a:tcPr>
+                    <a:lnL w="12700" cap="flat" cmpd="sng" algn="ctr">
+                      <a:solidFill>
+                        <a:schemeClr val="tx1"/>
+                      </a:solidFill>
+                      <a:prstDash val="dot"/>
+                      <a:round/>
+                      <a:headEnd type="none" w="med" len="med"/>
+                      <a:tailEnd type="none" w="med" len="med"/>
+                    </a:lnL>
+                    <a:lnT w="12700" cap="flat" cmpd="sng" algn="ctr">
+                      <a:solidFill>
+                        <a:schemeClr val="tx1"/>
+                      </a:solidFill>
+                      <a:prstDash val="dot"/>
+                      <a:round/>
+                      <a:headEnd type="none" w="med" len="med"/>
+                      <a:tailEnd type="none" w="med" len="med"/>
+                    </a:lnT>
+                    <a:lnB w="12700" cap="flat" cmpd="sng" algn="ctr">
+                      <a:solidFill>
+                        <a:schemeClr val="tx1"/>
+                      </a:solidFill>
+                      <a:prstDash val="dot"/>
+                      <a:round/>
+                      <a:headEnd type="none" w="med" len="med"/>
+                      <a:tailEnd type="none" w="med" len="med"/>
+                    </a:lnB>
+                    <a:noFill/>
+                  </a:tcPr>
+                </a:tc>
+                <a:extLst>
+                  <a:ext uri="{0D108BD9-81ED-4DB2-BD59-A6C34878D82A}">
+                    <a16:rowId xmlns:a16="http://schemas.microsoft.com/office/drawing/2014/main" val="1639783572"/>
+                  </a:ext>
+                </a:extLst>
+              </a:tr>
+              <a:tr h="370840">
+                <a:tc>
+                  <a:txBody>
+                    <a:bodyPr/>
+                    <a:lstStyle/>
+                    <a:p>
+                      <a:endParaRPr lang="en-GB" sz="1600"/>
+                    </a:p>
+                  </a:txBody>
+                  <a:tcPr>
+                    <a:lnR w="12700" cap="flat" cmpd="sng" algn="ctr">
+                      <a:solidFill>
+                        <a:schemeClr val="tx1"/>
+                      </a:solidFill>
+                      <a:prstDash val="dot"/>
+                      <a:round/>
+                      <a:headEnd type="none" w="med" len="med"/>
+                      <a:tailEnd type="none" w="med" len="med"/>
+                    </a:lnR>
+                    <a:lnT w="12700" cap="flat" cmpd="sng" algn="ctr">
+                      <a:solidFill>
+                        <a:schemeClr val="tx1"/>
+                      </a:solidFill>
+                      <a:prstDash val="dot"/>
+                      <a:round/>
+                      <a:headEnd type="none" w="med" len="med"/>
+                      <a:tailEnd type="none" w="med" len="med"/>
+                    </a:lnT>
+                    <a:lnB w="12700" cap="flat" cmpd="sng" algn="ctr">
+                      <a:solidFill>
+                        <a:schemeClr val="tx1"/>
+                      </a:solidFill>
+                      <a:prstDash val="dot"/>
+                      <a:round/>
+                      <a:headEnd type="none" w="med" len="med"/>
+                      <a:tailEnd type="none" w="med" len="med"/>
+                    </a:lnB>
+                    <a:noFill/>
+                  </a:tcPr>
+                </a:tc>
+                <a:tc>
+                  <a:txBody>
+                    <a:bodyPr/>
+                    <a:lstStyle/>
+                    <a:p>
+                      <a:r>
+                        <a:rPr lang="en-GB" sz="1600"/>
+                        <a:t>Male</a:t>
+                      </a:r>
+                    </a:p>
+                  </a:txBody>
+                  <a:tcPr>
+                    <a:lnL w="12700" cap="flat" cmpd="sng" algn="ctr">
+                      <a:solidFill>
+                        <a:schemeClr val="tx1"/>
+                      </a:solidFill>
+                      <a:prstDash val="dot"/>
+                      <a:round/>
+                      <a:headEnd type="none" w="med" len="med"/>
+                      <a:tailEnd type="none" w="med" len="med"/>
+                    </a:lnL>
+                    <a:lnR w="12700" cap="flat" cmpd="sng" algn="ctr">
+                      <a:solidFill>
+                        <a:schemeClr val="tx1"/>
+                      </a:solidFill>
+                      <a:prstDash val="solid"/>
+                      <a:round/>
+                      <a:headEnd type="none" w="med" len="med"/>
+                      <a:tailEnd type="none" w="med" len="med"/>
+                    </a:lnR>
+                    <a:lnT w="12700" cap="flat" cmpd="sng" algn="ctr">
+                      <a:solidFill>
+                        <a:schemeClr val="tx1"/>
+                      </a:solidFill>
+                      <a:prstDash val="dot"/>
+                      <a:round/>
+                      <a:headEnd type="none" w="med" len="med"/>
+                      <a:tailEnd type="none" w="med" len="med"/>
+                    </a:lnT>
+                    <a:lnB w="12700" cap="flat" cmpd="sng" algn="ctr">
+                      <a:solidFill>
+                        <a:schemeClr val="tx1"/>
+                      </a:solidFill>
+                      <a:prstDash val="dot"/>
+                      <a:round/>
+                      <a:headEnd type="none" w="med" len="med"/>
+                      <a:tailEnd type="none" w="med" len="med"/>
+                    </a:lnB>
+                    <a:noFill/>
+                  </a:tcPr>
+                </a:tc>
+                <a:tc>
+                  <a:txBody>
+                    <a:bodyPr/>
+                    <a:lstStyle/>
+                    <a:p>
+                      <a:pPr algn="ctr"/>
+                      <a:r>
+                        <a:rPr lang="en-GB" sz="1600">
+                          <a:latin typeface="Courier New" panose="02070309020205020404" pitchFamily="49" charset="0"/>
+                          <a:cs typeface="Courier New" panose="02070309020205020404" pitchFamily="49" charset="0"/>
+                        </a:rPr>
+                        <a:t>XX (XX.X%)</a:t>
+                      </a:r>
+                    </a:p>
+                  </a:txBody>
+                  <a:tcPr>
+                    <a:lnL w="12700" cap="flat" cmpd="sng" algn="ctr">
+                      <a:solidFill>
+                        <a:schemeClr val="tx1"/>
+                      </a:solidFill>
+                      <a:prstDash val="solid"/>
+                      <a:round/>
+                      <a:headEnd type="none" w="med" len="med"/>
+                      <a:tailEnd type="none" w="med" len="med"/>
+                    </a:lnL>
+                    <a:lnR w="12700" cap="flat" cmpd="sng" algn="ctr">
+                      <a:solidFill>
+                        <a:schemeClr val="tx1"/>
+                      </a:solidFill>
+                      <a:prstDash val="dot"/>
+                      <a:round/>
+                      <a:headEnd type="none" w="med" len="med"/>
+                      <a:tailEnd type="none" w="med" len="med"/>
+                    </a:lnR>
+                    <a:lnT w="12700" cap="flat" cmpd="sng" algn="ctr">
+                      <a:solidFill>
+                        <a:schemeClr val="tx1"/>
+                      </a:solidFill>
+                      <a:prstDash val="dot"/>
+                      <a:round/>
+                      <a:headEnd type="none" w="med" len="med"/>
+                      <a:tailEnd type="none" w="med" len="med"/>
+                    </a:lnT>
+                    <a:lnB w="12700" cap="flat" cmpd="sng" algn="ctr">
+                      <a:solidFill>
+                        <a:schemeClr val="tx1"/>
+                      </a:solidFill>
+                      <a:prstDash val="dot"/>
+                      <a:round/>
+                      <a:headEnd type="none" w="med" len="med"/>
+                      <a:tailEnd type="none" w="med" len="med"/>
+                    </a:lnB>
+                    <a:noFill/>
+                  </a:tcPr>
+                </a:tc>
+                <a:tc>
+                  <a:txBody>
+                    <a:bodyPr/>
+                    <a:lstStyle/>
+                    <a:p>
+                      <a:pPr marL="0" marR="0" lvl="0" indent="0" algn="ctr" defTabSz="1219170" rtl="0" eaLnBrk="1" fontAlgn="auto" latinLnBrk="0" hangingPunct="1">
+                        <a:lnSpc>
+                          <a:spcPct val="100000"/>
+                        </a:lnSpc>
+                        <a:spcBef>
+                          <a:spcPts val="0"/>
+                        </a:spcBef>
+                        <a:spcAft>
+                          <a:spcPts val="0"/>
+                        </a:spcAft>
+                        <a:buClrTx/>
+                        <a:buSzTx/>
+                        <a:buFontTx/>
+                        <a:buNone/>
+                        <a:tabLst/>
+                        <a:defRPr/>
+                      </a:pPr>
+                      <a:r>
+                        <a:rPr lang="en-GB" sz="1600">
+                          <a:latin typeface="Courier New" panose="02070309020205020404" pitchFamily="49" charset="0"/>
+                          <a:cs typeface="Courier New" panose="02070309020205020404" pitchFamily="49" charset="0"/>
+                        </a:rPr>
+                        <a:t>XX (XX.X%)</a:t>
+                      </a:r>
+                    </a:p>
+                  </a:txBody>
+                  <a:tcPr>
+                    <a:lnL w="12700" cap="flat" cmpd="sng" algn="ctr">
+                      <a:solidFill>
+                        <a:schemeClr val="tx1"/>
+                      </a:solidFill>
+                      <a:prstDash val="dot"/>
+                      <a:round/>
+                      <a:headEnd type="none" w="med" len="med"/>
+                      <a:tailEnd type="none" w="med" len="med"/>
+                    </a:lnL>
+                    <a:lnR w="12700" cap="flat" cmpd="sng" algn="ctr">
+                      <a:solidFill>
+                        <a:schemeClr val="tx1"/>
+                      </a:solidFill>
+                      <a:prstDash val="dot"/>
+                      <a:round/>
+                      <a:headEnd type="none" w="med" len="med"/>
+                      <a:tailEnd type="none" w="med" len="med"/>
+                    </a:lnR>
+                    <a:lnT w="12700" cap="flat" cmpd="sng" algn="ctr">
+                      <a:solidFill>
+                        <a:schemeClr val="tx1"/>
+                      </a:solidFill>
+                      <a:prstDash val="dot"/>
+                      <a:round/>
+                      <a:headEnd type="none" w="med" len="med"/>
+                      <a:tailEnd type="none" w="med" len="med"/>
+                    </a:lnT>
+                    <a:lnB w="12700" cap="flat" cmpd="sng" algn="ctr">
+                      <a:solidFill>
+                        <a:schemeClr val="tx1"/>
+                      </a:solidFill>
+                      <a:prstDash val="dot"/>
+                      <a:round/>
+                      <a:headEnd type="none" w="med" len="med"/>
+                      <a:tailEnd type="none" w="med" len="med"/>
+                    </a:lnB>
+                    <a:noFill/>
+                  </a:tcPr>
+                </a:tc>
+                <a:tc>
+                  <a:txBody>
+                    <a:bodyPr/>
+                    <a:lstStyle/>
+                    <a:p>
+                      <a:pPr marL="0" marR="0" lvl="0" indent="0" algn="ctr" defTabSz="1219170" rtl="0" eaLnBrk="1" fontAlgn="auto" latinLnBrk="0" hangingPunct="1">
+                        <a:lnSpc>
+                          <a:spcPct val="100000"/>
+                        </a:lnSpc>
+                        <a:spcBef>
+                          <a:spcPts val="0"/>
+                        </a:spcBef>
+                        <a:spcAft>
+                          <a:spcPts val="0"/>
+                        </a:spcAft>
+                        <a:buClrTx/>
+                        <a:buSzTx/>
+                        <a:buFontTx/>
+                        <a:buNone/>
+                        <a:tabLst/>
+                        <a:defRPr/>
+                      </a:pPr>
+                      <a:r>
+                        <a:rPr lang="en-GB" sz="1600">
+                          <a:latin typeface="Courier New" panose="02070309020205020404" pitchFamily="49" charset="0"/>
+                          <a:cs typeface="Courier New" panose="02070309020205020404" pitchFamily="49" charset="0"/>
+                        </a:rPr>
+                        <a:t>XX (XX.X%)</a:t>
+                      </a:r>
+                    </a:p>
+                  </a:txBody>
+                  <a:tcPr>
+                    <a:lnL w="12700" cap="flat" cmpd="sng" algn="ctr">
+                      <a:solidFill>
+                        <a:schemeClr val="tx1"/>
+                      </a:solidFill>
+                      <a:prstDash val="dot"/>
+                      <a:round/>
+                      <a:headEnd type="none" w="med" len="med"/>
+                      <a:tailEnd type="none" w="med" len="med"/>
+                    </a:lnL>
+                    <a:lnT w="12700" cap="flat" cmpd="sng" algn="ctr">
+                      <a:solidFill>
+                        <a:schemeClr val="tx1"/>
+                      </a:solidFill>
+                      <a:prstDash val="dot"/>
+                      <a:round/>
+                      <a:headEnd type="none" w="med" len="med"/>
+                      <a:tailEnd type="none" w="med" len="med"/>
+                    </a:lnT>
+                    <a:lnB w="12700" cap="flat" cmpd="sng" algn="ctr">
+                      <a:solidFill>
+                        <a:schemeClr val="tx1"/>
+                      </a:solidFill>
+                      <a:prstDash val="dot"/>
+                      <a:round/>
+                      <a:headEnd type="none" w="med" len="med"/>
+                      <a:tailEnd type="none" w="med" len="med"/>
+                    </a:lnB>
+                    <a:noFill/>
+                  </a:tcPr>
+                </a:tc>
+                <a:extLst>
+                  <a:ext uri="{0D108BD9-81ED-4DB2-BD59-A6C34878D82A}">
+                    <a16:rowId xmlns:a16="http://schemas.microsoft.com/office/drawing/2014/main" val="1544400279"/>
+                  </a:ext>
+                </a:extLst>
+              </a:tr>
+              <a:tr h="370840">
+                <a:tc>
+                  <a:txBody>
+                    <a:bodyPr/>
+                    <a:lstStyle/>
+                    <a:p>
+                      <a:endParaRPr lang="en-GB" sz="1600"/>
+                    </a:p>
+                  </a:txBody>
+                  <a:tcPr>
+                    <a:lnR w="12700" cap="flat" cmpd="sng" algn="ctr">
+                      <a:solidFill>
+                        <a:schemeClr val="tx1"/>
+                      </a:solidFill>
+                      <a:prstDash val="dot"/>
+                      <a:round/>
+                      <a:headEnd type="none" w="med" len="med"/>
+                      <a:tailEnd type="none" w="med" len="med"/>
+                    </a:lnR>
+                    <a:lnT w="12700" cap="flat" cmpd="sng" algn="ctr">
+                      <a:solidFill>
+                        <a:schemeClr val="tx1"/>
+                      </a:solidFill>
+                      <a:prstDash val="dot"/>
+                      <a:round/>
+                      <a:headEnd type="none" w="med" len="med"/>
+                      <a:tailEnd type="none" w="med" len="med"/>
+                    </a:lnT>
+                    <a:noFill/>
+                  </a:tcPr>
+                </a:tc>
+                <a:tc>
+                  <a:txBody>
+                    <a:bodyPr/>
+                    <a:lstStyle/>
+                    <a:p>
+                      <a:r>
+                        <a:rPr lang="en-GB" sz="1600"/>
+                        <a:t>Female</a:t>
+                      </a:r>
+                    </a:p>
+                  </a:txBody>
+                  <a:tcPr>
+                    <a:lnL w="12700" cap="flat" cmpd="sng" algn="ctr">
+                      <a:solidFill>
+                        <a:schemeClr val="tx1"/>
+                      </a:solidFill>
+                      <a:prstDash val="dot"/>
+                      <a:round/>
+                      <a:headEnd type="none" w="med" len="med"/>
+                      <a:tailEnd type="none" w="med" len="med"/>
+                    </a:lnL>
+                    <a:lnR w="12700" cap="flat" cmpd="sng" algn="ctr">
+                      <a:solidFill>
+                        <a:schemeClr val="tx1"/>
+                      </a:solidFill>
+                      <a:prstDash val="solid"/>
+                      <a:round/>
+                      <a:headEnd type="none" w="med" len="med"/>
+                      <a:tailEnd type="none" w="med" len="med"/>
+                    </a:lnR>
+                    <a:lnT w="12700" cap="flat" cmpd="sng" algn="ctr">
+                      <a:solidFill>
+                        <a:schemeClr val="tx1"/>
+                      </a:solidFill>
+                      <a:prstDash val="dot"/>
+                      <a:round/>
+                      <a:headEnd type="none" w="med" len="med"/>
+                      <a:tailEnd type="none" w="med" len="med"/>
+                    </a:lnT>
+                    <a:noFill/>
+                  </a:tcPr>
+                </a:tc>
+                <a:tc>
+                  <a:txBody>
+                    <a:bodyPr/>
+                    <a:lstStyle/>
+                    <a:p>
+                      <a:pPr algn="ctr"/>
+                      <a:r>
+                        <a:rPr lang="en-GB" sz="1600">
+                          <a:latin typeface="Courier New" panose="02070309020205020404" pitchFamily="49" charset="0"/>
+                          <a:cs typeface="Courier New" panose="02070309020205020404" pitchFamily="49" charset="0"/>
+                        </a:rPr>
+                        <a:t>XX (XX.X%)</a:t>
+                      </a:r>
+                    </a:p>
+                  </a:txBody>
+                  <a:tcPr>
+                    <a:lnL w="12700" cap="flat" cmpd="sng" algn="ctr">
+                      <a:solidFill>
+                        <a:schemeClr val="tx1"/>
+                      </a:solidFill>
+                      <a:prstDash val="solid"/>
+                      <a:round/>
+                      <a:headEnd type="none" w="med" len="med"/>
+                      <a:tailEnd type="none" w="med" len="med"/>
+                    </a:lnL>
+                    <a:lnR w="12700" cap="flat" cmpd="sng" algn="ctr">
+                      <a:solidFill>
+                        <a:schemeClr val="tx1"/>
+                      </a:solidFill>
+                      <a:prstDash val="dot"/>
+                      <a:round/>
+                      <a:headEnd type="none" w="med" len="med"/>
+                      <a:tailEnd type="none" w="med" len="med"/>
+                    </a:lnR>
+                    <a:lnT w="12700" cap="flat" cmpd="sng" algn="ctr">
+                      <a:solidFill>
+                        <a:schemeClr val="tx1"/>
+                      </a:solidFill>
+                      <a:prstDash val="dot"/>
+                      <a:round/>
+                      <a:headEnd type="none" w="med" len="med"/>
+                      <a:tailEnd type="none" w="med" len="med"/>
+                    </a:lnT>
+                    <a:noFill/>
+                  </a:tcPr>
+                </a:tc>
+                <a:tc>
+                  <a:txBody>
+                    <a:bodyPr/>
+                    <a:lstStyle/>
+                    <a:p>
+                      <a:pPr marL="0" marR="0" lvl="0" indent="0" algn="ctr" defTabSz="1219170" rtl="0" eaLnBrk="1" fontAlgn="auto" latinLnBrk="0" hangingPunct="1">
+                        <a:lnSpc>
+                          <a:spcPct val="100000"/>
+                        </a:lnSpc>
+                        <a:spcBef>
+                          <a:spcPts val="0"/>
+                        </a:spcBef>
+                        <a:spcAft>
+                          <a:spcPts val="0"/>
+                        </a:spcAft>
+                        <a:buClrTx/>
+                        <a:buSzTx/>
+                        <a:buFontTx/>
+                        <a:buNone/>
+                        <a:tabLst/>
+                        <a:defRPr/>
+                      </a:pPr>
+                      <a:r>
+                        <a:rPr lang="en-GB" sz="1600">
+                          <a:latin typeface="Courier New" panose="02070309020205020404" pitchFamily="49" charset="0"/>
+                          <a:cs typeface="Courier New" panose="02070309020205020404" pitchFamily="49" charset="0"/>
+                        </a:rPr>
+                        <a:t>XX (XX.X%)</a:t>
+                      </a:r>
+                    </a:p>
+                  </a:txBody>
+                  <a:tcPr>
+                    <a:lnL w="12700" cap="flat" cmpd="sng" algn="ctr">
+                      <a:solidFill>
+                        <a:schemeClr val="tx1"/>
+                      </a:solidFill>
+                      <a:prstDash val="dot"/>
+                      <a:round/>
+                      <a:headEnd type="none" w="med" len="med"/>
+                      <a:tailEnd type="none" w="med" len="med"/>
+                    </a:lnL>
+                    <a:lnR w="12700" cap="flat" cmpd="sng" algn="ctr">
+                      <a:solidFill>
+                        <a:schemeClr val="tx1"/>
+                      </a:solidFill>
+                      <a:prstDash val="dot"/>
+                      <a:round/>
+                      <a:headEnd type="none" w="med" len="med"/>
+                      <a:tailEnd type="none" w="med" len="med"/>
+                    </a:lnR>
+                    <a:lnT w="12700" cap="flat" cmpd="sng" algn="ctr">
+                      <a:solidFill>
+                        <a:schemeClr val="tx1"/>
+                      </a:solidFill>
+                      <a:prstDash val="dot"/>
+                      <a:round/>
+                      <a:headEnd type="none" w="med" len="med"/>
+                      <a:tailEnd type="none" w="med" len="med"/>
+                    </a:lnT>
+                    <a:noFill/>
+                  </a:tcPr>
+                </a:tc>
+                <a:tc>
+                  <a:txBody>
+                    <a:bodyPr/>
+                    <a:lstStyle/>
+                    <a:p>
+                      <a:pPr marL="0" marR="0" lvl="0" indent="0" algn="ctr" defTabSz="1219170" rtl="0" eaLnBrk="1" fontAlgn="auto" latinLnBrk="0" hangingPunct="1">
+                        <a:lnSpc>
+                          <a:spcPct val="100000"/>
+                        </a:lnSpc>
+                        <a:spcBef>
+                          <a:spcPts val="0"/>
+                        </a:spcBef>
+                        <a:spcAft>
+                          <a:spcPts val="0"/>
+                        </a:spcAft>
+                        <a:buClrTx/>
+                        <a:buSzTx/>
+                        <a:buFontTx/>
+                        <a:buNone/>
+                        <a:tabLst/>
+                        <a:defRPr/>
+                      </a:pPr>
+                      <a:r>
+                        <a:rPr lang="en-GB" sz="1600">
+                          <a:latin typeface="Courier New" panose="02070309020205020404" pitchFamily="49" charset="0"/>
+                          <a:cs typeface="Courier New" panose="02070309020205020404" pitchFamily="49" charset="0"/>
+                        </a:rPr>
+                        <a:t>XX (XX.X%)</a:t>
+                      </a:r>
+                    </a:p>
+                  </a:txBody>
+                  <a:tcPr>
+                    <a:lnL w="12700" cap="flat" cmpd="sng" algn="ctr">
+                      <a:solidFill>
+                        <a:schemeClr val="tx1"/>
+                      </a:solidFill>
+                      <a:prstDash val="dot"/>
+                      <a:round/>
+                      <a:headEnd type="none" w="med" len="med"/>
+                      <a:tailEnd type="none" w="med" len="med"/>
+                    </a:lnL>
+                    <a:lnT w="12700" cap="flat" cmpd="sng" algn="ctr">
+                      <a:solidFill>
+                        <a:schemeClr val="tx1"/>
+                      </a:solidFill>
+                      <a:prstDash val="dot"/>
+                      <a:round/>
+                      <a:headEnd type="none" w="med" len="med"/>
+                      <a:tailEnd type="none" w="med" len="med"/>
+                    </a:lnT>
+                    <a:noFill/>
+                  </a:tcPr>
+                </a:tc>
+                <a:extLst>
+                  <a:ext uri="{0D108BD9-81ED-4DB2-BD59-A6C34878D82A}">
+                    <a16:rowId xmlns:a16="http://schemas.microsoft.com/office/drawing/2014/main" val="3192875556"/>
+                  </a:ext>
+                </a:extLst>
+              </a:tr>
+            </a:tbl>
+          </a:graphicData>
+        </a:graphic>
+      </p:graphicFrame>
+      <p:sp>
+        <p:nvSpPr>
+          <p:cNvPr id="10" name="Rectangle 9">
+            <a:extLst>
+              <a:ext uri="{FF2B5EF4-FFF2-40B4-BE49-F238E27FC236}">
+                <a16:creationId xmlns:a16="http://schemas.microsoft.com/office/drawing/2014/main" id="{3BDDD35B-4A75-4E76-83FF-6AEDB4DF9C4D}"/>
+              </a:ext>
+            </a:extLst>
+          </p:cNvPr>
+          <p:cNvSpPr/>
+          <p:nvPr/>
+        </p:nvSpPr>
+        <p:spPr bwMode="auto">
+          <a:xfrm>
+            <a:off x="2049694" y="1134078"/>
+            <a:ext cx="3457254" cy="5102335"/>
+          </a:xfrm>
+          <a:prstGeom prst="rect">
+            <a:avLst/>
+          </a:prstGeom>
+          <a:noFill/>
+          <a:ln>
+            <a:headEnd/>
+            <a:tailEnd/>
+          </a:ln>
+        </p:spPr>
+        <p:style>
+          <a:lnRef idx="2">
+            <a:schemeClr val="accent3"/>
+          </a:lnRef>
+          <a:fillRef idx="1">
+            <a:schemeClr val="lt1"/>
+          </a:fillRef>
+          <a:effectRef idx="0">
+            <a:schemeClr val="accent3"/>
+          </a:effectRef>
+          <a:fontRef idx="minor">
+            <a:schemeClr val="dk1"/>
+          </a:fontRef>
+        </p:style>
+        <p:txBody>
+          <a:bodyPr rot="0" spcFirstLastPara="0" vertOverflow="overflow" horzOverflow="overflow" vert="horz" wrap="square" lIns="180000" tIns="180000" rIns="180000" bIns="180000" numCol="1" spcCol="0" rtlCol="0" fromWordArt="0" anchor="t" anchorCtr="0" forceAA="0" compatLnSpc="1">
+            <a:prstTxWarp prst="textNoShape">
+              <a:avLst/>
+            </a:prstTxWarp>
+            <a:noAutofit/>
+          </a:bodyPr>
+          <a:lstStyle/>
+          <a:p>
+            <a:pPr marL="285750" indent="-285750" algn="l" eaLnBrk="0" fontAlgn="auto" hangingPunct="0">
+              <a:spcBef>
+                <a:spcPts val="300"/>
+              </a:spcBef>
+              <a:spcAft>
+                <a:spcPts val="300"/>
+              </a:spcAft>
+              <a:buClr>
+                <a:schemeClr val="tx2"/>
+              </a:buClr>
+              <a:buSzPct val="110000"/>
+              <a:buFont typeface="Arial" panose="020B0604020202020204" pitchFamily="34" charset="0"/>
+              <a:buChar char="•"/>
+            </a:pPr>
+            <a:endParaRPr lang="en-GB" sz="1600" kern="0" err="1">
+              <a:solidFill>
+                <a:schemeClr val="tx1"/>
+              </a:solidFill>
+            </a:endParaRPr>
+          </a:p>
+        </p:txBody>
+      </p:sp>
+      <p:sp>
+        <p:nvSpPr>
+          <p:cNvPr id="11" name="Rectangle 10">
+            <a:extLst>
+              <a:ext uri="{FF2B5EF4-FFF2-40B4-BE49-F238E27FC236}">
+                <a16:creationId xmlns:a16="http://schemas.microsoft.com/office/drawing/2014/main" id="{E9E22FA6-98BF-49F7-9812-F5E19856E8D4}"/>
+              </a:ext>
+            </a:extLst>
+          </p:cNvPr>
+          <p:cNvSpPr/>
+          <p:nvPr/>
+        </p:nvSpPr>
+        <p:spPr bwMode="auto">
+          <a:xfrm>
+            <a:off x="1972640" y="1068925"/>
+            <a:ext cx="8768993" cy="657133"/>
+          </a:xfrm>
+          <a:prstGeom prst="rect">
+            <a:avLst/>
+          </a:prstGeom>
+          <a:noFill/>
+          <a:ln>
+            <a:headEnd/>
+            <a:tailEnd/>
+          </a:ln>
+        </p:spPr>
+        <p:style>
+          <a:lnRef idx="2">
+            <a:schemeClr val="accent5"/>
+          </a:lnRef>
+          <a:fillRef idx="1">
+            <a:schemeClr val="lt1"/>
+          </a:fillRef>
+          <a:effectRef idx="0">
+            <a:schemeClr val="accent5"/>
+          </a:effectRef>
+          <a:fontRef idx="minor">
+            <a:schemeClr val="dk1"/>
+          </a:fontRef>
+        </p:style>
+        <p:txBody>
+          <a:bodyPr rot="0" spcFirstLastPara="0" vertOverflow="overflow" horzOverflow="overflow" vert="horz" wrap="square" lIns="180000" tIns="180000" rIns="180000" bIns="180000" numCol="1" spcCol="0" rtlCol="0" fromWordArt="0" anchor="t" anchorCtr="0" forceAA="0" compatLnSpc="1">
+            <a:prstTxWarp prst="textNoShape">
+              <a:avLst/>
+            </a:prstTxWarp>
+            <a:noAutofit/>
+          </a:bodyPr>
+          <a:lstStyle/>
+          <a:p>
+            <a:pPr marL="285750" indent="-285750" algn="l" eaLnBrk="0" fontAlgn="auto" hangingPunct="0">
+              <a:spcBef>
+                <a:spcPts val="300"/>
+              </a:spcBef>
+              <a:spcAft>
+                <a:spcPts val="300"/>
+              </a:spcAft>
+              <a:buClr>
+                <a:schemeClr val="tx2"/>
+              </a:buClr>
+              <a:buSzPct val="110000"/>
+              <a:buFont typeface="Arial" panose="020B0604020202020204" pitchFamily="34" charset="0"/>
+              <a:buChar char="•"/>
+            </a:pPr>
+            <a:endParaRPr lang="en-GB" sz="1600" kern="0" err="1">
+              <a:solidFill>
+                <a:schemeClr val="tx1"/>
+              </a:solidFill>
+            </a:endParaRPr>
+          </a:p>
+        </p:txBody>
+      </p:sp>
+      <p:sp>
+        <p:nvSpPr>
+          <p:cNvPr id="12" name="Rectangle 11">
+            <a:extLst>
+              <a:ext uri="{FF2B5EF4-FFF2-40B4-BE49-F238E27FC236}">
+                <a16:creationId xmlns:a16="http://schemas.microsoft.com/office/drawing/2014/main" id="{BC9CDF0C-46ED-4CD3-AAA3-4BA1201D1695}"/>
+              </a:ext>
+            </a:extLst>
+          </p:cNvPr>
+          <p:cNvSpPr/>
+          <p:nvPr/>
+        </p:nvSpPr>
+        <p:spPr bwMode="auto">
+          <a:xfrm>
+            <a:off x="5506947" y="1726058"/>
+            <a:ext cx="5234685" cy="4510355"/>
+          </a:xfrm>
+          <a:prstGeom prst="rect">
+            <a:avLst/>
+          </a:prstGeom>
+          <a:noFill/>
+          <a:ln>
+            <a:headEnd/>
+            <a:tailEnd/>
+          </a:ln>
+        </p:spPr>
+        <p:style>
+          <a:lnRef idx="2">
+            <a:schemeClr val="accent2"/>
+          </a:lnRef>
+          <a:fillRef idx="1">
+            <a:schemeClr val="lt1"/>
+          </a:fillRef>
+          <a:effectRef idx="0">
+            <a:schemeClr val="accent2"/>
+          </a:effectRef>
+          <a:fontRef idx="minor">
+            <a:schemeClr val="dk1"/>
+          </a:fontRef>
+        </p:style>
+        <p:txBody>
+          <a:bodyPr rot="0" spcFirstLastPara="0" vertOverflow="overflow" horzOverflow="overflow" vert="horz" wrap="square" lIns="180000" tIns="180000" rIns="180000" bIns="180000" numCol="1" spcCol="0" rtlCol="0" fromWordArt="0" anchor="t" anchorCtr="0" forceAA="0" compatLnSpc="1">
+            <a:prstTxWarp prst="textNoShape">
+              <a:avLst/>
+            </a:prstTxWarp>
+            <a:noAutofit/>
+          </a:bodyPr>
+          <a:lstStyle/>
+          <a:p>
+            <a:pPr marL="285750" indent="-285750" algn="l" eaLnBrk="0" fontAlgn="auto" hangingPunct="0">
+              <a:spcBef>
+                <a:spcPts val="300"/>
+              </a:spcBef>
+              <a:spcAft>
+                <a:spcPts val="300"/>
+              </a:spcAft>
+              <a:buClr>
+                <a:schemeClr val="tx2"/>
+              </a:buClr>
+              <a:buSzPct val="110000"/>
+              <a:buFont typeface="Arial" panose="020B0604020202020204" pitchFamily="34" charset="0"/>
+              <a:buChar char="•"/>
+            </a:pPr>
+            <a:endParaRPr lang="en-GB" sz="1600" kern="0" err="1">
+              <a:solidFill>
+                <a:schemeClr val="tx1"/>
+              </a:solidFill>
+            </a:endParaRPr>
+          </a:p>
+        </p:txBody>
+      </p:sp>
+      <p:sp>
+        <p:nvSpPr>
+          <p:cNvPr id="13" name="TextBox 12">
+            <a:extLst>
+              <a:ext uri="{FF2B5EF4-FFF2-40B4-BE49-F238E27FC236}">
+                <a16:creationId xmlns:a16="http://schemas.microsoft.com/office/drawing/2014/main" id="{97CACC48-FABE-437F-BB90-6E3099D97E77}"/>
+              </a:ext>
+            </a:extLst>
+          </p:cNvPr>
+          <p:cNvSpPr txBox="1"/>
+          <p:nvPr/>
+        </p:nvSpPr>
+        <p:spPr>
+          <a:xfrm>
+            <a:off x="10695397" y="3981235"/>
+            <a:ext cx="914400" cy="914400"/>
+          </a:xfrm>
+          <a:prstGeom prst="rect">
+            <a:avLst/>
+          </a:prstGeom>
+          <a:noFill/>
+        </p:spPr>
+        <p:txBody>
+          <a:bodyPr wrap="none" lIns="180000" tIns="180000" rIns="180000" bIns="180000" rtlCol="0">
+            <a:normAutofit/>
+          </a:bodyPr>
+          <a:lstStyle/>
+          <a:p>
+            <a:pPr algn="l">
+              <a:spcBef>
+                <a:spcPts val="300"/>
+              </a:spcBef>
+              <a:spcAft>
+                <a:spcPts val="300"/>
+              </a:spcAft>
+              <a:buClr>
+                <a:schemeClr val="tx2"/>
+              </a:buClr>
+              <a:buSzPct val="110000"/>
+            </a:pPr>
+            <a:r>
+              <a:rPr lang="en-GB" sz="1600"/>
+              <a:t>Table body</a:t>
+            </a:r>
+          </a:p>
+        </p:txBody>
+      </p:sp>
+      <p:sp>
+        <p:nvSpPr>
+          <p:cNvPr id="9" name="Rectangle 8">
+            <a:extLst>
+              <a:ext uri="{FF2B5EF4-FFF2-40B4-BE49-F238E27FC236}">
+                <a16:creationId xmlns:a16="http://schemas.microsoft.com/office/drawing/2014/main" id="{7277F3E7-C0FD-40C1-8022-A211A77011B7}"/>
+              </a:ext>
+            </a:extLst>
+          </p:cNvPr>
+          <p:cNvSpPr/>
+          <p:nvPr/>
+        </p:nvSpPr>
+        <p:spPr bwMode="auto">
+          <a:xfrm>
+            <a:off x="1972640" y="1726058"/>
+            <a:ext cx="8768993" cy="1741470"/>
+          </a:xfrm>
+          <a:prstGeom prst="rect">
+            <a:avLst/>
+          </a:prstGeom>
+          <a:noFill/>
+          <a:ln>
+            <a:headEnd/>
+            <a:tailEnd/>
+          </a:ln>
+        </p:spPr>
+        <p:style>
+          <a:lnRef idx="2">
+            <a:schemeClr val="accent1"/>
+          </a:lnRef>
+          <a:fillRef idx="1">
+            <a:schemeClr val="lt1"/>
+          </a:fillRef>
+          <a:effectRef idx="0">
+            <a:schemeClr val="accent1"/>
+          </a:effectRef>
+          <a:fontRef idx="minor">
+            <a:schemeClr val="dk1"/>
+          </a:fontRef>
+        </p:style>
+        <p:txBody>
+          <a:bodyPr rot="0" spcFirstLastPara="0" vertOverflow="overflow" horzOverflow="overflow" vert="horz" wrap="square" lIns="180000" tIns="180000" rIns="180000" bIns="180000" numCol="1" spcCol="0" rtlCol="0" fromWordArt="0" anchor="t" anchorCtr="0" forceAA="0" compatLnSpc="1">
+            <a:prstTxWarp prst="textNoShape">
+              <a:avLst/>
+            </a:prstTxWarp>
+            <a:noAutofit/>
+          </a:bodyPr>
+          <a:lstStyle/>
+          <a:p>
+            <a:pPr marL="285750" indent="-285750" algn="l" eaLnBrk="0" fontAlgn="auto" hangingPunct="0">
+              <a:spcBef>
+                <a:spcPts val="300"/>
+              </a:spcBef>
+              <a:spcAft>
+                <a:spcPts val="300"/>
+              </a:spcAft>
+              <a:buClr>
+                <a:schemeClr val="tx2"/>
+              </a:buClr>
+              <a:buSzPct val="110000"/>
+              <a:buFont typeface="Arial" panose="020B0604020202020204" pitchFamily="34" charset="0"/>
+              <a:buChar char="•"/>
+            </a:pPr>
+            <a:endParaRPr lang="en-GB" sz="1600" kern="0" err="1">
+              <a:solidFill>
+                <a:schemeClr val="tx1"/>
+              </a:solidFill>
+            </a:endParaRPr>
+          </a:p>
+        </p:txBody>
+      </p:sp>
+      <p:sp>
+        <p:nvSpPr>
+          <p:cNvPr id="14" name="TextBox 13">
+            <a:extLst>
+              <a:ext uri="{FF2B5EF4-FFF2-40B4-BE49-F238E27FC236}">
+                <a16:creationId xmlns:a16="http://schemas.microsoft.com/office/drawing/2014/main" id="{D73B2EF8-92F0-40B5-81E5-DEDC3A2CAB29}"/>
+              </a:ext>
+            </a:extLst>
+          </p:cNvPr>
+          <p:cNvSpPr txBox="1"/>
+          <p:nvPr/>
+        </p:nvSpPr>
+        <p:spPr>
+          <a:xfrm>
+            <a:off x="10715376" y="1047750"/>
+            <a:ext cx="914400" cy="914400"/>
+          </a:xfrm>
+          <a:prstGeom prst="rect">
+            <a:avLst/>
+          </a:prstGeom>
+          <a:noFill/>
+        </p:spPr>
+        <p:txBody>
+          <a:bodyPr wrap="none" lIns="180000" tIns="180000" rIns="180000" bIns="180000" rtlCol="0">
+            <a:normAutofit/>
+          </a:bodyPr>
+          <a:lstStyle/>
+          <a:p>
+            <a:pPr algn="l">
+              <a:spcBef>
+                <a:spcPts val="300"/>
+              </a:spcBef>
+              <a:spcAft>
+                <a:spcPts val="300"/>
+              </a:spcAft>
+              <a:buClr>
+                <a:schemeClr val="tx2"/>
+              </a:buClr>
+              <a:buSzPct val="110000"/>
+            </a:pPr>
+            <a:r>
+              <a:rPr lang="en-GB" sz="1600"/>
+              <a:t>Columns</a:t>
+            </a:r>
+          </a:p>
+        </p:txBody>
+      </p:sp>
+      <p:sp>
+        <p:nvSpPr>
+          <p:cNvPr id="15" name="TextBox 14">
+            <a:extLst>
+              <a:ext uri="{FF2B5EF4-FFF2-40B4-BE49-F238E27FC236}">
+                <a16:creationId xmlns:a16="http://schemas.microsoft.com/office/drawing/2014/main" id="{8E432CDC-159E-48B9-84FD-E35A4AC73E20}"/>
+              </a:ext>
+            </a:extLst>
+          </p:cNvPr>
+          <p:cNvSpPr txBox="1"/>
+          <p:nvPr/>
+        </p:nvSpPr>
+        <p:spPr>
+          <a:xfrm>
+            <a:off x="1009722" y="3685245"/>
+            <a:ext cx="1109609" cy="914400"/>
+          </a:xfrm>
+          <a:prstGeom prst="rect">
+            <a:avLst/>
+          </a:prstGeom>
+          <a:noFill/>
+        </p:spPr>
+        <p:txBody>
+          <a:bodyPr wrap="square" lIns="180000" tIns="180000" rIns="180000" bIns="180000" rtlCol="0">
+            <a:normAutofit fontScale="85000" lnSpcReduction="20000"/>
+          </a:bodyPr>
+          <a:lstStyle/>
+          <a:p>
+            <a:pPr algn="l">
+              <a:spcBef>
+                <a:spcPts val="300"/>
+              </a:spcBef>
+              <a:spcAft>
+                <a:spcPts val="300"/>
+              </a:spcAft>
+              <a:buClr>
+                <a:schemeClr val="tx2"/>
+              </a:buClr>
+              <a:buSzPct val="110000"/>
+            </a:pPr>
+            <a:r>
+              <a:rPr lang="en-GB" sz="1600"/>
+              <a:t>Labels and groups</a:t>
+            </a:r>
+          </a:p>
+        </p:txBody>
+      </p:sp>
+      <p:sp>
+        <p:nvSpPr>
+          <p:cNvPr id="16" name="TextBox 15">
+            <a:extLst>
+              <a:ext uri="{FF2B5EF4-FFF2-40B4-BE49-F238E27FC236}">
+                <a16:creationId xmlns:a16="http://schemas.microsoft.com/office/drawing/2014/main" id="{F748C954-DE06-4012-BCBF-C86B25A976D1}"/>
+              </a:ext>
+            </a:extLst>
+          </p:cNvPr>
+          <p:cNvSpPr txBox="1"/>
+          <p:nvPr/>
+        </p:nvSpPr>
+        <p:spPr>
+          <a:xfrm>
+            <a:off x="627297" y="2460661"/>
+            <a:ext cx="914400" cy="914400"/>
+          </a:xfrm>
+          <a:prstGeom prst="rect">
+            <a:avLst/>
+          </a:prstGeom>
+          <a:noFill/>
+        </p:spPr>
+        <p:txBody>
+          <a:bodyPr wrap="none" lIns="180000" tIns="180000" rIns="180000" bIns="180000" rtlCol="0">
+            <a:normAutofit/>
+          </a:bodyPr>
+          <a:lstStyle/>
+          <a:p>
+            <a:pPr algn="l">
+              <a:spcBef>
+                <a:spcPts val="300"/>
+              </a:spcBef>
+              <a:spcAft>
+                <a:spcPts val="300"/>
+              </a:spcAft>
+              <a:buClr>
+                <a:schemeClr val="tx2"/>
+              </a:buClr>
+              <a:buSzPct val="110000"/>
+            </a:pPr>
+            <a:r>
+              <a:rPr lang="en-GB" sz="1600"/>
+              <a:t>Row groups</a:t>
+            </a:r>
+          </a:p>
+        </p:txBody>
+      </p:sp>
+    </p:spTree>
+    <p:extLst>
+      <p:ext uri="{BB962C8B-B14F-4D97-AF65-F5344CB8AC3E}">
+        <p14:creationId xmlns:p14="http://schemas.microsoft.com/office/powerpoint/2010/main" val="2261250158"/>
+      </p:ext>
+    </p:extLst>
+  </p:cSld>
+  <p:clrMapOvr>
+    <a:masterClrMapping/>
+  </p:clrMapOvr>
+  <mc:AlternateContent xmlns:mc="http://schemas.openxmlformats.org/markup-compatibility/2006" xmlns:p14="http://schemas.microsoft.com/office/powerpoint/2010/main">
+    <mc:Choice Requires="p14">
+      <p:transition spd="med" p14:dur="700">
+        <p:fade/>
+      </p:transition>
+    </mc:Choice>
+    <mc:Fallback xmlns="">
+      <p:transition spd="med">
+        <p:fade/>
+      </p:transition>
+    </mc:Fallback>
+  </mc:AlternateContent>
+  <p:timing>
+    <p:tnLst>
+      <p:par>
+        <p:cTn id="1" dur="indefinite" restart="never" nodeType="tmRoot">
+          <p:childTnLst>
+            <p:seq concurrent="1" nextAc="seek">
+              <p:cTn id="2" dur="indefinite" nodeType="mainSeq">
+                <p:childTnLst>
+                  <p:par>
+                    <p:cTn id="3" fill="hold">
+                      <p:stCondLst>
+                        <p:cond delay="indefinite"/>
+                      </p:stCondLst>
+                      <p:childTnLst>
+                        <p:par>
+                          <p:cTn id="4" fill="hold">
+                            <p:stCondLst>
+                              <p:cond delay="0"/>
+                            </p:stCondLst>
+                            <p:childTnLst>
+                              <p:par>
+                                <p:cTn id="5" presetID="1" presetClass="entr" presetSubtype="0" fill="hold" grpId="0" nodeType="clickEffect">
+                                  <p:stCondLst>
+                                    <p:cond delay="0"/>
+                                  </p:stCondLst>
+                                  <p:childTnLst>
+                                    <p:set>
+                                      <p:cBhvr>
+                                        <p:cTn id="6" dur="1" fill="hold">
+                                          <p:stCondLst>
+                                            <p:cond delay="0"/>
+                                          </p:stCondLst>
+                                        </p:cTn>
+                                        <p:tgtEl>
+                                          <p:spTgt spid="12"/>
+                                        </p:tgtEl>
+                                        <p:attrNameLst>
+                                          <p:attrName>style.visibility</p:attrName>
+                                        </p:attrNameLst>
+                                      </p:cBhvr>
+                                      <p:to>
+                                        <p:strVal val="visible"/>
+                                      </p:to>
+                                    </p:set>
+                                  </p:childTnLst>
+                                </p:cTn>
+                              </p:par>
+                              <p:par>
+                                <p:cTn id="7" presetID="1" presetClass="entr" presetSubtype="0" fill="hold" grpId="0" nodeType="withEffect">
+                                  <p:stCondLst>
+                                    <p:cond delay="0"/>
+                                  </p:stCondLst>
+                                  <p:childTnLst>
+                                    <p:set>
+                                      <p:cBhvr>
+                                        <p:cTn id="8" dur="1" fill="hold">
+                                          <p:stCondLst>
+                                            <p:cond delay="0"/>
+                                          </p:stCondLst>
+                                        </p:cTn>
+                                        <p:tgtEl>
+                                          <p:spTgt spid="13"/>
+                                        </p:tgtEl>
+                                        <p:attrNameLst>
+                                          <p:attrName>style.visibility</p:attrName>
+                                        </p:attrNameLst>
+                                      </p:cBhvr>
+                                      <p:to>
+                                        <p:strVal val="visible"/>
+                                      </p:to>
+                                    </p:set>
+                                  </p:childTnLst>
+                                </p:cTn>
+                              </p:par>
+                            </p:childTnLst>
+                          </p:cTn>
+                        </p:par>
+                      </p:childTnLst>
+                    </p:cTn>
+                  </p:par>
+                  <p:par>
+                    <p:cTn id="9" fill="hold">
+                      <p:stCondLst>
+                        <p:cond delay="indefinite"/>
+                      </p:stCondLst>
+                      <p:childTnLst>
+                        <p:par>
+                          <p:cTn id="10" fill="hold">
+                            <p:stCondLst>
+                              <p:cond delay="0"/>
+                            </p:stCondLst>
+                            <p:childTnLst>
+                              <p:par>
+                                <p:cTn id="11" presetID="1" presetClass="entr" presetSubtype="0" fill="hold" grpId="0" nodeType="clickEffect">
+                                  <p:stCondLst>
+                                    <p:cond delay="0"/>
+                                  </p:stCondLst>
+                                  <p:childTnLst>
+                                    <p:set>
+                                      <p:cBhvr>
+                                        <p:cTn id="12" dur="1" fill="hold">
+                                          <p:stCondLst>
+                                            <p:cond delay="0"/>
+                                          </p:stCondLst>
+                                        </p:cTn>
+                                        <p:tgtEl>
+                                          <p:spTgt spid="11"/>
+                                        </p:tgtEl>
+                                        <p:attrNameLst>
+                                          <p:attrName>style.visibility</p:attrName>
+                                        </p:attrNameLst>
+                                      </p:cBhvr>
+                                      <p:to>
+                                        <p:strVal val="visible"/>
+                                      </p:to>
+                                    </p:set>
+                                  </p:childTnLst>
+                                </p:cTn>
+                              </p:par>
+                              <p:par>
+                                <p:cTn id="13" presetID="1" presetClass="entr" presetSubtype="0" fill="hold" grpId="0" nodeType="withEffect">
+                                  <p:stCondLst>
+                                    <p:cond delay="0"/>
+                                  </p:stCondLst>
+                                  <p:childTnLst>
+                                    <p:set>
+                                      <p:cBhvr>
+                                        <p:cTn id="14" dur="1" fill="hold">
+                                          <p:stCondLst>
+                                            <p:cond delay="0"/>
+                                          </p:stCondLst>
+                                        </p:cTn>
+                                        <p:tgtEl>
+                                          <p:spTgt spid="14"/>
+                                        </p:tgtEl>
+                                        <p:attrNameLst>
+                                          <p:attrName>style.visibility</p:attrName>
+                                        </p:attrNameLst>
+                                      </p:cBhvr>
+                                      <p:to>
+                                        <p:strVal val="visible"/>
+                                      </p:to>
+                                    </p:set>
+                                  </p:childTnLst>
+                                </p:cTn>
+                              </p:par>
+                            </p:childTnLst>
+                          </p:cTn>
+                        </p:par>
+                      </p:childTnLst>
+                    </p:cTn>
+                  </p:par>
+                  <p:par>
+                    <p:cTn id="15" fill="hold">
+                      <p:stCondLst>
+                        <p:cond delay="indefinite"/>
+                      </p:stCondLst>
+                      <p:childTnLst>
+                        <p:par>
+                          <p:cTn id="16" fill="hold">
+                            <p:stCondLst>
+                              <p:cond delay="0"/>
+                            </p:stCondLst>
+                            <p:childTnLst>
+                              <p:par>
+                                <p:cTn id="17" presetID="1" presetClass="entr" presetSubtype="0" fill="hold" grpId="0" nodeType="clickEffect">
+                                  <p:stCondLst>
+                                    <p:cond delay="0"/>
+                                  </p:stCondLst>
+                                  <p:childTnLst>
+                                    <p:set>
+                                      <p:cBhvr>
+                                        <p:cTn id="18" dur="1" fill="hold">
+                                          <p:stCondLst>
+                                            <p:cond delay="0"/>
+                                          </p:stCondLst>
+                                        </p:cTn>
+                                        <p:tgtEl>
+                                          <p:spTgt spid="10"/>
+                                        </p:tgtEl>
+                                        <p:attrNameLst>
+                                          <p:attrName>style.visibility</p:attrName>
+                                        </p:attrNameLst>
+                                      </p:cBhvr>
+                                      <p:to>
+                                        <p:strVal val="visible"/>
+                                      </p:to>
+                                    </p:set>
+                                  </p:childTnLst>
+                                </p:cTn>
+                              </p:par>
+                              <p:par>
+                                <p:cTn id="19" presetID="1" presetClass="entr" presetSubtype="0" fill="hold" grpId="0" nodeType="withEffect">
+                                  <p:stCondLst>
+                                    <p:cond delay="0"/>
+                                  </p:stCondLst>
+                                  <p:childTnLst>
+                                    <p:set>
+                                      <p:cBhvr>
+                                        <p:cTn id="20" dur="1" fill="hold">
+                                          <p:stCondLst>
+                                            <p:cond delay="0"/>
+                                          </p:stCondLst>
+                                        </p:cTn>
+                                        <p:tgtEl>
+                                          <p:spTgt spid="15"/>
+                                        </p:tgtEl>
+                                        <p:attrNameLst>
+                                          <p:attrName>style.visibility</p:attrName>
+                                        </p:attrNameLst>
+                                      </p:cBhvr>
+                                      <p:to>
+                                        <p:strVal val="visible"/>
+                                      </p:to>
+                                    </p:set>
+                                  </p:childTnLst>
+                                </p:cTn>
+                              </p:par>
+                            </p:childTnLst>
+                          </p:cTn>
+                        </p:par>
+                      </p:childTnLst>
+                    </p:cTn>
+                  </p:par>
+                  <p:par>
+                    <p:cTn id="21" fill="hold">
+                      <p:stCondLst>
+                        <p:cond delay="indefinite"/>
+                      </p:stCondLst>
+                      <p:childTnLst>
+                        <p:par>
+                          <p:cTn id="22" fill="hold">
+                            <p:stCondLst>
+                              <p:cond delay="0"/>
+                            </p:stCondLst>
+                            <p:childTnLst>
+                              <p:par>
+                                <p:cTn id="23" presetID="1" presetClass="entr" presetSubtype="0" fill="hold" grpId="0" nodeType="clickEffect">
+                                  <p:stCondLst>
+                                    <p:cond delay="0"/>
+                                  </p:stCondLst>
+                                  <p:childTnLst>
+                                    <p:set>
+                                      <p:cBhvr>
+                                        <p:cTn id="24" dur="1" fill="hold">
+                                          <p:stCondLst>
+                                            <p:cond delay="0"/>
+                                          </p:stCondLst>
+                                        </p:cTn>
+                                        <p:tgtEl>
+                                          <p:spTgt spid="9"/>
+                                        </p:tgtEl>
+                                        <p:attrNameLst>
+                                          <p:attrName>style.visibility</p:attrName>
+                                        </p:attrNameLst>
+                                      </p:cBhvr>
+                                      <p:to>
+                                        <p:strVal val="visible"/>
+                                      </p:to>
+                                    </p:set>
+                                  </p:childTnLst>
+                                </p:cTn>
+                              </p:par>
+                              <p:par>
+                                <p:cTn id="25" presetID="1" presetClass="entr" presetSubtype="0" fill="hold" grpId="0" nodeType="withEffect">
+                                  <p:stCondLst>
+                                    <p:cond delay="0"/>
+                                  </p:stCondLst>
+                                  <p:childTnLst>
+                                    <p:set>
+                                      <p:cBhvr>
+                                        <p:cTn id="26" dur="1" fill="hold">
+                                          <p:stCondLst>
+                                            <p:cond delay="0"/>
+                                          </p:stCondLst>
+                                        </p:cTn>
+                                        <p:tgtEl>
+                                          <p:spTgt spid="16"/>
+                                        </p:tgtEl>
+                                        <p:attrNameLst>
+                                          <p:attrName>style.visibility</p:attrName>
+                                        </p:attrNameLst>
+                                      </p:cBhvr>
+                                      <p:to>
+                                        <p:strVal val="visible"/>
+                                      </p:to>
+                                    </p:set>
+                                  </p:childTnLst>
+                                </p:cTn>
+                              </p:par>
+                            </p:childTnLst>
+                          </p:cTn>
+                        </p:par>
+                      </p:childTnLst>
+                    </p:cTn>
+                  </p:par>
+                </p:childTnLst>
+              </p:cTn>
+              <p:prevCondLst>
+                <p:cond evt="onPrev" delay="0">
+                  <p:tgtEl>
+                    <p:sldTgt/>
+                  </p:tgtEl>
+                </p:cond>
+              </p:prevCondLst>
+              <p:nextCondLst>
+                <p:cond evt="onNext" delay="0">
+                  <p:tgtEl>
+                    <p:sldTgt/>
+                  </p:tgtEl>
+                </p:cond>
+              </p:nextCondLst>
+            </p:seq>
+          </p:childTnLst>
+        </p:cTn>
+      </p:par>
+    </p:tnLst>
+    <p:bldLst>
+      <p:bldP spid="10" grpId="0" animBg="1"/>
+      <p:bldP spid="11" grpId="0" animBg="1"/>
+      <p:bldP spid="12" grpId="0" animBg="1"/>
+      <p:bldP spid="13" grpId="0"/>
+      <p:bldP spid="9" grpId="0" animBg="1"/>
+      <p:bldP spid="14" grpId="0"/>
+      <p:bldP spid="15" grpId="0"/>
+      <p:bldP spid="16" grpId="0"/>
+    </p:bldLst>
+  </p:timing>
+</p:sld>
+</file>
+
+<file path=ppt/slides/slide11.xml><?xml version="1.0" encoding="utf-8"?>
+<p:sld xmlns:a="http://schemas.openxmlformats.org/drawingml/2006/main" xmlns:r="http://schemas.openxmlformats.org/officeDocument/2006/relationships" xmlns:p="http://schemas.openxmlformats.org/presentationml/2006/main">
+  <p:cSld>
+    <p:spTree>
+      <p:nvGrpSpPr>
+        <p:cNvPr id="1" name=""/>
+        <p:cNvGrpSpPr/>
+        <p:nvPr/>
+      </p:nvGrpSpPr>
+      <p:grpSpPr>
+        <a:xfrm>
+          <a:off x="0" y="0"/>
+          <a:ext cx="0" cy="0"/>
+          <a:chOff x="0" y="0"/>
+          <a:chExt cx="0" cy="0"/>
+        </a:xfrm>
+      </p:grpSpPr>
+      <p:sp>
+        <p:nvSpPr>
+          <p:cNvPr id="4" name="Date Placeholder 3">
+            <a:extLst>
+              <a:ext uri="{FF2B5EF4-FFF2-40B4-BE49-F238E27FC236}">
+                <a16:creationId xmlns:a16="http://schemas.microsoft.com/office/drawing/2014/main" id="{10C43DBB-140D-4B19-905F-AACCDCFB9873}"/>
+              </a:ext>
+            </a:extLst>
+          </p:cNvPr>
+          <p:cNvSpPr>
+            <a:spLocks noGrp="1"/>
+          </p:cNvSpPr>
+          <p:nvPr>
+            <p:ph type="dt" sz="half" idx="19"/>
+          </p:nvPr>
+        </p:nvSpPr>
+        <p:spPr/>
+        <p:txBody>
+          <a:bodyPr/>
+          <a:lstStyle/>
+          <a:p>
+            <a:fld id="{DB124F8D-6A21-41BB-B641-CA493D4F9456}" type="datetime4">
+              <a:rPr lang="en-GB" smtClean="0"/>
+              <a:t>15 September 2023</a:t>
+            </a:fld>
+            <a:endParaRPr lang="en-GB"/>
+          </a:p>
+        </p:txBody>
+      </p:sp>
+      <p:sp>
+        <p:nvSpPr>
+          <p:cNvPr id="5" name="Slide Number Placeholder 4">
+            <a:extLst>
+              <a:ext uri="{FF2B5EF4-FFF2-40B4-BE49-F238E27FC236}">
+                <a16:creationId xmlns:a16="http://schemas.microsoft.com/office/drawing/2014/main" id="{66AA8A78-21F7-40E3-B12C-F0836C22055A}"/>
+              </a:ext>
+            </a:extLst>
+          </p:cNvPr>
+          <p:cNvSpPr>
+            <a:spLocks noGrp="1"/>
+          </p:cNvSpPr>
+          <p:nvPr>
+            <p:ph type="sldNum" sz="quarter" idx="21"/>
+          </p:nvPr>
+        </p:nvSpPr>
+        <p:spPr/>
+        <p:txBody>
+          <a:bodyPr/>
+          <a:lstStyle/>
+          <a:p>
+            <a:fld id="{9F9F533D-B52E-4A2F-BF72-0ADD2D94BD75}" type="slidenum">
+              <a:rPr lang="en-GB" smtClean="0"/>
+              <a:pPr/>
+              <a:t>11</a:t>
             </a:fld>
             <a:endParaRPr lang="en-GB"/>
           </a:p>
@@ -9677,7 +13958,7 @@
 </p:sld>
 </file>
 
-<file path=ppt/slides/slide11.xml><?xml version="1.0" encoding="utf-8"?>
+<file path=ppt/slides/slide12.xml><?xml version="1.0" encoding="utf-8"?>
 <p:sld xmlns:a="http://schemas.openxmlformats.org/drawingml/2006/main" xmlns:r="http://schemas.openxmlformats.org/officeDocument/2006/relationships" xmlns:p="http://schemas.openxmlformats.org/presentationml/2006/main">
   <p:cSld>
     <p:spTree>
@@ -12927,7 +17208,7 @@
           <a:p>
             <a:fld id="{DB124F8D-6A21-41BB-B641-CA493D4F9456}" type="datetime4">
               <a:rPr lang="en-GB" smtClean="0"/>
-              <a:t>13 September 2023</a:t>
+              <a:t>15 September 2023</a:t>
             </a:fld>
             <a:endParaRPr lang="en-GB"/>
           </a:p>
@@ -12957,7 +17238,7 @@
             <a:fld id="{9F9F533D-B52E-4A2F-BF72-0ADD2D94BD75}" type="slidenum">
               <a:rPr lang="en-GB" smtClean="0"/>
               <a:pPr/>
-              <a:t>11</a:t>
+              <a:t>12</a:t>
             </a:fld>
             <a:endParaRPr lang="en-GB"/>
           </a:p>
@@ -16216,7 +20497,7 @@
 </p:sld>
 </file>
 
-<file path=ppt/slides/slide12.xml><?xml version="1.0" encoding="utf-8"?>
+<file path=ppt/slides/slide13.xml><?xml version="1.0" encoding="utf-8"?>
 <p:sld xmlns:a="http://schemas.openxmlformats.org/drawingml/2006/main" xmlns:r="http://schemas.openxmlformats.org/officeDocument/2006/relationships" xmlns:p="http://schemas.openxmlformats.org/presentationml/2006/main">
   <p:cSld>
     <p:spTree>
@@ -16281,7 +20562,7 @@
           <a:p>
             <a:fld id="{DB124F8D-6A21-41BB-B641-CA493D4F9456}" type="datetime4">
               <a:rPr lang="en-GB" smtClean="0"/>
-              <a:t>13 September 2023</a:t>
+              <a:t>15 September 2023</a:t>
             </a:fld>
             <a:endParaRPr lang="en-GB"/>
           </a:p>
@@ -16311,7 +20592,7 @@
             <a:fld id="{9F9F533D-B52E-4A2F-BF72-0ADD2D94BD75}" type="slidenum">
               <a:rPr lang="en-GB" smtClean="0"/>
               <a:pPr/>
-              <a:t>12</a:t>
+              <a:t>13</a:t>
             </a:fld>
             <a:endParaRPr lang="en-GB"/>
           </a:p>
@@ -24028,7 +28309,7 @@
 </p:sld>
 </file>
 
-<file path=ppt/slides/slide13.xml><?xml version="1.0" encoding="utf-8"?>
+<file path=ppt/slides/slide14.xml><?xml version="1.0" encoding="utf-8"?>
 <p:sld xmlns:a="http://schemas.openxmlformats.org/drawingml/2006/main" xmlns:r="http://schemas.openxmlformats.org/officeDocument/2006/relationships" xmlns:p="http://schemas.openxmlformats.org/presentationml/2006/main">
   <p:cSld>
     <p:spTree>
@@ -24506,7 +28787,7 @@
           <a:p>
             <a:fld id="{DB124F8D-6A21-41BB-B641-CA493D4F9456}" type="datetime4">
               <a:rPr lang="en-GB" smtClean="0"/>
-              <a:t>13 September 2023</a:t>
+              <a:t>15 September 2023</a:t>
             </a:fld>
             <a:endParaRPr lang="en-GB"/>
           </a:p>
@@ -24536,7 +28817,7 @@
             <a:fld id="{9F9F533D-B52E-4A2F-BF72-0ADD2D94BD75}" type="slidenum">
               <a:rPr lang="en-GB" smtClean="0"/>
               <a:pPr/>
-              <a:t>13</a:t>
+              <a:t>14</a:t>
             </a:fld>
             <a:endParaRPr lang="en-GB"/>
           </a:p>
@@ -25307,7 +29588,7 @@
 </p:sld>
 </file>
 
-<file path=ppt/slides/slide14.xml><?xml version="1.0" encoding="utf-8"?>
+<file path=ppt/slides/slide15.xml><?xml version="1.0" encoding="utf-8"?>
 <p:sld xmlns:a="http://schemas.openxmlformats.org/drawingml/2006/main" xmlns:r="http://schemas.openxmlformats.org/officeDocument/2006/relationships" xmlns:p="http://schemas.openxmlformats.org/presentationml/2006/main">
   <p:cSld>
     <p:spTree>
@@ -25687,15 +29968,7 @@
           <a:p>
             <a:r>
               <a:rPr lang="en-GB" sz="1800" dirty="0"/>
-              <a:t>Early release available on </a:t>
-            </a:r>
-            <a:r>
-              <a:rPr lang="en-GB" sz="1800" dirty="0" err="1"/>
-              <a:t>github</a:t>
-            </a:r>
-            <a:r>
-              <a:rPr lang="en-GB" sz="1800" dirty="0"/>
-              <a:t>. Will likely go to CRAN soon.</a:t>
+              <a:t>Just released to CRAN.</a:t>
             </a:r>
           </a:p>
         </p:txBody>
@@ -25801,7 +30074,7 @@
           <a:p>
             <a:fld id="{DB124F8D-6A21-41BB-B641-CA493D4F9456}" type="datetime4">
               <a:rPr lang="en-GB" smtClean="0"/>
-              <a:t>13 September 2023</a:t>
+              <a:t>15 September 2023</a:t>
             </a:fld>
             <a:endParaRPr lang="en-GB"/>
           </a:p>
@@ -25831,7 +30104,7 @@
             <a:fld id="{9F9F533D-B52E-4A2F-BF72-0ADD2D94BD75}" type="slidenum">
               <a:rPr lang="en-GB" smtClean="0"/>
               <a:pPr/>
-              <a:t>14</a:t>
+              <a:t>15</a:t>
             </a:fld>
             <a:endParaRPr lang="en-GB"/>
           </a:p>
@@ -26090,7 +30363,7 @@
 </p:sld>
 </file>
 
-<file path=ppt/slides/slide15.xml><?xml version="1.0" encoding="utf-8"?>
+<file path=ppt/slides/slide16.xml><?xml version="1.0" encoding="utf-8"?>
 <p:sld xmlns:a="http://schemas.openxmlformats.org/drawingml/2006/main" xmlns:r="http://schemas.openxmlformats.org/officeDocument/2006/relationships" xmlns:p="http://schemas.openxmlformats.org/presentationml/2006/main">
   <p:cSld>
     <p:spTree>
@@ -26155,7 +30428,7 @@
           <a:p>
             <a:fld id="{DB124F8D-6A21-41BB-B641-CA493D4F9456}" type="datetime4">
               <a:rPr lang="en-GB" smtClean="0"/>
-              <a:t>13 September 2023</a:t>
+              <a:t>15 September 2023</a:t>
             </a:fld>
             <a:endParaRPr lang="en-GB"/>
           </a:p>
@@ -26185,7 +30458,7 @@
             <a:fld id="{9F9F533D-B52E-4A2F-BF72-0ADD2D94BD75}" type="slidenum">
               <a:rPr lang="en-GB" smtClean="0"/>
               <a:pPr/>
-              <a:t>15</a:t>
+              <a:t>16</a:t>
             </a:fld>
             <a:endParaRPr lang="en-GB"/>
           </a:p>
@@ -26361,7 +30634,7 @@
 </p:sld>
 </file>
 
-<file path=ppt/slides/slide16.xml><?xml version="1.0" encoding="utf-8"?>
+<file path=ppt/slides/slide17.xml><?xml version="1.0" encoding="utf-8"?>
 <p:sld xmlns:a="http://schemas.openxmlformats.org/drawingml/2006/main" xmlns:r="http://schemas.openxmlformats.org/officeDocument/2006/relationships" xmlns:p="http://schemas.openxmlformats.org/presentationml/2006/main">
   <p:cSld>
     <p:spTree>
@@ -26436,7 +30709,7 @@
           <a:p>
             <a:fld id="{DB124F8D-6A21-41BB-B641-CA493D4F9456}" type="datetime4">
               <a:rPr lang="en-GB" smtClean="0"/>
-              <a:t>13 September 2023</a:t>
+              <a:t>15 September 2023</a:t>
             </a:fld>
             <a:endParaRPr lang="en-GB"/>
           </a:p>
@@ -26466,7 +30739,7 @@
             <a:fld id="{9F9F533D-B52E-4A2F-BF72-0ADD2D94BD75}" type="slidenum">
               <a:rPr lang="en-GB" smtClean="0"/>
               <a:pPr/>
-              <a:t>16</a:t>
+              <a:t>17</a:t>
             </a:fld>
             <a:endParaRPr lang="en-GB"/>
           </a:p>
@@ -26694,18 +30967,26 @@
         </p:nvSpPr>
         <p:spPr/>
         <p:txBody>
-          <a:bodyPr/>
+          <a:bodyPr>
+            <a:normAutofit lnSpcReduction="10000"/>
+          </a:bodyPr>
           <a:lstStyle/>
           <a:p>
             <a:r>
               <a:rPr lang="en-US" dirty="0"/>
-              <a:t>Great for simplicity</a:t>
+              <a:t>Simple process</a:t>
             </a:r>
           </a:p>
           <a:p>
             <a:r>
               <a:rPr lang="en-US" dirty="0"/>
               <a:t>One program per display</a:t>
+            </a:r>
+          </a:p>
+          <a:p>
+            <a:r>
+              <a:rPr lang="en-US" dirty="0"/>
+              <a:t>Multiple people can work independently on each display</a:t>
             </a:r>
           </a:p>
           <a:p>
@@ -26759,18 +31040,41 @@
         </p:nvSpPr>
         <p:spPr/>
         <p:txBody>
-          <a:bodyPr/>
+          <a:bodyPr>
+            <a:normAutofit lnSpcReduction="10000"/>
+          </a:bodyPr>
           <a:lstStyle/>
           <a:p>
             <a:r>
               <a:rPr lang="en-US" dirty="0"/>
-              <a:t>Any time a change is to be made, program must be rerun</a:t>
+              <a:t>Same sorts of analysis may be redone and implemented for every display</a:t>
             </a:r>
           </a:p>
           <a:p>
             <a:r>
               <a:rPr lang="en-US" dirty="0"/>
-              <a:t>QC on rounded values</a:t>
+              <a:t>QC not only Values, but formatting</a:t>
+            </a:r>
+          </a:p>
+          <a:p>
+            <a:pPr lvl="1"/>
+            <a:r>
+              <a:rPr lang="en-US" dirty="0"/>
+              <a:t>Rounding</a:t>
+            </a:r>
+          </a:p>
+          <a:p>
+            <a:pPr lvl="1"/>
+            <a:r>
+              <a:rPr lang="en-US" dirty="0"/>
+              <a:t>Spaces</a:t>
+            </a:r>
+          </a:p>
+          <a:p>
+            <a:pPr lvl="1"/>
+            <a:r>
+              <a:rPr lang="en-US" dirty="0"/>
+              <a:t>Alignment</a:t>
             </a:r>
           </a:p>
           <a:p>
@@ -29978,7 +34282,7 @@
                 <a:latin typeface="Arial"/>
               </a:rPr>
               <a:pPr/>
-              <a:t>13 September 2023</a:t>
+              <a:t>15 September 2023</a:t>
             </a:fld>
             <a:endParaRPr lang="en-GB">
               <a:solidFill>
@@ -31537,6 +35841,173 @@
           <p:cNvPr id="2" name="Title 1">
             <a:extLst>
               <a:ext uri="{FF2B5EF4-FFF2-40B4-BE49-F238E27FC236}">
+                <a16:creationId xmlns:a16="http://schemas.microsoft.com/office/drawing/2014/main" id="{1EDD626B-74E9-42F2-2967-D6F3816F13FE}"/>
+              </a:ext>
+            </a:extLst>
+          </p:cNvPr>
+          <p:cNvSpPr>
+            <a:spLocks noGrp="1"/>
+          </p:cNvSpPr>
+          <p:nvPr>
+            <p:ph type="title"/>
+          </p:nvPr>
+        </p:nvSpPr>
+        <p:spPr/>
+        <p:txBody>
+          <a:bodyPr/>
+          <a:lstStyle/>
+          <a:p>
+            <a:r>
+              <a:rPr lang="en-US" dirty="0" err="1"/>
+              <a:t>Pharmaverse</a:t>
+            </a:r>
+            <a:r>
+              <a:rPr lang="en-US" dirty="0"/>
+              <a:t> ARD Packages</a:t>
+            </a:r>
+          </a:p>
+        </p:txBody>
+      </p:sp>
+      <p:sp>
+        <p:nvSpPr>
+          <p:cNvPr id="3" name="Content Placeholder 2">
+            <a:extLst>
+              <a:ext uri="{FF2B5EF4-FFF2-40B4-BE49-F238E27FC236}">
+                <a16:creationId xmlns:a16="http://schemas.microsoft.com/office/drawing/2014/main" id="{8ED96807-C82D-55A4-1E08-08D9EF61F306}"/>
+              </a:ext>
+            </a:extLst>
+          </p:cNvPr>
+          <p:cNvSpPr>
+            <a:spLocks noGrp="1"/>
+          </p:cNvSpPr>
+          <p:nvPr>
+            <p:ph idx="1"/>
+          </p:nvPr>
+        </p:nvSpPr>
+        <p:spPr/>
+        <p:txBody>
+          <a:bodyPr/>
+          <a:lstStyle/>
+          <a:p>
+            <a:r>
+              <a:rPr lang="en-US" dirty="0" err="1"/>
+              <a:t>Tplyr</a:t>
+            </a:r>
+            <a:r>
+              <a:rPr lang="en-US" dirty="0"/>
+              <a:t> &amp; </a:t>
+            </a:r>
+            <a:r>
+              <a:rPr lang="en-US" dirty="0" err="1"/>
+              <a:t>ardis</a:t>
+            </a:r>
+            <a:endParaRPr lang="en-US" dirty="0"/>
+          </a:p>
+          <a:p>
+            <a:pPr lvl="1"/>
+            <a:r>
+              <a:rPr lang="en-US" dirty="0" err="1"/>
+              <a:t>Atorus</a:t>
+            </a:r>
+            <a:r>
+              <a:rPr lang="en-US" dirty="0"/>
+              <a:t> Research</a:t>
+            </a:r>
+          </a:p>
+          <a:p>
+            <a:pPr lvl="1"/>
+            <a:r>
+              <a:rPr lang="en-US" dirty="0" err="1"/>
+              <a:t>Tplyr</a:t>
+            </a:r>
+            <a:r>
+              <a:rPr lang="en-US" dirty="0"/>
+              <a:t> is purpose built to help convert </a:t>
+            </a:r>
+            <a:r>
+              <a:rPr lang="en-US" dirty="0" err="1"/>
+              <a:t>ADaMs</a:t>
+            </a:r>
+            <a:r>
+              <a:rPr lang="en-US" dirty="0"/>
+              <a:t> into tables</a:t>
+            </a:r>
+          </a:p>
+          <a:p>
+            <a:pPr lvl="1"/>
+            <a:r>
+              <a:rPr lang="en-US" dirty="0" err="1"/>
+              <a:t>ardis</a:t>
+            </a:r>
+            <a:r>
+              <a:rPr lang="en-US" dirty="0"/>
+              <a:t> is its successor focusing on ARD generation</a:t>
+            </a:r>
+          </a:p>
+          <a:p>
+            <a:r>
+              <a:rPr lang="en-US" dirty="0"/>
+              <a:t>cards</a:t>
+            </a:r>
+          </a:p>
+          <a:p>
+            <a:pPr lvl="1"/>
+            <a:r>
+              <a:rPr lang="en-US" dirty="0"/>
+              <a:t>New (early stage) package</a:t>
+            </a:r>
+          </a:p>
+          <a:p>
+            <a:pPr lvl="1"/>
+            <a:r>
+              <a:rPr lang="en-US" dirty="0"/>
+              <a:t>Insights Engineering</a:t>
+            </a:r>
+          </a:p>
+          <a:p>
+            <a:pPr lvl="1"/>
+            <a:r>
+              <a:rPr lang="en-US" dirty="0"/>
+              <a:t>Focusing on helping create CDISC ARDS (where it gets its name)</a:t>
+            </a:r>
+          </a:p>
+        </p:txBody>
+      </p:sp>
+    </p:spTree>
+    <p:extLst>
+      <p:ext uri="{BB962C8B-B14F-4D97-AF65-F5344CB8AC3E}">
+        <p14:creationId xmlns:p14="http://schemas.microsoft.com/office/powerpoint/2010/main" val="3589956167"/>
+      </p:ext>
+    </p:extLst>
+  </p:cSld>
+  <p:clrMapOvr>
+    <a:masterClrMapping/>
+  </p:clrMapOvr>
+</p:sld>
+</file>
+
+<file path=ppt/slides/slide7.xml><?xml version="1.0" encoding="utf-8"?>
+<p:sld xmlns:a="http://schemas.openxmlformats.org/drawingml/2006/main" xmlns:r="http://schemas.openxmlformats.org/officeDocument/2006/relationships" xmlns:p="http://schemas.openxmlformats.org/presentationml/2006/main">
+  <p:cSld>
+    <p:spTree>
+      <p:nvGrpSpPr>
+        <p:cNvPr id="1" name=""/>
+        <p:cNvGrpSpPr/>
+        <p:nvPr/>
+      </p:nvGrpSpPr>
+      <p:grpSpPr>
+        <a:xfrm>
+          <a:off x="0" y="0"/>
+          <a:ext cx="0" cy="0"/>
+          <a:chOff x="0" y="0"/>
+          <a:chExt cx="0" cy="0"/>
+        </a:xfrm>
+      </p:grpSpPr>
+      <p:sp>
+        <p:nvSpPr>
+          <p:cNvPr id="2" name="Title 1">
+            <a:extLst>
+              <a:ext uri="{FF2B5EF4-FFF2-40B4-BE49-F238E27FC236}">
                 <a16:creationId xmlns:a16="http://schemas.microsoft.com/office/drawing/2014/main" id="{E4B4C3A4-8896-6183-A511-1457B0AD24A9}"/>
               </a:ext>
             </a:extLst>
@@ -31555,7 +36026,7 @@
           <a:p>
             <a:r>
               <a:rPr lang="en-US" dirty="0"/>
-              <a:t>Great, we have ARD’s, but you said we’d have tables</a:t>
+              <a:t>Great, we have ARD’s, but you said we’d have Displays</a:t>
             </a:r>
           </a:p>
         </p:txBody>
@@ -31598,7 +36069,7 @@
 </p:sld>
 </file>
 
-<file path=ppt/slides/slide7.xml><?xml version="1.0" encoding="utf-8"?>
+<file path=ppt/slides/slide8.xml><?xml version="1.0" encoding="utf-8"?>
 <p:sld xmlns:a="http://schemas.openxmlformats.org/drawingml/2006/main" xmlns:r="http://schemas.openxmlformats.org/officeDocument/2006/relationships" xmlns:p="http://schemas.openxmlformats.org/presentationml/2006/main">
   <p:cSld>
     <p:spTree>
@@ -35294,7 +39765,7 @@
 </p:sld>
 </file>
 
-<file path=ppt/slides/slide8.xml><?xml version="1.0" encoding="utf-8"?>
+<file path=ppt/slides/slide9.xml><?xml version="1.0" encoding="utf-8"?>
 <p:sld xmlns:a="http://schemas.openxmlformats.org/drawingml/2006/main" xmlns:r="http://schemas.openxmlformats.org/officeDocument/2006/relationships" xmlns:p="http://schemas.openxmlformats.org/presentationml/2006/main">
   <p:cSld>
     <p:spTree>
@@ -35667,14 +40138,14 @@
               <a:buNone/>
             </a:pPr>
             <a:r>
-              <a:rPr lang="en-GB" sz="2000"/>
+              <a:rPr lang="en-GB" sz="2000" dirty="0"/>
               <a:t>Lifecycle: </a:t>
             </a:r>
           </a:p>
           <a:p>
             <a:r>
-              <a:rPr lang="en-GB" sz="1800"/>
-              <a:t>Alpha release is out. Will likely go to CRAN by the end of the year once additional functionality is added </a:t>
+              <a:rPr lang="en-GB" sz="1800" dirty="0"/>
+              <a:t>Currently available on CRAN. New functionality is still being added</a:t>
             </a:r>
           </a:p>
         </p:txBody>
@@ -35772,7 +40243,7 @@
           <a:p>
             <a:fld id="{DB124F8D-6A21-41BB-B641-CA493D4F9456}" type="datetime4">
               <a:rPr lang="en-GB" smtClean="0"/>
-              <a:t>13 September 2023</a:t>
+              <a:t>15 September 2023</a:t>
             </a:fld>
             <a:endParaRPr lang="en-GB"/>
           </a:p>
@@ -35802,7 +40273,7 @@
             <a:fld id="{9F9F533D-B52E-4A2F-BF72-0ADD2D94BD75}" type="slidenum">
               <a:rPr lang="en-GB" smtClean="0"/>
               <a:pPr/>
-              <a:t>8</a:t>
+              <a:t>9</a:t>
             </a:fld>
             <a:endParaRPr lang="en-GB"/>
           </a:p>
@@ -36645,4286 +41116,6 @@
 </p:sld>
 </file>
 
-<file path=ppt/slides/slide9.xml><?xml version="1.0" encoding="utf-8"?>
-<p:sld xmlns:a="http://schemas.openxmlformats.org/drawingml/2006/main" xmlns:r="http://schemas.openxmlformats.org/officeDocument/2006/relationships" xmlns:p="http://schemas.openxmlformats.org/presentationml/2006/main">
-  <p:cSld>
-    <p:spTree>
-      <p:nvGrpSpPr>
-        <p:cNvPr id="1" name=""/>
-        <p:cNvGrpSpPr/>
-        <p:nvPr/>
-      </p:nvGrpSpPr>
-      <p:grpSpPr>
-        <a:xfrm>
-          <a:off x="0" y="0"/>
-          <a:ext cx="0" cy="0"/>
-          <a:chOff x="0" y="0"/>
-          <a:chExt cx="0" cy="0"/>
-        </a:xfrm>
-      </p:grpSpPr>
-      <p:sp>
-        <p:nvSpPr>
-          <p:cNvPr id="4" name="Date Placeholder 3">
-            <a:extLst>
-              <a:ext uri="{FF2B5EF4-FFF2-40B4-BE49-F238E27FC236}">
-                <a16:creationId xmlns:a16="http://schemas.microsoft.com/office/drawing/2014/main" id="{10C43DBB-140D-4B19-905F-AACCDCFB9873}"/>
-              </a:ext>
-            </a:extLst>
-          </p:cNvPr>
-          <p:cNvSpPr>
-            <a:spLocks noGrp="1"/>
-          </p:cNvSpPr>
-          <p:nvPr>
-            <p:ph type="dt" sz="half" idx="19"/>
-          </p:nvPr>
-        </p:nvSpPr>
-        <p:spPr/>
-        <p:txBody>
-          <a:bodyPr/>
-          <a:lstStyle/>
-          <a:p>
-            <a:fld id="{DB124F8D-6A21-41BB-B641-CA493D4F9456}" type="datetime4">
-              <a:rPr lang="en-GB" smtClean="0"/>
-              <a:t>13 September 2023</a:t>
-            </a:fld>
-            <a:endParaRPr lang="en-GB"/>
-          </a:p>
-        </p:txBody>
-      </p:sp>
-      <p:sp>
-        <p:nvSpPr>
-          <p:cNvPr id="5" name="Slide Number Placeholder 4">
-            <a:extLst>
-              <a:ext uri="{FF2B5EF4-FFF2-40B4-BE49-F238E27FC236}">
-                <a16:creationId xmlns:a16="http://schemas.microsoft.com/office/drawing/2014/main" id="{66AA8A78-21F7-40E3-B12C-F0836C22055A}"/>
-              </a:ext>
-            </a:extLst>
-          </p:cNvPr>
-          <p:cNvSpPr>
-            <a:spLocks noGrp="1"/>
-          </p:cNvSpPr>
-          <p:nvPr>
-            <p:ph type="sldNum" sz="quarter" idx="21"/>
-          </p:nvPr>
-        </p:nvSpPr>
-        <p:spPr/>
-        <p:txBody>
-          <a:bodyPr/>
-          <a:lstStyle/>
-          <a:p>
-            <a:fld id="{9F9F533D-B52E-4A2F-BF72-0ADD2D94BD75}" type="slidenum">
-              <a:rPr lang="en-GB" smtClean="0"/>
-              <a:pPr/>
-              <a:t>9</a:t>
-            </a:fld>
-            <a:endParaRPr lang="en-GB"/>
-          </a:p>
-        </p:txBody>
-      </p:sp>
-      <p:sp>
-        <p:nvSpPr>
-          <p:cNvPr id="6" name="Title 5">
-            <a:extLst>
-              <a:ext uri="{FF2B5EF4-FFF2-40B4-BE49-F238E27FC236}">
-                <a16:creationId xmlns:a16="http://schemas.microsoft.com/office/drawing/2014/main" id="{919AFA49-7CB0-43FA-A28F-67F8A8E4C1D3}"/>
-              </a:ext>
-            </a:extLst>
-          </p:cNvPr>
-          <p:cNvSpPr>
-            <a:spLocks noGrp="1"/>
-          </p:cNvSpPr>
-          <p:nvPr>
-            <p:ph type="title"/>
-          </p:nvPr>
-        </p:nvSpPr>
-        <p:spPr/>
-        <p:txBody>
-          <a:bodyPr>
-            <a:normAutofit fontScale="90000"/>
-          </a:bodyPr>
-          <a:lstStyle/>
-          <a:p>
-            <a:r>
-              <a:rPr lang="en-GB"/>
-              <a:t>Tables parts </a:t>
-            </a:r>
-          </a:p>
-        </p:txBody>
-      </p:sp>
-      <p:sp>
-        <p:nvSpPr>
-          <p:cNvPr id="7" name="Subtitle 6">
-            <a:extLst>
-              <a:ext uri="{FF2B5EF4-FFF2-40B4-BE49-F238E27FC236}">
-                <a16:creationId xmlns:a16="http://schemas.microsoft.com/office/drawing/2014/main" id="{8A08C554-69BE-4DEE-A5E5-7F8149AE9750}"/>
-              </a:ext>
-            </a:extLst>
-          </p:cNvPr>
-          <p:cNvSpPr>
-            <a:spLocks noGrp="1"/>
-          </p:cNvSpPr>
-          <p:nvPr>
-            <p:ph type="subTitle" idx="1"/>
-          </p:nvPr>
-        </p:nvSpPr>
-        <p:spPr/>
-        <p:txBody>
-          <a:bodyPr/>
-          <a:lstStyle/>
-          <a:p>
-            <a:endParaRPr lang="en-GB"/>
-          </a:p>
-        </p:txBody>
-      </p:sp>
-      <p:graphicFrame>
-        <p:nvGraphicFramePr>
-          <p:cNvPr id="8" name="Table 8">
-            <a:extLst>
-              <a:ext uri="{FF2B5EF4-FFF2-40B4-BE49-F238E27FC236}">
-                <a16:creationId xmlns:a16="http://schemas.microsoft.com/office/drawing/2014/main" id="{823F4383-7386-452E-9B1A-DCB0E571409E}"/>
-              </a:ext>
-            </a:extLst>
-          </p:cNvPr>
-          <p:cNvGraphicFramePr>
-            <a:graphicFrameLocks noGrp="1"/>
-          </p:cNvGraphicFramePr>
-          <p:nvPr/>
-        </p:nvGraphicFramePr>
-        <p:xfrm>
-          <a:off x="2119331" y="1134078"/>
-          <a:ext cx="8463175" cy="5029200"/>
-        </p:xfrm>
-        <a:graphic>
-          <a:graphicData uri="http://schemas.openxmlformats.org/drawingml/2006/table">
-            <a:tbl>
-              <a:tblPr firstRow="1" bandRow="1">
-                <a:tableStyleId>{9D7B26C5-4107-4FEC-AEDC-1716B250A1EF}</a:tableStyleId>
-              </a:tblPr>
-              <a:tblGrid>
-                <a:gridCol w="1692635">
-                  <a:extLst>
-                    <a:ext uri="{9D8B030D-6E8A-4147-A177-3AD203B41FA5}">
-                      <a16:colId xmlns:a16="http://schemas.microsoft.com/office/drawing/2014/main" val="671404405"/>
-                    </a:ext>
-                  </a:extLst>
-                </a:gridCol>
-                <a:gridCol w="1692635">
-                  <a:extLst>
-                    <a:ext uri="{9D8B030D-6E8A-4147-A177-3AD203B41FA5}">
-                      <a16:colId xmlns:a16="http://schemas.microsoft.com/office/drawing/2014/main" val="2500139443"/>
-                    </a:ext>
-                  </a:extLst>
-                </a:gridCol>
-                <a:gridCol w="1692635">
-                  <a:extLst>
-                    <a:ext uri="{9D8B030D-6E8A-4147-A177-3AD203B41FA5}">
-                      <a16:colId xmlns:a16="http://schemas.microsoft.com/office/drawing/2014/main" val="1338003998"/>
-                    </a:ext>
-                  </a:extLst>
-                </a:gridCol>
-                <a:gridCol w="1692635">
-                  <a:extLst>
-                    <a:ext uri="{9D8B030D-6E8A-4147-A177-3AD203B41FA5}">
-                      <a16:colId xmlns:a16="http://schemas.microsoft.com/office/drawing/2014/main" val="3927575502"/>
-                    </a:ext>
-                  </a:extLst>
-                </a:gridCol>
-                <a:gridCol w="1692635">
-                  <a:extLst>
-                    <a:ext uri="{9D8B030D-6E8A-4147-A177-3AD203B41FA5}">
-                      <a16:colId xmlns:a16="http://schemas.microsoft.com/office/drawing/2014/main" val="4027172728"/>
-                    </a:ext>
-                  </a:extLst>
-                </a:gridCol>
-              </a:tblGrid>
-              <a:tr h="370840">
-                <a:tc>
-                  <a:txBody>
-                    <a:bodyPr/>
-                    <a:lstStyle/>
-                    <a:p>
-                      <a:endParaRPr lang="en-GB" sz="1600"/>
-                    </a:p>
-                  </a:txBody>
-                  <a:tcPr>
-                    <a:noFill/>
-                  </a:tcPr>
-                </a:tc>
-                <a:tc>
-                  <a:txBody>
-                    <a:bodyPr/>
-                    <a:lstStyle/>
-                    <a:p>
-                      <a:endParaRPr lang="en-GB" sz="1600"/>
-                    </a:p>
-                  </a:txBody>
-                  <a:tcPr>
-                    <a:noFill/>
-                  </a:tcPr>
-                </a:tc>
-                <a:tc>
-                  <a:txBody>
-                    <a:bodyPr/>
-                    <a:lstStyle/>
-                    <a:p>
-                      <a:pPr algn="ctr"/>
-                      <a:r>
-                        <a:rPr lang="en-GB" sz="1600"/>
-                        <a:t>Placebo </a:t>
-                      </a:r>
-                    </a:p>
-                    <a:p>
-                      <a:pPr algn="ctr"/>
-                      <a:r>
-                        <a:rPr lang="en-GB" sz="1600"/>
-                        <a:t>(N = XX)</a:t>
-                      </a:r>
-                    </a:p>
-                  </a:txBody>
-                  <a:tcPr>
-                    <a:noFill/>
-                  </a:tcPr>
-                </a:tc>
-                <a:tc>
-                  <a:txBody>
-                    <a:bodyPr/>
-                    <a:lstStyle/>
-                    <a:p>
-                      <a:pPr algn="ctr"/>
-                      <a:r>
-                        <a:rPr lang="en-GB" sz="1600"/>
-                        <a:t>Treatment</a:t>
-                      </a:r>
-                    </a:p>
-                    <a:p>
-                      <a:pPr algn="ctr"/>
-                      <a:r>
-                        <a:rPr lang="en-GB" sz="1600"/>
-                        <a:t>(N = XX)</a:t>
-                      </a:r>
-                    </a:p>
-                  </a:txBody>
-                  <a:tcPr>
-                    <a:noFill/>
-                  </a:tcPr>
-                </a:tc>
-                <a:tc>
-                  <a:txBody>
-                    <a:bodyPr/>
-                    <a:lstStyle/>
-                    <a:p>
-                      <a:pPr algn="ctr"/>
-                      <a:r>
-                        <a:rPr lang="en-GB" sz="1600"/>
-                        <a:t>Total </a:t>
-                      </a:r>
-                    </a:p>
-                    <a:p>
-                      <a:pPr algn="ctr"/>
-                      <a:r>
-                        <a:rPr lang="en-GB" sz="1600"/>
-                        <a:t>(N = XX)</a:t>
-                      </a:r>
-                    </a:p>
-                  </a:txBody>
-                  <a:tcPr>
-                    <a:noFill/>
-                  </a:tcPr>
-                </a:tc>
-                <a:extLst>
-                  <a:ext uri="{0D108BD9-81ED-4DB2-BD59-A6C34878D82A}">
-                    <a16:rowId xmlns:a16="http://schemas.microsoft.com/office/drawing/2014/main" val="2775711262"/>
-                  </a:ext>
-                </a:extLst>
-              </a:tr>
-              <a:tr h="370840">
-                <a:tc>
-                  <a:txBody>
-                    <a:bodyPr/>
-                    <a:lstStyle/>
-                    <a:p>
-                      <a:r>
-                        <a:rPr lang="en-GB" sz="1600"/>
-                        <a:t>Age (y)</a:t>
-                      </a:r>
-                    </a:p>
-                  </a:txBody>
-                  <a:tcPr>
-                    <a:lnR w="12700" cap="flat" cmpd="sng" algn="ctr">
-                      <a:solidFill>
-                        <a:schemeClr val="tx1"/>
-                      </a:solidFill>
-                      <a:prstDash val="dot"/>
-                      <a:round/>
-                      <a:headEnd type="none" w="med" len="med"/>
-                      <a:tailEnd type="none" w="med" len="med"/>
-                    </a:lnR>
-                    <a:lnB w="12700" cap="flat" cmpd="sng" algn="ctr">
-                      <a:solidFill>
-                        <a:schemeClr val="tx1"/>
-                      </a:solidFill>
-                      <a:prstDash val="dot"/>
-                      <a:round/>
-                      <a:headEnd type="none" w="med" len="med"/>
-                      <a:tailEnd type="none" w="med" len="med"/>
-                    </a:lnB>
-                    <a:noFill/>
-                  </a:tcPr>
-                </a:tc>
-                <a:tc>
-                  <a:txBody>
-                    <a:bodyPr/>
-                    <a:lstStyle/>
-                    <a:p>
-                      <a:r>
-                        <a:rPr lang="en-GB" sz="1600"/>
-                        <a:t>n</a:t>
-                      </a:r>
-                    </a:p>
-                  </a:txBody>
-                  <a:tcPr>
-                    <a:lnL w="12700" cap="flat" cmpd="sng" algn="ctr">
-                      <a:solidFill>
-                        <a:schemeClr val="tx1"/>
-                      </a:solidFill>
-                      <a:prstDash val="dot"/>
-                      <a:round/>
-                      <a:headEnd type="none" w="med" len="med"/>
-                      <a:tailEnd type="none" w="med" len="med"/>
-                    </a:lnL>
-                    <a:lnR w="12700" cap="flat" cmpd="sng" algn="ctr">
-                      <a:solidFill>
-                        <a:schemeClr val="tx1"/>
-                      </a:solidFill>
-                      <a:prstDash val="solid"/>
-                      <a:round/>
-                      <a:headEnd type="none" w="med" len="med"/>
-                      <a:tailEnd type="none" w="med" len="med"/>
-                    </a:lnR>
-                    <a:lnB w="12700" cap="flat" cmpd="sng" algn="ctr">
-                      <a:solidFill>
-                        <a:schemeClr val="tx1"/>
-                      </a:solidFill>
-                      <a:prstDash val="dot"/>
-                      <a:round/>
-                      <a:headEnd type="none" w="med" len="med"/>
-                      <a:tailEnd type="none" w="med" len="med"/>
-                    </a:lnB>
-                    <a:noFill/>
-                  </a:tcPr>
-                </a:tc>
-                <a:tc>
-                  <a:txBody>
-                    <a:bodyPr/>
-                    <a:lstStyle/>
-                    <a:p>
-                      <a:pPr algn="ctr"/>
-                      <a:r>
-                        <a:rPr lang="en-GB" sz="1600">
-                          <a:latin typeface="Courier New" panose="02070309020205020404" pitchFamily="49" charset="0"/>
-                          <a:cs typeface="Courier New" panose="02070309020205020404" pitchFamily="49" charset="0"/>
-                        </a:rPr>
-                        <a:t>XX</a:t>
-                      </a:r>
-                    </a:p>
-                  </a:txBody>
-                  <a:tcPr>
-                    <a:lnL w="12700" cap="flat" cmpd="sng" algn="ctr">
-                      <a:solidFill>
-                        <a:schemeClr val="tx1"/>
-                      </a:solidFill>
-                      <a:prstDash val="solid"/>
-                      <a:round/>
-                      <a:headEnd type="none" w="med" len="med"/>
-                      <a:tailEnd type="none" w="med" len="med"/>
-                    </a:lnL>
-                    <a:lnR w="12700" cap="flat" cmpd="sng" algn="ctr">
-                      <a:solidFill>
-                        <a:schemeClr val="tx1"/>
-                      </a:solidFill>
-                      <a:prstDash val="dot"/>
-                      <a:round/>
-                      <a:headEnd type="none" w="med" len="med"/>
-                      <a:tailEnd type="none" w="med" len="med"/>
-                    </a:lnR>
-                    <a:lnB w="12700" cap="flat" cmpd="sng" algn="ctr">
-                      <a:solidFill>
-                        <a:schemeClr val="tx1"/>
-                      </a:solidFill>
-                      <a:prstDash val="dot"/>
-                      <a:round/>
-                      <a:headEnd type="none" w="med" len="med"/>
-                      <a:tailEnd type="none" w="med" len="med"/>
-                    </a:lnB>
-                    <a:noFill/>
-                  </a:tcPr>
-                </a:tc>
-                <a:tc>
-                  <a:txBody>
-                    <a:bodyPr/>
-                    <a:lstStyle/>
-                    <a:p>
-                      <a:pPr algn="ctr"/>
-                      <a:r>
-                        <a:rPr lang="en-GB" sz="1600">
-                          <a:latin typeface="Courier New" panose="02070309020205020404" pitchFamily="49" charset="0"/>
-                          <a:cs typeface="Courier New" panose="02070309020205020404" pitchFamily="49" charset="0"/>
-                        </a:rPr>
-                        <a:t>XX</a:t>
-                      </a:r>
-                    </a:p>
-                  </a:txBody>
-                  <a:tcPr>
-                    <a:lnL w="12700" cap="flat" cmpd="sng" algn="ctr">
-                      <a:solidFill>
-                        <a:schemeClr val="tx1"/>
-                      </a:solidFill>
-                      <a:prstDash val="dot"/>
-                      <a:round/>
-                      <a:headEnd type="none" w="med" len="med"/>
-                      <a:tailEnd type="none" w="med" len="med"/>
-                    </a:lnL>
-                    <a:lnR w="12700" cap="flat" cmpd="sng" algn="ctr">
-                      <a:solidFill>
-                        <a:schemeClr val="tx1"/>
-                      </a:solidFill>
-                      <a:prstDash val="dot"/>
-                      <a:round/>
-                      <a:headEnd type="none" w="med" len="med"/>
-                      <a:tailEnd type="none" w="med" len="med"/>
-                    </a:lnR>
-                    <a:lnB w="12700" cap="flat" cmpd="sng" algn="ctr">
-                      <a:solidFill>
-                        <a:schemeClr val="tx1"/>
-                      </a:solidFill>
-                      <a:prstDash val="dot"/>
-                      <a:round/>
-                      <a:headEnd type="none" w="med" len="med"/>
-                      <a:tailEnd type="none" w="med" len="med"/>
-                    </a:lnB>
-                    <a:noFill/>
-                  </a:tcPr>
-                </a:tc>
-                <a:tc>
-                  <a:txBody>
-                    <a:bodyPr/>
-                    <a:lstStyle/>
-                    <a:p>
-                      <a:pPr algn="ctr"/>
-                      <a:r>
-                        <a:rPr lang="en-GB" sz="1600">
-                          <a:latin typeface="Courier New" panose="02070309020205020404" pitchFamily="49" charset="0"/>
-                          <a:cs typeface="Courier New" panose="02070309020205020404" pitchFamily="49" charset="0"/>
-                        </a:rPr>
-                        <a:t>XX</a:t>
-                      </a:r>
-                    </a:p>
-                  </a:txBody>
-                  <a:tcPr>
-                    <a:lnL w="12700" cap="flat" cmpd="sng" algn="ctr">
-                      <a:solidFill>
-                        <a:schemeClr val="tx1"/>
-                      </a:solidFill>
-                      <a:prstDash val="dot"/>
-                      <a:round/>
-                      <a:headEnd type="none" w="med" len="med"/>
-                      <a:tailEnd type="none" w="med" len="med"/>
-                    </a:lnL>
-                    <a:lnB w="12700" cap="flat" cmpd="sng" algn="ctr">
-                      <a:solidFill>
-                        <a:schemeClr val="tx1"/>
-                      </a:solidFill>
-                      <a:prstDash val="dot"/>
-                      <a:round/>
-                      <a:headEnd type="none" w="med" len="med"/>
-                      <a:tailEnd type="none" w="med" len="med"/>
-                    </a:lnB>
-                    <a:noFill/>
-                  </a:tcPr>
-                </a:tc>
-                <a:extLst>
-                  <a:ext uri="{0D108BD9-81ED-4DB2-BD59-A6C34878D82A}">
-                    <a16:rowId xmlns:a16="http://schemas.microsoft.com/office/drawing/2014/main" val="5581767"/>
-                  </a:ext>
-                </a:extLst>
-              </a:tr>
-              <a:tr h="370840">
-                <a:tc>
-                  <a:txBody>
-                    <a:bodyPr/>
-                    <a:lstStyle/>
-                    <a:p>
-                      <a:endParaRPr lang="en-GB" sz="1600"/>
-                    </a:p>
-                  </a:txBody>
-                  <a:tcPr>
-                    <a:lnR w="12700" cap="flat" cmpd="sng" algn="ctr">
-                      <a:solidFill>
-                        <a:schemeClr val="tx1"/>
-                      </a:solidFill>
-                      <a:prstDash val="dot"/>
-                      <a:round/>
-                      <a:headEnd type="none" w="med" len="med"/>
-                      <a:tailEnd type="none" w="med" len="med"/>
-                    </a:lnR>
-                    <a:lnT w="12700" cap="flat" cmpd="sng" algn="ctr">
-                      <a:solidFill>
-                        <a:schemeClr val="tx1"/>
-                      </a:solidFill>
-                      <a:prstDash val="dot"/>
-                      <a:round/>
-                      <a:headEnd type="none" w="med" len="med"/>
-                      <a:tailEnd type="none" w="med" len="med"/>
-                    </a:lnT>
-                    <a:lnB w="12700" cap="flat" cmpd="sng" algn="ctr">
-                      <a:solidFill>
-                        <a:schemeClr val="tx1"/>
-                      </a:solidFill>
-                      <a:prstDash val="dot"/>
-                      <a:round/>
-                      <a:headEnd type="none" w="med" len="med"/>
-                      <a:tailEnd type="none" w="med" len="med"/>
-                    </a:lnB>
-                    <a:noFill/>
-                  </a:tcPr>
-                </a:tc>
-                <a:tc>
-                  <a:txBody>
-                    <a:bodyPr/>
-                    <a:lstStyle/>
-                    <a:p>
-                      <a:r>
-                        <a:rPr lang="en-GB" sz="1600"/>
-                        <a:t>Mean (</a:t>
-                      </a:r>
-                      <a:r>
-                        <a:rPr lang="en-GB" sz="1600" err="1"/>
-                        <a:t>sd</a:t>
-                      </a:r>
-                      <a:r>
-                        <a:rPr lang="en-GB" sz="1600"/>
-                        <a:t>)</a:t>
-                      </a:r>
-                    </a:p>
-                  </a:txBody>
-                  <a:tcPr>
-                    <a:lnL w="12700" cap="flat" cmpd="sng" algn="ctr">
-                      <a:solidFill>
-                        <a:schemeClr val="tx1"/>
-                      </a:solidFill>
-                      <a:prstDash val="dot"/>
-                      <a:round/>
-                      <a:headEnd type="none" w="med" len="med"/>
-                      <a:tailEnd type="none" w="med" len="med"/>
-                    </a:lnL>
-                    <a:lnR w="12700" cap="flat" cmpd="sng" algn="ctr">
-                      <a:solidFill>
-                        <a:schemeClr val="tx1"/>
-                      </a:solidFill>
-                      <a:prstDash val="solid"/>
-                      <a:round/>
-                      <a:headEnd type="none" w="med" len="med"/>
-                      <a:tailEnd type="none" w="med" len="med"/>
-                    </a:lnR>
-                    <a:lnT w="12700" cap="flat" cmpd="sng" algn="ctr">
-                      <a:solidFill>
-                        <a:schemeClr val="tx1"/>
-                      </a:solidFill>
-                      <a:prstDash val="dot"/>
-                      <a:round/>
-                      <a:headEnd type="none" w="med" len="med"/>
-                      <a:tailEnd type="none" w="med" len="med"/>
-                    </a:lnT>
-                    <a:lnB w="12700" cap="flat" cmpd="sng" algn="ctr">
-                      <a:solidFill>
-                        <a:schemeClr val="tx1"/>
-                      </a:solidFill>
-                      <a:prstDash val="dot"/>
-                      <a:round/>
-                      <a:headEnd type="none" w="med" len="med"/>
-                      <a:tailEnd type="none" w="med" len="med"/>
-                    </a:lnB>
-                    <a:noFill/>
-                  </a:tcPr>
-                </a:tc>
-                <a:tc>
-                  <a:txBody>
-                    <a:bodyPr/>
-                    <a:lstStyle/>
-                    <a:p>
-                      <a:pPr algn="ctr"/>
-                      <a:r>
-                        <a:rPr lang="en-GB" sz="1600">
-                          <a:latin typeface="Courier New" panose="02070309020205020404" pitchFamily="49" charset="0"/>
-                          <a:cs typeface="Courier New" panose="02070309020205020404" pitchFamily="49" charset="0"/>
-                        </a:rPr>
-                        <a:t>XX.X(XX.XX)</a:t>
-                      </a:r>
-                    </a:p>
-                  </a:txBody>
-                  <a:tcPr>
-                    <a:lnL w="12700" cap="flat" cmpd="sng" algn="ctr">
-                      <a:solidFill>
-                        <a:schemeClr val="tx1"/>
-                      </a:solidFill>
-                      <a:prstDash val="solid"/>
-                      <a:round/>
-                      <a:headEnd type="none" w="med" len="med"/>
-                      <a:tailEnd type="none" w="med" len="med"/>
-                    </a:lnL>
-                    <a:lnR w="12700" cap="flat" cmpd="sng" algn="ctr">
-                      <a:solidFill>
-                        <a:schemeClr val="tx1"/>
-                      </a:solidFill>
-                      <a:prstDash val="dot"/>
-                      <a:round/>
-                      <a:headEnd type="none" w="med" len="med"/>
-                      <a:tailEnd type="none" w="med" len="med"/>
-                    </a:lnR>
-                    <a:lnT w="12700" cap="flat" cmpd="sng" algn="ctr">
-                      <a:solidFill>
-                        <a:schemeClr val="tx1"/>
-                      </a:solidFill>
-                      <a:prstDash val="dot"/>
-                      <a:round/>
-                      <a:headEnd type="none" w="med" len="med"/>
-                      <a:tailEnd type="none" w="med" len="med"/>
-                    </a:lnT>
-                    <a:lnB w="12700" cap="flat" cmpd="sng" algn="ctr">
-                      <a:solidFill>
-                        <a:schemeClr val="tx1"/>
-                      </a:solidFill>
-                      <a:prstDash val="dot"/>
-                      <a:round/>
-                      <a:headEnd type="none" w="med" len="med"/>
-                      <a:tailEnd type="none" w="med" len="med"/>
-                    </a:lnB>
-                    <a:noFill/>
-                  </a:tcPr>
-                </a:tc>
-                <a:tc>
-                  <a:txBody>
-                    <a:bodyPr/>
-                    <a:lstStyle/>
-                    <a:p>
-                      <a:pPr marL="0" marR="0" lvl="0" indent="0" algn="ctr" defTabSz="1219170" rtl="0" eaLnBrk="1" fontAlgn="auto" latinLnBrk="0" hangingPunct="1">
-                        <a:lnSpc>
-                          <a:spcPct val="100000"/>
-                        </a:lnSpc>
-                        <a:spcBef>
-                          <a:spcPts val="0"/>
-                        </a:spcBef>
-                        <a:spcAft>
-                          <a:spcPts val="0"/>
-                        </a:spcAft>
-                        <a:buClrTx/>
-                        <a:buSzTx/>
-                        <a:buFontTx/>
-                        <a:buNone/>
-                        <a:tabLst/>
-                        <a:defRPr/>
-                      </a:pPr>
-                      <a:r>
-                        <a:rPr lang="en-GB" sz="1600">
-                          <a:latin typeface="Courier New" panose="02070309020205020404" pitchFamily="49" charset="0"/>
-                          <a:cs typeface="Courier New" panose="02070309020205020404" pitchFamily="49" charset="0"/>
-                        </a:rPr>
-                        <a:t>XX.X(XX.XX)</a:t>
-                      </a:r>
-                    </a:p>
-                  </a:txBody>
-                  <a:tcPr>
-                    <a:lnL w="12700" cap="flat" cmpd="sng" algn="ctr">
-                      <a:solidFill>
-                        <a:schemeClr val="tx1"/>
-                      </a:solidFill>
-                      <a:prstDash val="dot"/>
-                      <a:round/>
-                      <a:headEnd type="none" w="med" len="med"/>
-                      <a:tailEnd type="none" w="med" len="med"/>
-                    </a:lnL>
-                    <a:lnR w="12700" cap="flat" cmpd="sng" algn="ctr">
-                      <a:solidFill>
-                        <a:schemeClr val="tx1"/>
-                      </a:solidFill>
-                      <a:prstDash val="dot"/>
-                      <a:round/>
-                      <a:headEnd type="none" w="med" len="med"/>
-                      <a:tailEnd type="none" w="med" len="med"/>
-                    </a:lnR>
-                    <a:lnT w="12700" cap="flat" cmpd="sng" algn="ctr">
-                      <a:solidFill>
-                        <a:schemeClr val="tx1"/>
-                      </a:solidFill>
-                      <a:prstDash val="dot"/>
-                      <a:round/>
-                      <a:headEnd type="none" w="med" len="med"/>
-                      <a:tailEnd type="none" w="med" len="med"/>
-                    </a:lnT>
-                    <a:lnB w="12700" cap="flat" cmpd="sng" algn="ctr">
-                      <a:solidFill>
-                        <a:schemeClr val="tx1"/>
-                      </a:solidFill>
-                      <a:prstDash val="dot"/>
-                      <a:round/>
-                      <a:headEnd type="none" w="med" len="med"/>
-                      <a:tailEnd type="none" w="med" len="med"/>
-                    </a:lnB>
-                    <a:noFill/>
-                  </a:tcPr>
-                </a:tc>
-                <a:tc>
-                  <a:txBody>
-                    <a:bodyPr/>
-                    <a:lstStyle/>
-                    <a:p>
-                      <a:pPr marL="0" marR="0" lvl="0" indent="0" algn="ctr" defTabSz="1219170" rtl="0" eaLnBrk="1" fontAlgn="auto" latinLnBrk="0" hangingPunct="1">
-                        <a:lnSpc>
-                          <a:spcPct val="100000"/>
-                        </a:lnSpc>
-                        <a:spcBef>
-                          <a:spcPts val="0"/>
-                        </a:spcBef>
-                        <a:spcAft>
-                          <a:spcPts val="0"/>
-                        </a:spcAft>
-                        <a:buClrTx/>
-                        <a:buSzTx/>
-                        <a:buFontTx/>
-                        <a:buNone/>
-                        <a:tabLst/>
-                        <a:defRPr/>
-                      </a:pPr>
-                      <a:r>
-                        <a:rPr lang="en-GB" sz="1600">
-                          <a:latin typeface="Courier New" panose="02070309020205020404" pitchFamily="49" charset="0"/>
-                          <a:cs typeface="Courier New" panose="02070309020205020404" pitchFamily="49" charset="0"/>
-                        </a:rPr>
-                        <a:t>XX.X(XX.XX)</a:t>
-                      </a:r>
-                    </a:p>
-                  </a:txBody>
-                  <a:tcPr>
-                    <a:lnL w="12700" cap="flat" cmpd="sng" algn="ctr">
-                      <a:solidFill>
-                        <a:schemeClr val="tx1"/>
-                      </a:solidFill>
-                      <a:prstDash val="dot"/>
-                      <a:round/>
-                      <a:headEnd type="none" w="med" len="med"/>
-                      <a:tailEnd type="none" w="med" len="med"/>
-                    </a:lnL>
-                    <a:lnT w="12700" cap="flat" cmpd="sng" algn="ctr">
-                      <a:solidFill>
-                        <a:schemeClr val="tx1"/>
-                      </a:solidFill>
-                      <a:prstDash val="dot"/>
-                      <a:round/>
-                      <a:headEnd type="none" w="med" len="med"/>
-                      <a:tailEnd type="none" w="med" len="med"/>
-                    </a:lnT>
-                    <a:lnB w="12700" cap="flat" cmpd="sng" algn="ctr">
-                      <a:solidFill>
-                        <a:schemeClr val="tx1"/>
-                      </a:solidFill>
-                      <a:prstDash val="dot"/>
-                      <a:round/>
-                      <a:headEnd type="none" w="med" len="med"/>
-                      <a:tailEnd type="none" w="med" len="med"/>
-                    </a:lnB>
-                    <a:noFill/>
-                  </a:tcPr>
-                </a:tc>
-                <a:extLst>
-                  <a:ext uri="{0D108BD9-81ED-4DB2-BD59-A6C34878D82A}">
-                    <a16:rowId xmlns:a16="http://schemas.microsoft.com/office/drawing/2014/main" val="4221371649"/>
-                  </a:ext>
-                </a:extLst>
-              </a:tr>
-              <a:tr h="370840">
-                <a:tc>
-                  <a:txBody>
-                    <a:bodyPr/>
-                    <a:lstStyle/>
-                    <a:p>
-                      <a:endParaRPr lang="en-GB" sz="1600"/>
-                    </a:p>
-                  </a:txBody>
-                  <a:tcPr>
-                    <a:lnR w="12700" cap="flat" cmpd="sng" algn="ctr">
-                      <a:solidFill>
-                        <a:schemeClr val="tx1"/>
-                      </a:solidFill>
-                      <a:prstDash val="dot"/>
-                      <a:round/>
-                      <a:headEnd type="none" w="med" len="med"/>
-                      <a:tailEnd type="none" w="med" len="med"/>
-                    </a:lnR>
-                    <a:lnT w="12700" cap="flat" cmpd="sng" algn="ctr">
-                      <a:solidFill>
-                        <a:schemeClr val="tx1"/>
-                      </a:solidFill>
-                      <a:prstDash val="dot"/>
-                      <a:round/>
-                      <a:headEnd type="none" w="med" len="med"/>
-                      <a:tailEnd type="none" w="med" len="med"/>
-                    </a:lnT>
-                    <a:lnB w="12700" cap="flat" cmpd="sng" algn="ctr">
-                      <a:solidFill>
-                        <a:schemeClr val="tx1"/>
-                      </a:solidFill>
-                      <a:prstDash val="dot"/>
-                      <a:round/>
-                      <a:headEnd type="none" w="med" len="med"/>
-                      <a:tailEnd type="none" w="med" len="med"/>
-                    </a:lnB>
-                    <a:noFill/>
-                  </a:tcPr>
-                </a:tc>
-                <a:tc>
-                  <a:txBody>
-                    <a:bodyPr/>
-                    <a:lstStyle/>
-                    <a:p>
-                      <a:r>
-                        <a:rPr lang="en-GB" sz="1600"/>
-                        <a:t>Median</a:t>
-                      </a:r>
-                    </a:p>
-                  </a:txBody>
-                  <a:tcPr>
-                    <a:lnL w="12700" cap="flat" cmpd="sng" algn="ctr">
-                      <a:solidFill>
-                        <a:schemeClr val="tx1"/>
-                      </a:solidFill>
-                      <a:prstDash val="dot"/>
-                      <a:round/>
-                      <a:headEnd type="none" w="med" len="med"/>
-                      <a:tailEnd type="none" w="med" len="med"/>
-                    </a:lnL>
-                    <a:lnR w="12700" cap="flat" cmpd="sng" algn="ctr">
-                      <a:solidFill>
-                        <a:schemeClr val="tx1"/>
-                      </a:solidFill>
-                      <a:prstDash val="solid"/>
-                      <a:round/>
-                      <a:headEnd type="none" w="med" len="med"/>
-                      <a:tailEnd type="none" w="med" len="med"/>
-                    </a:lnR>
-                    <a:lnT w="12700" cap="flat" cmpd="sng" algn="ctr">
-                      <a:solidFill>
-                        <a:schemeClr val="tx1"/>
-                      </a:solidFill>
-                      <a:prstDash val="dot"/>
-                      <a:round/>
-                      <a:headEnd type="none" w="med" len="med"/>
-                      <a:tailEnd type="none" w="med" len="med"/>
-                    </a:lnT>
-                    <a:lnB w="12700" cap="flat" cmpd="sng" algn="ctr">
-                      <a:solidFill>
-                        <a:schemeClr val="tx1"/>
-                      </a:solidFill>
-                      <a:prstDash val="dot"/>
-                      <a:round/>
-                      <a:headEnd type="none" w="med" len="med"/>
-                      <a:tailEnd type="none" w="med" len="med"/>
-                    </a:lnB>
-                    <a:noFill/>
-                  </a:tcPr>
-                </a:tc>
-                <a:tc>
-                  <a:txBody>
-                    <a:bodyPr/>
-                    <a:lstStyle/>
-                    <a:p>
-                      <a:pPr algn="ctr"/>
-                      <a:r>
-                        <a:rPr lang="en-GB" sz="1600">
-                          <a:latin typeface="Courier New" panose="02070309020205020404" pitchFamily="49" charset="0"/>
-                          <a:cs typeface="Courier New" panose="02070309020205020404" pitchFamily="49" charset="0"/>
-                        </a:rPr>
-                        <a:t>XX.X</a:t>
-                      </a:r>
-                    </a:p>
-                  </a:txBody>
-                  <a:tcPr>
-                    <a:lnL w="12700" cap="flat" cmpd="sng" algn="ctr">
-                      <a:solidFill>
-                        <a:schemeClr val="tx1"/>
-                      </a:solidFill>
-                      <a:prstDash val="solid"/>
-                      <a:round/>
-                      <a:headEnd type="none" w="med" len="med"/>
-                      <a:tailEnd type="none" w="med" len="med"/>
-                    </a:lnL>
-                    <a:lnR w="12700" cap="flat" cmpd="sng" algn="ctr">
-                      <a:solidFill>
-                        <a:schemeClr val="tx1"/>
-                      </a:solidFill>
-                      <a:prstDash val="dot"/>
-                      <a:round/>
-                      <a:headEnd type="none" w="med" len="med"/>
-                      <a:tailEnd type="none" w="med" len="med"/>
-                    </a:lnR>
-                    <a:lnT w="12700" cap="flat" cmpd="sng" algn="ctr">
-                      <a:solidFill>
-                        <a:schemeClr val="tx1"/>
-                      </a:solidFill>
-                      <a:prstDash val="dot"/>
-                      <a:round/>
-                      <a:headEnd type="none" w="med" len="med"/>
-                      <a:tailEnd type="none" w="med" len="med"/>
-                    </a:lnT>
-                    <a:lnB w="12700" cap="flat" cmpd="sng" algn="ctr">
-                      <a:solidFill>
-                        <a:schemeClr val="tx1"/>
-                      </a:solidFill>
-                      <a:prstDash val="dot"/>
-                      <a:round/>
-                      <a:headEnd type="none" w="med" len="med"/>
-                      <a:tailEnd type="none" w="med" len="med"/>
-                    </a:lnB>
-                    <a:noFill/>
-                  </a:tcPr>
-                </a:tc>
-                <a:tc>
-                  <a:txBody>
-                    <a:bodyPr/>
-                    <a:lstStyle/>
-                    <a:p>
-                      <a:pPr algn="ctr"/>
-                      <a:r>
-                        <a:rPr lang="en-GB" sz="1600">
-                          <a:latin typeface="Courier New" panose="02070309020205020404" pitchFamily="49" charset="0"/>
-                          <a:cs typeface="Courier New" panose="02070309020205020404" pitchFamily="49" charset="0"/>
-                        </a:rPr>
-                        <a:t>XX.X</a:t>
-                      </a:r>
-                    </a:p>
-                  </a:txBody>
-                  <a:tcPr>
-                    <a:lnL w="12700" cap="flat" cmpd="sng" algn="ctr">
-                      <a:solidFill>
-                        <a:schemeClr val="tx1"/>
-                      </a:solidFill>
-                      <a:prstDash val="dot"/>
-                      <a:round/>
-                      <a:headEnd type="none" w="med" len="med"/>
-                      <a:tailEnd type="none" w="med" len="med"/>
-                    </a:lnL>
-                    <a:lnR w="12700" cap="flat" cmpd="sng" algn="ctr">
-                      <a:solidFill>
-                        <a:schemeClr val="tx1"/>
-                      </a:solidFill>
-                      <a:prstDash val="dot"/>
-                      <a:round/>
-                      <a:headEnd type="none" w="med" len="med"/>
-                      <a:tailEnd type="none" w="med" len="med"/>
-                    </a:lnR>
-                    <a:lnT w="12700" cap="flat" cmpd="sng" algn="ctr">
-                      <a:solidFill>
-                        <a:schemeClr val="tx1"/>
-                      </a:solidFill>
-                      <a:prstDash val="dot"/>
-                      <a:round/>
-                      <a:headEnd type="none" w="med" len="med"/>
-                      <a:tailEnd type="none" w="med" len="med"/>
-                    </a:lnT>
-                    <a:lnB w="12700" cap="flat" cmpd="sng" algn="ctr">
-                      <a:solidFill>
-                        <a:schemeClr val="tx1"/>
-                      </a:solidFill>
-                      <a:prstDash val="dot"/>
-                      <a:round/>
-                      <a:headEnd type="none" w="med" len="med"/>
-                      <a:tailEnd type="none" w="med" len="med"/>
-                    </a:lnB>
-                    <a:noFill/>
-                  </a:tcPr>
-                </a:tc>
-                <a:tc>
-                  <a:txBody>
-                    <a:bodyPr/>
-                    <a:lstStyle/>
-                    <a:p>
-                      <a:pPr algn="ctr"/>
-                      <a:r>
-                        <a:rPr lang="en-GB" sz="1600">
-                          <a:latin typeface="Courier New" panose="02070309020205020404" pitchFamily="49" charset="0"/>
-                          <a:cs typeface="Courier New" panose="02070309020205020404" pitchFamily="49" charset="0"/>
-                        </a:rPr>
-                        <a:t>XX.X</a:t>
-                      </a:r>
-                    </a:p>
-                  </a:txBody>
-                  <a:tcPr>
-                    <a:lnL w="12700" cap="flat" cmpd="sng" algn="ctr">
-                      <a:solidFill>
-                        <a:schemeClr val="tx1"/>
-                      </a:solidFill>
-                      <a:prstDash val="dot"/>
-                      <a:round/>
-                      <a:headEnd type="none" w="med" len="med"/>
-                      <a:tailEnd type="none" w="med" len="med"/>
-                    </a:lnL>
-                    <a:lnT w="12700" cap="flat" cmpd="sng" algn="ctr">
-                      <a:solidFill>
-                        <a:schemeClr val="tx1"/>
-                      </a:solidFill>
-                      <a:prstDash val="dot"/>
-                      <a:round/>
-                      <a:headEnd type="none" w="med" len="med"/>
-                      <a:tailEnd type="none" w="med" len="med"/>
-                    </a:lnT>
-                    <a:lnB w="12700" cap="flat" cmpd="sng" algn="ctr">
-                      <a:solidFill>
-                        <a:schemeClr val="tx1"/>
-                      </a:solidFill>
-                      <a:prstDash val="dot"/>
-                      <a:round/>
-                      <a:headEnd type="none" w="med" len="med"/>
-                      <a:tailEnd type="none" w="med" len="med"/>
-                    </a:lnB>
-                    <a:noFill/>
-                  </a:tcPr>
-                </a:tc>
-                <a:extLst>
-                  <a:ext uri="{0D108BD9-81ED-4DB2-BD59-A6C34878D82A}">
-                    <a16:rowId xmlns:a16="http://schemas.microsoft.com/office/drawing/2014/main" val="3286758342"/>
-                  </a:ext>
-                </a:extLst>
-              </a:tr>
-              <a:tr h="370840">
-                <a:tc>
-                  <a:txBody>
-                    <a:bodyPr/>
-                    <a:lstStyle/>
-                    <a:p>
-                      <a:endParaRPr lang="en-GB" sz="1600"/>
-                    </a:p>
-                  </a:txBody>
-                  <a:tcPr>
-                    <a:lnR w="12700" cap="flat" cmpd="sng" algn="ctr">
-                      <a:solidFill>
-                        <a:schemeClr val="tx1"/>
-                      </a:solidFill>
-                      <a:prstDash val="dot"/>
-                      <a:round/>
-                      <a:headEnd type="none" w="med" len="med"/>
-                      <a:tailEnd type="none" w="med" len="med"/>
-                    </a:lnR>
-                    <a:lnT w="12700" cap="flat" cmpd="sng" algn="ctr">
-                      <a:solidFill>
-                        <a:schemeClr val="tx1"/>
-                      </a:solidFill>
-                      <a:prstDash val="dot"/>
-                      <a:round/>
-                      <a:headEnd type="none" w="med" len="med"/>
-                      <a:tailEnd type="none" w="med" len="med"/>
-                    </a:lnT>
-                    <a:lnB w="12700" cap="flat" cmpd="sng" algn="ctr">
-                      <a:solidFill>
-                        <a:schemeClr val="tx1"/>
-                      </a:solidFill>
-                      <a:prstDash val="dot"/>
-                      <a:round/>
-                      <a:headEnd type="none" w="med" len="med"/>
-                      <a:tailEnd type="none" w="med" len="med"/>
-                    </a:lnB>
-                    <a:noFill/>
-                  </a:tcPr>
-                </a:tc>
-                <a:tc>
-                  <a:txBody>
-                    <a:bodyPr/>
-                    <a:lstStyle/>
-                    <a:p>
-                      <a:r>
-                        <a:rPr lang="en-GB" sz="1600"/>
-                        <a:t>Min, Max</a:t>
-                      </a:r>
-                    </a:p>
-                  </a:txBody>
-                  <a:tcPr>
-                    <a:lnL w="12700" cap="flat" cmpd="sng" algn="ctr">
-                      <a:solidFill>
-                        <a:schemeClr val="tx1"/>
-                      </a:solidFill>
-                      <a:prstDash val="dot"/>
-                      <a:round/>
-                      <a:headEnd type="none" w="med" len="med"/>
-                      <a:tailEnd type="none" w="med" len="med"/>
-                    </a:lnL>
-                    <a:lnR w="12700" cap="flat" cmpd="sng" algn="ctr">
-                      <a:solidFill>
-                        <a:schemeClr val="tx1"/>
-                      </a:solidFill>
-                      <a:prstDash val="solid"/>
-                      <a:round/>
-                      <a:headEnd type="none" w="med" len="med"/>
-                      <a:tailEnd type="none" w="med" len="med"/>
-                    </a:lnR>
-                    <a:lnT w="12700" cap="flat" cmpd="sng" algn="ctr">
-                      <a:solidFill>
-                        <a:schemeClr val="tx1"/>
-                      </a:solidFill>
-                      <a:prstDash val="dot"/>
-                      <a:round/>
-                      <a:headEnd type="none" w="med" len="med"/>
-                      <a:tailEnd type="none" w="med" len="med"/>
-                    </a:lnT>
-                    <a:lnB w="12700" cap="flat" cmpd="sng" algn="ctr">
-                      <a:solidFill>
-                        <a:schemeClr val="tx1"/>
-                      </a:solidFill>
-                      <a:prstDash val="dot"/>
-                      <a:round/>
-                      <a:headEnd type="none" w="med" len="med"/>
-                      <a:tailEnd type="none" w="med" len="med"/>
-                    </a:lnB>
-                    <a:noFill/>
-                  </a:tcPr>
-                </a:tc>
-                <a:tc>
-                  <a:txBody>
-                    <a:bodyPr/>
-                    <a:lstStyle/>
-                    <a:p>
-                      <a:pPr algn="ctr"/>
-                      <a:r>
-                        <a:rPr lang="en-GB" sz="1600">
-                          <a:latin typeface="Courier New" panose="02070309020205020404" pitchFamily="49" charset="0"/>
-                          <a:cs typeface="Courier New" panose="02070309020205020404" pitchFamily="49" charset="0"/>
-                        </a:rPr>
-                        <a:t>XX,XX</a:t>
-                      </a:r>
-                    </a:p>
-                  </a:txBody>
-                  <a:tcPr>
-                    <a:lnL w="12700" cap="flat" cmpd="sng" algn="ctr">
-                      <a:solidFill>
-                        <a:schemeClr val="tx1"/>
-                      </a:solidFill>
-                      <a:prstDash val="solid"/>
-                      <a:round/>
-                      <a:headEnd type="none" w="med" len="med"/>
-                      <a:tailEnd type="none" w="med" len="med"/>
-                    </a:lnL>
-                    <a:lnR w="12700" cap="flat" cmpd="sng" algn="ctr">
-                      <a:solidFill>
-                        <a:schemeClr val="tx1"/>
-                      </a:solidFill>
-                      <a:prstDash val="dot"/>
-                      <a:round/>
-                      <a:headEnd type="none" w="med" len="med"/>
-                      <a:tailEnd type="none" w="med" len="med"/>
-                    </a:lnR>
-                    <a:lnT w="12700" cap="flat" cmpd="sng" algn="ctr">
-                      <a:solidFill>
-                        <a:schemeClr val="tx1"/>
-                      </a:solidFill>
-                      <a:prstDash val="dot"/>
-                      <a:round/>
-                      <a:headEnd type="none" w="med" len="med"/>
-                      <a:tailEnd type="none" w="med" len="med"/>
-                    </a:lnT>
-                    <a:lnB w="12700" cap="flat" cmpd="sng" algn="ctr">
-                      <a:solidFill>
-                        <a:schemeClr val="tx1"/>
-                      </a:solidFill>
-                      <a:prstDash val="dot"/>
-                      <a:round/>
-                      <a:headEnd type="none" w="med" len="med"/>
-                      <a:tailEnd type="none" w="med" len="med"/>
-                    </a:lnB>
-                    <a:noFill/>
-                  </a:tcPr>
-                </a:tc>
-                <a:tc>
-                  <a:txBody>
-                    <a:bodyPr/>
-                    <a:lstStyle/>
-                    <a:p>
-                      <a:pPr algn="ctr"/>
-                      <a:r>
-                        <a:rPr lang="en-GB" sz="1600">
-                          <a:latin typeface="Courier New" panose="02070309020205020404" pitchFamily="49" charset="0"/>
-                          <a:cs typeface="Courier New" panose="02070309020205020404" pitchFamily="49" charset="0"/>
-                        </a:rPr>
-                        <a:t>XX,XX</a:t>
-                      </a:r>
-                    </a:p>
-                  </a:txBody>
-                  <a:tcPr>
-                    <a:lnL w="12700" cap="flat" cmpd="sng" algn="ctr">
-                      <a:solidFill>
-                        <a:schemeClr val="tx1"/>
-                      </a:solidFill>
-                      <a:prstDash val="dot"/>
-                      <a:round/>
-                      <a:headEnd type="none" w="med" len="med"/>
-                      <a:tailEnd type="none" w="med" len="med"/>
-                    </a:lnL>
-                    <a:lnR w="12700" cap="flat" cmpd="sng" algn="ctr">
-                      <a:solidFill>
-                        <a:schemeClr val="tx1"/>
-                      </a:solidFill>
-                      <a:prstDash val="dot"/>
-                      <a:round/>
-                      <a:headEnd type="none" w="med" len="med"/>
-                      <a:tailEnd type="none" w="med" len="med"/>
-                    </a:lnR>
-                    <a:lnT w="12700" cap="flat" cmpd="sng" algn="ctr">
-                      <a:solidFill>
-                        <a:schemeClr val="tx1"/>
-                      </a:solidFill>
-                      <a:prstDash val="dot"/>
-                      <a:round/>
-                      <a:headEnd type="none" w="med" len="med"/>
-                      <a:tailEnd type="none" w="med" len="med"/>
-                    </a:lnT>
-                    <a:lnB w="12700" cap="flat" cmpd="sng" algn="ctr">
-                      <a:solidFill>
-                        <a:schemeClr val="tx1"/>
-                      </a:solidFill>
-                      <a:prstDash val="dot"/>
-                      <a:round/>
-                      <a:headEnd type="none" w="med" len="med"/>
-                      <a:tailEnd type="none" w="med" len="med"/>
-                    </a:lnB>
-                    <a:noFill/>
-                  </a:tcPr>
-                </a:tc>
-                <a:tc>
-                  <a:txBody>
-                    <a:bodyPr/>
-                    <a:lstStyle/>
-                    <a:p>
-                      <a:pPr marL="0" marR="0" lvl="0" indent="0" algn="ctr" defTabSz="1219170" rtl="0" eaLnBrk="1" fontAlgn="auto" latinLnBrk="0" hangingPunct="1">
-                        <a:lnSpc>
-                          <a:spcPct val="100000"/>
-                        </a:lnSpc>
-                        <a:spcBef>
-                          <a:spcPts val="0"/>
-                        </a:spcBef>
-                        <a:spcAft>
-                          <a:spcPts val="0"/>
-                        </a:spcAft>
-                        <a:buClrTx/>
-                        <a:buSzTx/>
-                        <a:buFontTx/>
-                        <a:buNone/>
-                        <a:tabLst/>
-                        <a:defRPr/>
-                      </a:pPr>
-                      <a:r>
-                        <a:rPr lang="en-GB" sz="1600">
-                          <a:latin typeface="Courier New" panose="02070309020205020404" pitchFamily="49" charset="0"/>
-                          <a:cs typeface="Courier New" panose="02070309020205020404" pitchFamily="49" charset="0"/>
-                        </a:rPr>
-                        <a:t>XX,XX</a:t>
-                      </a:r>
-                    </a:p>
-                  </a:txBody>
-                  <a:tcPr>
-                    <a:lnL w="12700" cap="flat" cmpd="sng" algn="ctr">
-                      <a:solidFill>
-                        <a:schemeClr val="tx1"/>
-                      </a:solidFill>
-                      <a:prstDash val="dot"/>
-                      <a:round/>
-                      <a:headEnd type="none" w="med" len="med"/>
-                      <a:tailEnd type="none" w="med" len="med"/>
-                    </a:lnL>
-                    <a:lnT w="12700" cap="flat" cmpd="sng" algn="ctr">
-                      <a:solidFill>
-                        <a:schemeClr val="tx1"/>
-                      </a:solidFill>
-                      <a:prstDash val="dot"/>
-                      <a:round/>
-                      <a:headEnd type="none" w="med" len="med"/>
-                      <a:tailEnd type="none" w="med" len="med"/>
-                    </a:lnT>
-                    <a:lnB w="12700" cap="flat" cmpd="sng" algn="ctr">
-                      <a:solidFill>
-                        <a:schemeClr val="tx1"/>
-                      </a:solidFill>
-                      <a:prstDash val="dot"/>
-                      <a:round/>
-                      <a:headEnd type="none" w="med" len="med"/>
-                      <a:tailEnd type="none" w="med" len="med"/>
-                    </a:lnB>
-                    <a:noFill/>
-                  </a:tcPr>
-                </a:tc>
-                <a:extLst>
-                  <a:ext uri="{0D108BD9-81ED-4DB2-BD59-A6C34878D82A}">
-                    <a16:rowId xmlns:a16="http://schemas.microsoft.com/office/drawing/2014/main" val="3070892772"/>
-                  </a:ext>
-                </a:extLst>
-              </a:tr>
-              <a:tr h="370840">
-                <a:tc>
-                  <a:txBody>
-                    <a:bodyPr/>
-                    <a:lstStyle/>
-                    <a:p>
-                      <a:endParaRPr lang="en-GB" sz="1600"/>
-                    </a:p>
-                  </a:txBody>
-                  <a:tcPr>
-                    <a:lnR w="12700" cap="flat" cmpd="sng" algn="ctr">
-                      <a:solidFill>
-                        <a:schemeClr val="tx1"/>
-                      </a:solidFill>
-                      <a:prstDash val="dot"/>
-                      <a:round/>
-                      <a:headEnd type="none" w="med" len="med"/>
-                      <a:tailEnd type="none" w="med" len="med"/>
-                    </a:lnR>
-                    <a:lnT w="12700" cap="flat" cmpd="sng" algn="ctr">
-                      <a:solidFill>
-                        <a:schemeClr val="tx1"/>
-                      </a:solidFill>
-                      <a:prstDash val="dot"/>
-                      <a:round/>
-                      <a:headEnd type="none" w="med" len="med"/>
-                      <a:tailEnd type="none" w="med" len="med"/>
-                    </a:lnT>
-                    <a:lnB w="12700" cap="flat" cmpd="sng" algn="ctr">
-                      <a:solidFill>
-                        <a:schemeClr val="tx1"/>
-                      </a:solidFill>
-                      <a:prstDash val="dot"/>
-                      <a:round/>
-                      <a:headEnd type="none" w="med" len="med"/>
-                      <a:tailEnd type="none" w="med" len="med"/>
-                    </a:lnB>
-                    <a:noFill/>
-                  </a:tcPr>
-                </a:tc>
-                <a:tc>
-                  <a:txBody>
-                    <a:bodyPr/>
-                    <a:lstStyle/>
-                    <a:p>
-                      <a:endParaRPr lang="en-GB" sz="1600"/>
-                    </a:p>
-                  </a:txBody>
-                  <a:tcPr>
-                    <a:lnL w="12700" cap="flat" cmpd="sng" algn="ctr">
-                      <a:solidFill>
-                        <a:schemeClr val="tx1"/>
-                      </a:solidFill>
-                      <a:prstDash val="dot"/>
-                      <a:round/>
-                      <a:headEnd type="none" w="med" len="med"/>
-                      <a:tailEnd type="none" w="med" len="med"/>
-                    </a:lnL>
-                    <a:lnR w="12700" cap="flat" cmpd="sng" algn="ctr">
-                      <a:solidFill>
-                        <a:schemeClr val="tx1"/>
-                      </a:solidFill>
-                      <a:prstDash val="solid"/>
-                      <a:round/>
-                      <a:headEnd type="none" w="med" len="med"/>
-                      <a:tailEnd type="none" w="med" len="med"/>
-                    </a:lnR>
-                    <a:lnT w="12700" cap="flat" cmpd="sng" algn="ctr">
-                      <a:solidFill>
-                        <a:schemeClr val="tx1"/>
-                      </a:solidFill>
-                      <a:prstDash val="dot"/>
-                      <a:round/>
-                      <a:headEnd type="none" w="med" len="med"/>
-                      <a:tailEnd type="none" w="med" len="med"/>
-                    </a:lnT>
-                    <a:lnB w="12700" cap="flat" cmpd="sng" algn="ctr">
-                      <a:solidFill>
-                        <a:schemeClr val="tx1"/>
-                      </a:solidFill>
-                      <a:prstDash val="dot"/>
-                      <a:round/>
-                      <a:headEnd type="none" w="med" len="med"/>
-                      <a:tailEnd type="none" w="med" len="med"/>
-                    </a:lnB>
-                    <a:noFill/>
-                  </a:tcPr>
-                </a:tc>
-                <a:tc>
-                  <a:txBody>
-                    <a:bodyPr/>
-                    <a:lstStyle/>
-                    <a:p>
-                      <a:pPr algn="ctr"/>
-                      <a:endParaRPr lang="en-GB" sz="1600">
-                        <a:latin typeface="Courier New" panose="02070309020205020404" pitchFamily="49" charset="0"/>
-                        <a:cs typeface="Courier New" panose="02070309020205020404" pitchFamily="49" charset="0"/>
-                      </a:endParaRPr>
-                    </a:p>
-                  </a:txBody>
-                  <a:tcPr>
-                    <a:lnL w="12700" cap="flat" cmpd="sng" algn="ctr">
-                      <a:solidFill>
-                        <a:schemeClr val="tx1"/>
-                      </a:solidFill>
-                      <a:prstDash val="solid"/>
-                      <a:round/>
-                      <a:headEnd type="none" w="med" len="med"/>
-                      <a:tailEnd type="none" w="med" len="med"/>
-                    </a:lnL>
-                    <a:lnR w="12700" cap="flat" cmpd="sng" algn="ctr">
-                      <a:solidFill>
-                        <a:schemeClr val="tx1"/>
-                      </a:solidFill>
-                      <a:prstDash val="dot"/>
-                      <a:round/>
-                      <a:headEnd type="none" w="med" len="med"/>
-                      <a:tailEnd type="none" w="med" len="med"/>
-                    </a:lnR>
-                    <a:lnT w="12700" cap="flat" cmpd="sng" algn="ctr">
-                      <a:solidFill>
-                        <a:schemeClr val="tx1"/>
-                      </a:solidFill>
-                      <a:prstDash val="dot"/>
-                      <a:round/>
-                      <a:headEnd type="none" w="med" len="med"/>
-                      <a:tailEnd type="none" w="med" len="med"/>
-                    </a:lnT>
-                    <a:lnB w="12700" cap="flat" cmpd="sng" algn="ctr">
-                      <a:solidFill>
-                        <a:schemeClr val="tx1"/>
-                      </a:solidFill>
-                      <a:prstDash val="dot"/>
-                      <a:round/>
-                      <a:headEnd type="none" w="med" len="med"/>
-                      <a:tailEnd type="none" w="med" len="med"/>
-                    </a:lnB>
-                    <a:noFill/>
-                  </a:tcPr>
-                </a:tc>
-                <a:tc>
-                  <a:txBody>
-                    <a:bodyPr/>
-                    <a:lstStyle/>
-                    <a:p>
-                      <a:pPr algn="ctr"/>
-                      <a:endParaRPr lang="en-GB" sz="1600">
-                        <a:latin typeface="Courier New" panose="02070309020205020404" pitchFamily="49" charset="0"/>
-                        <a:cs typeface="Courier New" panose="02070309020205020404" pitchFamily="49" charset="0"/>
-                      </a:endParaRPr>
-                    </a:p>
-                  </a:txBody>
-                  <a:tcPr>
-                    <a:lnL w="12700" cap="flat" cmpd="sng" algn="ctr">
-                      <a:solidFill>
-                        <a:schemeClr val="tx1"/>
-                      </a:solidFill>
-                      <a:prstDash val="dot"/>
-                      <a:round/>
-                      <a:headEnd type="none" w="med" len="med"/>
-                      <a:tailEnd type="none" w="med" len="med"/>
-                    </a:lnL>
-                    <a:lnR w="12700" cap="flat" cmpd="sng" algn="ctr">
-                      <a:solidFill>
-                        <a:schemeClr val="tx1"/>
-                      </a:solidFill>
-                      <a:prstDash val="dot"/>
-                      <a:round/>
-                      <a:headEnd type="none" w="med" len="med"/>
-                      <a:tailEnd type="none" w="med" len="med"/>
-                    </a:lnR>
-                    <a:lnT w="12700" cap="flat" cmpd="sng" algn="ctr">
-                      <a:solidFill>
-                        <a:schemeClr val="tx1"/>
-                      </a:solidFill>
-                      <a:prstDash val="dot"/>
-                      <a:round/>
-                      <a:headEnd type="none" w="med" len="med"/>
-                      <a:tailEnd type="none" w="med" len="med"/>
-                    </a:lnT>
-                    <a:lnB w="12700" cap="flat" cmpd="sng" algn="ctr">
-                      <a:solidFill>
-                        <a:schemeClr val="tx1"/>
-                      </a:solidFill>
-                      <a:prstDash val="dot"/>
-                      <a:round/>
-                      <a:headEnd type="none" w="med" len="med"/>
-                      <a:tailEnd type="none" w="med" len="med"/>
-                    </a:lnB>
-                    <a:noFill/>
-                  </a:tcPr>
-                </a:tc>
-                <a:tc>
-                  <a:txBody>
-                    <a:bodyPr/>
-                    <a:lstStyle/>
-                    <a:p>
-                      <a:pPr algn="ctr"/>
-                      <a:endParaRPr lang="en-GB" sz="1600">
-                        <a:latin typeface="Courier New" panose="02070309020205020404" pitchFamily="49" charset="0"/>
-                        <a:cs typeface="Courier New" panose="02070309020205020404" pitchFamily="49" charset="0"/>
-                      </a:endParaRPr>
-                    </a:p>
-                  </a:txBody>
-                  <a:tcPr>
-                    <a:lnL w="12700" cap="flat" cmpd="sng" algn="ctr">
-                      <a:solidFill>
-                        <a:schemeClr val="tx1"/>
-                      </a:solidFill>
-                      <a:prstDash val="dot"/>
-                      <a:round/>
-                      <a:headEnd type="none" w="med" len="med"/>
-                      <a:tailEnd type="none" w="med" len="med"/>
-                    </a:lnL>
-                    <a:lnT w="12700" cap="flat" cmpd="sng" algn="ctr">
-                      <a:solidFill>
-                        <a:schemeClr val="tx1"/>
-                      </a:solidFill>
-                      <a:prstDash val="dot"/>
-                      <a:round/>
-                      <a:headEnd type="none" w="med" len="med"/>
-                      <a:tailEnd type="none" w="med" len="med"/>
-                    </a:lnT>
-                    <a:lnB w="12700" cap="flat" cmpd="sng" algn="ctr">
-                      <a:solidFill>
-                        <a:schemeClr val="tx1"/>
-                      </a:solidFill>
-                      <a:prstDash val="dot"/>
-                      <a:round/>
-                      <a:headEnd type="none" w="med" len="med"/>
-                      <a:tailEnd type="none" w="med" len="med"/>
-                    </a:lnB>
-                    <a:noFill/>
-                  </a:tcPr>
-                </a:tc>
-                <a:extLst>
-                  <a:ext uri="{0D108BD9-81ED-4DB2-BD59-A6C34878D82A}">
-                    <a16:rowId xmlns:a16="http://schemas.microsoft.com/office/drawing/2014/main" val="2374896927"/>
-                  </a:ext>
-                </a:extLst>
-              </a:tr>
-              <a:tr h="370840">
-                <a:tc>
-                  <a:txBody>
-                    <a:bodyPr/>
-                    <a:lstStyle/>
-                    <a:p>
-                      <a:endParaRPr lang="en-GB" sz="1600"/>
-                    </a:p>
-                  </a:txBody>
-                  <a:tcPr>
-                    <a:lnR w="12700" cap="flat" cmpd="sng" algn="ctr">
-                      <a:solidFill>
-                        <a:schemeClr val="tx1"/>
-                      </a:solidFill>
-                      <a:prstDash val="dot"/>
-                      <a:round/>
-                      <a:headEnd type="none" w="med" len="med"/>
-                      <a:tailEnd type="none" w="med" len="med"/>
-                    </a:lnR>
-                    <a:lnT w="12700" cap="flat" cmpd="sng" algn="ctr">
-                      <a:solidFill>
-                        <a:schemeClr val="tx1"/>
-                      </a:solidFill>
-                      <a:prstDash val="dot"/>
-                      <a:round/>
-                      <a:headEnd type="none" w="med" len="med"/>
-                      <a:tailEnd type="none" w="med" len="med"/>
-                    </a:lnT>
-                    <a:lnB w="12700" cap="flat" cmpd="sng" algn="ctr">
-                      <a:solidFill>
-                        <a:schemeClr val="tx1"/>
-                      </a:solidFill>
-                      <a:prstDash val="dot"/>
-                      <a:round/>
-                      <a:headEnd type="none" w="med" len="med"/>
-                      <a:tailEnd type="none" w="med" len="med"/>
-                    </a:lnB>
-                    <a:noFill/>
-                  </a:tcPr>
-                </a:tc>
-                <a:tc>
-                  <a:txBody>
-                    <a:bodyPr/>
-                    <a:lstStyle/>
-                    <a:p>
-                      <a:r>
-                        <a:rPr lang="en-GB" sz="1600"/>
-                        <a:t>&lt;65 </a:t>
-                      </a:r>
-                      <a:r>
-                        <a:rPr lang="en-GB" sz="1600" err="1"/>
-                        <a:t>yrs</a:t>
-                      </a:r>
-                      <a:endParaRPr lang="en-GB" sz="1600"/>
-                    </a:p>
-                  </a:txBody>
-                  <a:tcPr>
-                    <a:lnL w="12700" cap="flat" cmpd="sng" algn="ctr">
-                      <a:solidFill>
-                        <a:schemeClr val="tx1"/>
-                      </a:solidFill>
-                      <a:prstDash val="dot"/>
-                      <a:round/>
-                      <a:headEnd type="none" w="med" len="med"/>
-                      <a:tailEnd type="none" w="med" len="med"/>
-                    </a:lnL>
-                    <a:lnR w="12700" cap="flat" cmpd="sng" algn="ctr">
-                      <a:solidFill>
-                        <a:schemeClr val="tx1"/>
-                      </a:solidFill>
-                      <a:prstDash val="solid"/>
-                      <a:round/>
-                      <a:headEnd type="none" w="med" len="med"/>
-                      <a:tailEnd type="none" w="med" len="med"/>
-                    </a:lnR>
-                    <a:lnT w="12700" cap="flat" cmpd="sng" algn="ctr">
-                      <a:solidFill>
-                        <a:schemeClr val="tx1"/>
-                      </a:solidFill>
-                      <a:prstDash val="dot"/>
-                      <a:round/>
-                      <a:headEnd type="none" w="med" len="med"/>
-                      <a:tailEnd type="none" w="med" len="med"/>
-                    </a:lnT>
-                    <a:lnB w="12700" cap="flat" cmpd="sng" algn="ctr">
-                      <a:solidFill>
-                        <a:schemeClr val="tx1"/>
-                      </a:solidFill>
-                      <a:prstDash val="dot"/>
-                      <a:round/>
-                      <a:headEnd type="none" w="med" len="med"/>
-                      <a:tailEnd type="none" w="med" len="med"/>
-                    </a:lnB>
-                    <a:noFill/>
-                  </a:tcPr>
-                </a:tc>
-                <a:tc>
-                  <a:txBody>
-                    <a:bodyPr/>
-                    <a:lstStyle/>
-                    <a:p>
-                      <a:pPr algn="ctr"/>
-                      <a:r>
-                        <a:rPr lang="en-GB" sz="1600">
-                          <a:latin typeface="Courier New" panose="02070309020205020404" pitchFamily="49" charset="0"/>
-                          <a:cs typeface="Courier New" panose="02070309020205020404" pitchFamily="49" charset="0"/>
-                        </a:rPr>
-                        <a:t>XX (XX.X%)</a:t>
-                      </a:r>
-                    </a:p>
-                  </a:txBody>
-                  <a:tcPr>
-                    <a:lnL w="12700" cap="flat" cmpd="sng" algn="ctr">
-                      <a:solidFill>
-                        <a:schemeClr val="tx1"/>
-                      </a:solidFill>
-                      <a:prstDash val="solid"/>
-                      <a:round/>
-                      <a:headEnd type="none" w="med" len="med"/>
-                      <a:tailEnd type="none" w="med" len="med"/>
-                    </a:lnL>
-                    <a:lnR w="12700" cap="flat" cmpd="sng" algn="ctr">
-                      <a:solidFill>
-                        <a:schemeClr val="tx1"/>
-                      </a:solidFill>
-                      <a:prstDash val="dot"/>
-                      <a:round/>
-                      <a:headEnd type="none" w="med" len="med"/>
-                      <a:tailEnd type="none" w="med" len="med"/>
-                    </a:lnR>
-                    <a:lnT w="12700" cap="flat" cmpd="sng" algn="ctr">
-                      <a:solidFill>
-                        <a:schemeClr val="tx1"/>
-                      </a:solidFill>
-                      <a:prstDash val="dot"/>
-                      <a:round/>
-                      <a:headEnd type="none" w="med" len="med"/>
-                      <a:tailEnd type="none" w="med" len="med"/>
-                    </a:lnT>
-                    <a:lnB w="12700" cap="flat" cmpd="sng" algn="ctr">
-                      <a:solidFill>
-                        <a:schemeClr val="tx1"/>
-                      </a:solidFill>
-                      <a:prstDash val="dot"/>
-                      <a:round/>
-                      <a:headEnd type="none" w="med" len="med"/>
-                      <a:tailEnd type="none" w="med" len="med"/>
-                    </a:lnB>
-                    <a:noFill/>
-                  </a:tcPr>
-                </a:tc>
-                <a:tc>
-                  <a:txBody>
-                    <a:bodyPr/>
-                    <a:lstStyle/>
-                    <a:p>
-                      <a:pPr marL="0" marR="0" lvl="0" indent="0" algn="ctr" defTabSz="1219170" rtl="0" eaLnBrk="1" fontAlgn="auto" latinLnBrk="0" hangingPunct="1">
-                        <a:lnSpc>
-                          <a:spcPct val="100000"/>
-                        </a:lnSpc>
-                        <a:spcBef>
-                          <a:spcPts val="0"/>
-                        </a:spcBef>
-                        <a:spcAft>
-                          <a:spcPts val="0"/>
-                        </a:spcAft>
-                        <a:buClrTx/>
-                        <a:buSzTx/>
-                        <a:buFontTx/>
-                        <a:buNone/>
-                        <a:tabLst/>
-                        <a:defRPr/>
-                      </a:pPr>
-                      <a:r>
-                        <a:rPr lang="en-GB" sz="1600">
-                          <a:latin typeface="Courier New" panose="02070309020205020404" pitchFamily="49" charset="0"/>
-                          <a:cs typeface="Courier New" panose="02070309020205020404" pitchFamily="49" charset="0"/>
-                        </a:rPr>
-                        <a:t>XX (XX.X%)</a:t>
-                      </a:r>
-                    </a:p>
-                  </a:txBody>
-                  <a:tcPr>
-                    <a:lnL w="12700" cap="flat" cmpd="sng" algn="ctr">
-                      <a:solidFill>
-                        <a:schemeClr val="tx1"/>
-                      </a:solidFill>
-                      <a:prstDash val="dot"/>
-                      <a:round/>
-                      <a:headEnd type="none" w="med" len="med"/>
-                      <a:tailEnd type="none" w="med" len="med"/>
-                    </a:lnL>
-                    <a:lnR w="12700" cap="flat" cmpd="sng" algn="ctr">
-                      <a:solidFill>
-                        <a:schemeClr val="tx1"/>
-                      </a:solidFill>
-                      <a:prstDash val="dot"/>
-                      <a:round/>
-                      <a:headEnd type="none" w="med" len="med"/>
-                      <a:tailEnd type="none" w="med" len="med"/>
-                    </a:lnR>
-                    <a:lnT w="12700" cap="flat" cmpd="sng" algn="ctr">
-                      <a:solidFill>
-                        <a:schemeClr val="tx1"/>
-                      </a:solidFill>
-                      <a:prstDash val="dot"/>
-                      <a:round/>
-                      <a:headEnd type="none" w="med" len="med"/>
-                      <a:tailEnd type="none" w="med" len="med"/>
-                    </a:lnT>
-                    <a:lnB w="12700" cap="flat" cmpd="sng" algn="ctr">
-                      <a:solidFill>
-                        <a:schemeClr val="tx1"/>
-                      </a:solidFill>
-                      <a:prstDash val="dot"/>
-                      <a:round/>
-                      <a:headEnd type="none" w="med" len="med"/>
-                      <a:tailEnd type="none" w="med" len="med"/>
-                    </a:lnB>
-                    <a:noFill/>
-                  </a:tcPr>
-                </a:tc>
-                <a:tc>
-                  <a:txBody>
-                    <a:bodyPr/>
-                    <a:lstStyle/>
-                    <a:p>
-                      <a:pPr marL="0" marR="0" lvl="0" indent="0" algn="ctr" defTabSz="1219170" rtl="0" eaLnBrk="1" fontAlgn="auto" latinLnBrk="0" hangingPunct="1">
-                        <a:lnSpc>
-                          <a:spcPct val="100000"/>
-                        </a:lnSpc>
-                        <a:spcBef>
-                          <a:spcPts val="0"/>
-                        </a:spcBef>
-                        <a:spcAft>
-                          <a:spcPts val="0"/>
-                        </a:spcAft>
-                        <a:buClrTx/>
-                        <a:buSzTx/>
-                        <a:buFontTx/>
-                        <a:buNone/>
-                        <a:tabLst/>
-                        <a:defRPr/>
-                      </a:pPr>
-                      <a:r>
-                        <a:rPr lang="en-GB" sz="1600">
-                          <a:latin typeface="Courier New" panose="02070309020205020404" pitchFamily="49" charset="0"/>
-                          <a:cs typeface="Courier New" panose="02070309020205020404" pitchFamily="49" charset="0"/>
-                        </a:rPr>
-                        <a:t>XX (XX.X%)</a:t>
-                      </a:r>
-                    </a:p>
-                  </a:txBody>
-                  <a:tcPr>
-                    <a:lnL w="12700" cap="flat" cmpd="sng" algn="ctr">
-                      <a:solidFill>
-                        <a:schemeClr val="tx1"/>
-                      </a:solidFill>
-                      <a:prstDash val="dot"/>
-                      <a:round/>
-                      <a:headEnd type="none" w="med" len="med"/>
-                      <a:tailEnd type="none" w="med" len="med"/>
-                    </a:lnL>
-                    <a:lnT w="12700" cap="flat" cmpd="sng" algn="ctr">
-                      <a:solidFill>
-                        <a:schemeClr val="tx1"/>
-                      </a:solidFill>
-                      <a:prstDash val="dot"/>
-                      <a:round/>
-                      <a:headEnd type="none" w="med" len="med"/>
-                      <a:tailEnd type="none" w="med" len="med"/>
-                    </a:lnT>
-                    <a:lnB w="12700" cap="flat" cmpd="sng" algn="ctr">
-                      <a:solidFill>
-                        <a:schemeClr val="tx1"/>
-                      </a:solidFill>
-                      <a:prstDash val="dot"/>
-                      <a:round/>
-                      <a:headEnd type="none" w="med" len="med"/>
-                      <a:tailEnd type="none" w="med" len="med"/>
-                    </a:lnB>
-                    <a:noFill/>
-                  </a:tcPr>
-                </a:tc>
-                <a:extLst>
-                  <a:ext uri="{0D108BD9-81ED-4DB2-BD59-A6C34878D82A}">
-                    <a16:rowId xmlns:a16="http://schemas.microsoft.com/office/drawing/2014/main" val="3894387984"/>
-                  </a:ext>
-                </a:extLst>
-              </a:tr>
-              <a:tr h="370840">
-                <a:tc>
-                  <a:txBody>
-                    <a:bodyPr/>
-                    <a:lstStyle/>
-                    <a:p>
-                      <a:endParaRPr lang="en-GB" sz="1600"/>
-                    </a:p>
-                  </a:txBody>
-                  <a:tcPr>
-                    <a:lnR w="12700" cap="flat" cmpd="sng" algn="ctr">
-                      <a:solidFill>
-                        <a:schemeClr val="tx1"/>
-                      </a:solidFill>
-                      <a:prstDash val="dot"/>
-                      <a:round/>
-                      <a:headEnd type="none" w="med" len="med"/>
-                      <a:tailEnd type="none" w="med" len="med"/>
-                    </a:lnR>
-                    <a:lnT w="12700" cap="flat" cmpd="sng" algn="ctr">
-                      <a:solidFill>
-                        <a:schemeClr val="tx1"/>
-                      </a:solidFill>
-                      <a:prstDash val="dot"/>
-                      <a:round/>
-                      <a:headEnd type="none" w="med" len="med"/>
-                      <a:tailEnd type="none" w="med" len="med"/>
-                    </a:lnT>
-                    <a:lnB w="12700" cap="flat" cmpd="sng" algn="ctr">
-                      <a:solidFill>
-                        <a:schemeClr val="tx1"/>
-                      </a:solidFill>
-                      <a:prstDash val="dot"/>
-                      <a:round/>
-                      <a:headEnd type="none" w="med" len="med"/>
-                      <a:tailEnd type="none" w="med" len="med"/>
-                    </a:lnB>
-                    <a:noFill/>
-                  </a:tcPr>
-                </a:tc>
-                <a:tc>
-                  <a:txBody>
-                    <a:bodyPr/>
-                    <a:lstStyle/>
-                    <a:p>
-                      <a:r>
-                        <a:rPr lang="en-GB" sz="1600"/>
-                        <a:t>65-80 </a:t>
-                      </a:r>
-                      <a:r>
-                        <a:rPr lang="en-GB" sz="1600" err="1"/>
-                        <a:t>yrs</a:t>
-                      </a:r>
-                      <a:endParaRPr lang="en-GB" sz="1600"/>
-                    </a:p>
-                  </a:txBody>
-                  <a:tcPr>
-                    <a:lnL w="12700" cap="flat" cmpd="sng" algn="ctr">
-                      <a:solidFill>
-                        <a:schemeClr val="tx1"/>
-                      </a:solidFill>
-                      <a:prstDash val="dot"/>
-                      <a:round/>
-                      <a:headEnd type="none" w="med" len="med"/>
-                      <a:tailEnd type="none" w="med" len="med"/>
-                    </a:lnL>
-                    <a:lnR w="12700" cap="flat" cmpd="sng" algn="ctr">
-                      <a:solidFill>
-                        <a:schemeClr val="tx1"/>
-                      </a:solidFill>
-                      <a:prstDash val="solid"/>
-                      <a:round/>
-                      <a:headEnd type="none" w="med" len="med"/>
-                      <a:tailEnd type="none" w="med" len="med"/>
-                    </a:lnR>
-                    <a:lnT w="12700" cap="flat" cmpd="sng" algn="ctr">
-                      <a:solidFill>
-                        <a:schemeClr val="tx1"/>
-                      </a:solidFill>
-                      <a:prstDash val="dot"/>
-                      <a:round/>
-                      <a:headEnd type="none" w="med" len="med"/>
-                      <a:tailEnd type="none" w="med" len="med"/>
-                    </a:lnT>
-                    <a:lnB w="12700" cap="flat" cmpd="sng" algn="ctr">
-                      <a:solidFill>
-                        <a:schemeClr val="tx1"/>
-                      </a:solidFill>
-                      <a:prstDash val="dot"/>
-                      <a:round/>
-                      <a:headEnd type="none" w="med" len="med"/>
-                      <a:tailEnd type="none" w="med" len="med"/>
-                    </a:lnB>
-                    <a:noFill/>
-                  </a:tcPr>
-                </a:tc>
-                <a:tc>
-                  <a:txBody>
-                    <a:bodyPr/>
-                    <a:lstStyle/>
-                    <a:p>
-                      <a:pPr algn="ctr"/>
-                      <a:r>
-                        <a:rPr lang="en-GB" sz="1600">
-                          <a:latin typeface="Courier New" panose="02070309020205020404" pitchFamily="49" charset="0"/>
-                          <a:cs typeface="Courier New" panose="02070309020205020404" pitchFamily="49" charset="0"/>
-                        </a:rPr>
-                        <a:t>XX (XX.X%)</a:t>
-                      </a:r>
-                    </a:p>
-                  </a:txBody>
-                  <a:tcPr>
-                    <a:lnL w="12700" cap="flat" cmpd="sng" algn="ctr">
-                      <a:solidFill>
-                        <a:schemeClr val="tx1"/>
-                      </a:solidFill>
-                      <a:prstDash val="solid"/>
-                      <a:round/>
-                      <a:headEnd type="none" w="med" len="med"/>
-                      <a:tailEnd type="none" w="med" len="med"/>
-                    </a:lnL>
-                    <a:lnR w="12700" cap="flat" cmpd="sng" algn="ctr">
-                      <a:solidFill>
-                        <a:schemeClr val="tx1"/>
-                      </a:solidFill>
-                      <a:prstDash val="dot"/>
-                      <a:round/>
-                      <a:headEnd type="none" w="med" len="med"/>
-                      <a:tailEnd type="none" w="med" len="med"/>
-                    </a:lnR>
-                    <a:lnT w="12700" cap="flat" cmpd="sng" algn="ctr">
-                      <a:solidFill>
-                        <a:schemeClr val="tx1"/>
-                      </a:solidFill>
-                      <a:prstDash val="dot"/>
-                      <a:round/>
-                      <a:headEnd type="none" w="med" len="med"/>
-                      <a:tailEnd type="none" w="med" len="med"/>
-                    </a:lnT>
-                    <a:lnB w="12700" cap="flat" cmpd="sng" algn="ctr">
-                      <a:solidFill>
-                        <a:schemeClr val="tx1"/>
-                      </a:solidFill>
-                      <a:prstDash val="dot"/>
-                      <a:round/>
-                      <a:headEnd type="none" w="med" len="med"/>
-                      <a:tailEnd type="none" w="med" len="med"/>
-                    </a:lnB>
-                    <a:noFill/>
-                  </a:tcPr>
-                </a:tc>
-                <a:tc>
-                  <a:txBody>
-                    <a:bodyPr/>
-                    <a:lstStyle/>
-                    <a:p>
-                      <a:pPr marL="0" marR="0" lvl="0" indent="0" algn="ctr" defTabSz="1219170" rtl="0" eaLnBrk="1" fontAlgn="auto" latinLnBrk="0" hangingPunct="1">
-                        <a:lnSpc>
-                          <a:spcPct val="100000"/>
-                        </a:lnSpc>
-                        <a:spcBef>
-                          <a:spcPts val="0"/>
-                        </a:spcBef>
-                        <a:spcAft>
-                          <a:spcPts val="0"/>
-                        </a:spcAft>
-                        <a:buClrTx/>
-                        <a:buSzTx/>
-                        <a:buFontTx/>
-                        <a:buNone/>
-                        <a:tabLst/>
-                        <a:defRPr/>
-                      </a:pPr>
-                      <a:r>
-                        <a:rPr lang="en-GB" sz="1600">
-                          <a:latin typeface="Courier New" panose="02070309020205020404" pitchFamily="49" charset="0"/>
-                          <a:cs typeface="Courier New" panose="02070309020205020404" pitchFamily="49" charset="0"/>
-                        </a:rPr>
-                        <a:t>XX (XX.X%)</a:t>
-                      </a:r>
-                    </a:p>
-                  </a:txBody>
-                  <a:tcPr>
-                    <a:lnL w="12700" cap="flat" cmpd="sng" algn="ctr">
-                      <a:solidFill>
-                        <a:schemeClr val="tx1"/>
-                      </a:solidFill>
-                      <a:prstDash val="dot"/>
-                      <a:round/>
-                      <a:headEnd type="none" w="med" len="med"/>
-                      <a:tailEnd type="none" w="med" len="med"/>
-                    </a:lnL>
-                    <a:lnR w="12700" cap="flat" cmpd="sng" algn="ctr">
-                      <a:solidFill>
-                        <a:schemeClr val="tx1"/>
-                      </a:solidFill>
-                      <a:prstDash val="dot"/>
-                      <a:round/>
-                      <a:headEnd type="none" w="med" len="med"/>
-                      <a:tailEnd type="none" w="med" len="med"/>
-                    </a:lnR>
-                    <a:lnT w="12700" cap="flat" cmpd="sng" algn="ctr">
-                      <a:solidFill>
-                        <a:schemeClr val="tx1"/>
-                      </a:solidFill>
-                      <a:prstDash val="dot"/>
-                      <a:round/>
-                      <a:headEnd type="none" w="med" len="med"/>
-                      <a:tailEnd type="none" w="med" len="med"/>
-                    </a:lnT>
-                    <a:lnB w="12700" cap="flat" cmpd="sng" algn="ctr">
-                      <a:solidFill>
-                        <a:schemeClr val="tx1"/>
-                      </a:solidFill>
-                      <a:prstDash val="dot"/>
-                      <a:round/>
-                      <a:headEnd type="none" w="med" len="med"/>
-                      <a:tailEnd type="none" w="med" len="med"/>
-                    </a:lnB>
-                    <a:noFill/>
-                  </a:tcPr>
-                </a:tc>
-                <a:tc>
-                  <a:txBody>
-                    <a:bodyPr/>
-                    <a:lstStyle/>
-                    <a:p>
-                      <a:pPr marL="0" marR="0" lvl="0" indent="0" algn="ctr" defTabSz="1219170" rtl="0" eaLnBrk="1" fontAlgn="auto" latinLnBrk="0" hangingPunct="1">
-                        <a:lnSpc>
-                          <a:spcPct val="100000"/>
-                        </a:lnSpc>
-                        <a:spcBef>
-                          <a:spcPts val="0"/>
-                        </a:spcBef>
-                        <a:spcAft>
-                          <a:spcPts val="0"/>
-                        </a:spcAft>
-                        <a:buClrTx/>
-                        <a:buSzTx/>
-                        <a:buFontTx/>
-                        <a:buNone/>
-                        <a:tabLst/>
-                        <a:defRPr/>
-                      </a:pPr>
-                      <a:r>
-                        <a:rPr lang="en-GB" sz="1600">
-                          <a:latin typeface="Courier New" panose="02070309020205020404" pitchFamily="49" charset="0"/>
-                          <a:cs typeface="Courier New" panose="02070309020205020404" pitchFamily="49" charset="0"/>
-                        </a:rPr>
-                        <a:t>XX (XX.X%)</a:t>
-                      </a:r>
-                    </a:p>
-                  </a:txBody>
-                  <a:tcPr>
-                    <a:lnL w="12700" cap="flat" cmpd="sng" algn="ctr">
-                      <a:solidFill>
-                        <a:schemeClr val="tx1"/>
-                      </a:solidFill>
-                      <a:prstDash val="dot"/>
-                      <a:round/>
-                      <a:headEnd type="none" w="med" len="med"/>
-                      <a:tailEnd type="none" w="med" len="med"/>
-                    </a:lnL>
-                    <a:lnT w="12700" cap="flat" cmpd="sng" algn="ctr">
-                      <a:solidFill>
-                        <a:schemeClr val="tx1"/>
-                      </a:solidFill>
-                      <a:prstDash val="dot"/>
-                      <a:round/>
-                      <a:headEnd type="none" w="med" len="med"/>
-                      <a:tailEnd type="none" w="med" len="med"/>
-                    </a:lnT>
-                    <a:lnB w="12700" cap="flat" cmpd="sng" algn="ctr">
-                      <a:solidFill>
-                        <a:schemeClr val="tx1"/>
-                      </a:solidFill>
-                      <a:prstDash val="dot"/>
-                      <a:round/>
-                      <a:headEnd type="none" w="med" len="med"/>
-                      <a:tailEnd type="none" w="med" len="med"/>
-                    </a:lnB>
-                    <a:noFill/>
-                  </a:tcPr>
-                </a:tc>
-                <a:extLst>
-                  <a:ext uri="{0D108BD9-81ED-4DB2-BD59-A6C34878D82A}">
-                    <a16:rowId xmlns:a16="http://schemas.microsoft.com/office/drawing/2014/main" val="3471175716"/>
-                  </a:ext>
-                </a:extLst>
-              </a:tr>
-              <a:tr h="370840">
-                <a:tc>
-                  <a:txBody>
-                    <a:bodyPr/>
-                    <a:lstStyle/>
-                    <a:p>
-                      <a:endParaRPr lang="en-GB" sz="1600"/>
-                    </a:p>
-                  </a:txBody>
-                  <a:tcPr>
-                    <a:lnR w="12700" cap="flat" cmpd="sng" algn="ctr">
-                      <a:solidFill>
-                        <a:schemeClr val="tx1"/>
-                      </a:solidFill>
-                      <a:prstDash val="dot"/>
-                      <a:round/>
-                      <a:headEnd type="none" w="med" len="med"/>
-                      <a:tailEnd type="none" w="med" len="med"/>
-                    </a:lnR>
-                    <a:lnT w="12700" cap="flat" cmpd="sng" algn="ctr">
-                      <a:solidFill>
-                        <a:schemeClr val="tx1"/>
-                      </a:solidFill>
-                      <a:prstDash val="dot"/>
-                      <a:round/>
-                      <a:headEnd type="none" w="med" len="med"/>
-                      <a:tailEnd type="none" w="med" len="med"/>
-                    </a:lnT>
-                    <a:lnB w="12700" cap="flat" cmpd="sng" algn="ctr">
-                      <a:solidFill>
-                        <a:schemeClr val="tx1"/>
-                      </a:solidFill>
-                      <a:prstDash val="dot"/>
-                      <a:round/>
-                      <a:headEnd type="none" w="med" len="med"/>
-                      <a:tailEnd type="none" w="med" len="med"/>
-                    </a:lnB>
-                    <a:noFill/>
-                  </a:tcPr>
-                </a:tc>
-                <a:tc>
-                  <a:txBody>
-                    <a:bodyPr/>
-                    <a:lstStyle/>
-                    <a:p>
-                      <a:r>
-                        <a:rPr lang="en-GB" sz="1600"/>
-                        <a:t>&gt;80 </a:t>
-                      </a:r>
-                      <a:r>
-                        <a:rPr lang="en-GB" sz="1600" err="1"/>
-                        <a:t>yrs</a:t>
-                      </a:r>
-                      <a:endParaRPr lang="en-GB" sz="1600"/>
-                    </a:p>
-                  </a:txBody>
-                  <a:tcPr>
-                    <a:lnL w="12700" cap="flat" cmpd="sng" algn="ctr">
-                      <a:solidFill>
-                        <a:schemeClr val="tx1"/>
-                      </a:solidFill>
-                      <a:prstDash val="dot"/>
-                      <a:round/>
-                      <a:headEnd type="none" w="med" len="med"/>
-                      <a:tailEnd type="none" w="med" len="med"/>
-                    </a:lnL>
-                    <a:lnR w="12700" cap="flat" cmpd="sng" algn="ctr">
-                      <a:solidFill>
-                        <a:schemeClr val="tx1"/>
-                      </a:solidFill>
-                      <a:prstDash val="solid"/>
-                      <a:round/>
-                      <a:headEnd type="none" w="med" len="med"/>
-                      <a:tailEnd type="none" w="med" len="med"/>
-                    </a:lnR>
-                    <a:lnT w="12700" cap="flat" cmpd="sng" algn="ctr">
-                      <a:solidFill>
-                        <a:schemeClr val="tx1"/>
-                      </a:solidFill>
-                      <a:prstDash val="dot"/>
-                      <a:round/>
-                      <a:headEnd type="none" w="med" len="med"/>
-                      <a:tailEnd type="none" w="med" len="med"/>
-                    </a:lnT>
-                    <a:lnB w="12700" cap="flat" cmpd="sng" algn="ctr">
-                      <a:solidFill>
-                        <a:schemeClr val="tx1"/>
-                      </a:solidFill>
-                      <a:prstDash val="dot"/>
-                      <a:round/>
-                      <a:headEnd type="none" w="med" len="med"/>
-                      <a:tailEnd type="none" w="med" len="med"/>
-                    </a:lnB>
-                    <a:noFill/>
-                  </a:tcPr>
-                </a:tc>
-                <a:tc>
-                  <a:txBody>
-                    <a:bodyPr/>
-                    <a:lstStyle/>
-                    <a:p>
-                      <a:pPr algn="ctr"/>
-                      <a:r>
-                        <a:rPr lang="en-GB" sz="1600">
-                          <a:latin typeface="Courier New" panose="02070309020205020404" pitchFamily="49" charset="0"/>
-                          <a:cs typeface="Courier New" panose="02070309020205020404" pitchFamily="49" charset="0"/>
-                        </a:rPr>
-                        <a:t>XX (XX.X%)</a:t>
-                      </a:r>
-                    </a:p>
-                  </a:txBody>
-                  <a:tcPr>
-                    <a:lnL w="12700" cap="flat" cmpd="sng" algn="ctr">
-                      <a:solidFill>
-                        <a:schemeClr val="tx1"/>
-                      </a:solidFill>
-                      <a:prstDash val="solid"/>
-                      <a:round/>
-                      <a:headEnd type="none" w="med" len="med"/>
-                      <a:tailEnd type="none" w="med" len="med"/>
-                    </a:lnL>
-                    <a:lnR w="12700" cap="flat" cmpd="sng" algn="ctr">
-                      <a:solidFill>
-                        <a:schemeClr val="tx1"/>
-                      </a:solidFill>
-                      <a:prstDash val="dot"/>
-                      <a:round/>
-                      <a:headEnd type="none" w="med" len="med"/>
-                      <a:tailEnd type="none" w="med" len="med"/>
-                    </a:lnR>
-                    <a:lnT w="12700" cap="flat" cmpd="sng" algn="ctr">
-                      <a:solidFill>
-                        <a:schemeClr val="tx1"/>
-                      </a:solidFill>
-                      <a:prstDash val="dot"/>
-                      <a:round/>
-                      <a:headEnd type="none" w="med" len="med"/>
-                      <a:tailEnd type="none" w="med" len="med"/>
-                    </a:lnT>
-                    <a:lnB w="12700" cap="flat" cmpd="sng" algn="ctr">
-                      <a:solidFill>
-                        <a:schemeClr val="tx1"/>
-                      </a:solidFill>
-                      <a:prstDash val="dot"/>
-                      <a:round/>
-                      <a:headEnd type="none" w="med" len="med"/>
-                      <a:tailEnd type="none" w="med" len="med"/>
-                    </a:lnB>
-                    <a:noFill/>
-                  </a:tcPr>
-                </a:tc>
-                <a:tc>
-                  <a:txBody>
-                    <a:bodyPr/>
-                    <a:lstStyle/>
-                    <a:p>
-                      <a:pPr marL="0" marR="0" lvl="0" indent="0" algn="ctr" defTabSz="1219170" rtl="0" eaLnBrk="1" fontAlgn="auto" latinLnBrk="0" hangingPunct="1">
-                        <a:lnSpc>
-                          <a:spcPct val="100000"/>
-                        </a:lnSpc>
-                        <a:spcBef>
-                          <a:spcPts val="0"/>
-                        </a:spcBef>
-                        <a:spcAft>
-                          <a:spcPts val="0"/>
-                        </a:spcAft>
-                        <a:buClrTx/>
-                        <a:buSzTx/>
-                        <a:buFontTx/>
-                        <a:buNone/>
-                        <a:tabLst/>
-                        <a:defRPr/>
-                      </a:pPr>
-                      <a:r>
-                        <a:rPr lang="en-GB" sz="1600">
-                          <a:latin typeface="Courier New" panose="02070309020205020404" pitchFamily="49" charset="0"/>
-                          <a:cs typeface="Courier New" panose="02070309020205020404" pitchFamily="49" charset="0"/>
-                        </a:rPr>
-                        <a:t>XX (XX.X%)</a:t>
-                      </a:r>
-                    </a:p>
-                  </a:txBody>
-                  <a:tcPr>
-                    <a:lnL w="12700" cap="flat" cmpd="sng" algn="ctr">
-                      <a:solidFill>
-                        <a:schemeClr val="tx1"/>
-                      </a:solidFill>
-                      <a:prstDash val="dot"/>
-                      <a:round/>
-                      <a:headEnd type="none" w="med" len="med"/>
-                      <a:tailEnd type="none" w="med" len="med"/>
-                    </a:lnL>
-                    <a:lnR w="12700" cap="flat" cmpd="sng" algn="ctr">
-                      <a:solidFill>
-                        <a:schemeClr val="tx1"/>
-                      </a:solidFill>
-                      <a:prstDash val="dot"/>
-                      <a:round/>
-                      <a:headEnd type="none" w="med" len="med"/>
-                      <a:tailEnd type="none" w="med" len="med"/>
-                    </a:lnR>
-                    <a:lnT w="12700" cap="flat" cmpd="sng" algn="ctr">
-                      <a:solidFill>
-                        <a:schemeClr val="tx1"/>
-                      </a:solidFill>
-                      <a:prstDash val="dot"/>
-                      <a:round/>
-                      <a:headEnd type="none" w="med" len="med"/>
-                      <a:tailEnd type="none" w="med" len="med"/>
-                    </a:lnT>
-                    <a:lnB w="12700" cap="flat" cmpd="sng" algn="ctr">
-                      <a:solidFill>
-                        <a:schemeClr val="tx1"/>
-                      </a:solidFill>
-                      <a:prstDash val="dot"/>
-                      <a:round/>
-                      <a:headEnd type="none" w="med" len="med"/>
-                      <a:tailEnd type="none" w="med" len="med"/>
-                    </a:lnB>
-                    <a:noFill/>
-                  </a:tcPr>
-                </a:tc>
-                <a:tc>
-                  <a:txBody>
-                    <a:bodyPr/>
-                    <a:lstStyle/>
-                    <a:p>
-                      <a:pPr marL="0" marR="0" lvl="0" indent="0" algn="ctr" defTabSz="1219170" rtl="0" eaLnBrk="1" fontAlgn="auto" latinLnBrk="0" hangingPunct="1">
-                        <a:lnSpc>
-                          <a:spcPct val="100000"/>
-                        </a:lnSpc>
-                        <a:spcBef>
-                          <a:spcPts val="0"/>
-                        </a:spcBef>
-                        <a:spcAft>
-                          <a:spcPts val="0"/>
-                        </a:spcAft>
-                        <a:buClrTx/>
-                        <a:buSzTx/>
-                        <a:buFontTx/>
-                        <a:buNone/>
-                        <a:tabLst/>
-                        <a:defRPr/>
-                      </a:pPr>
-                      <a:r>
-                        <a:rPr lang="en-GB" sz="1600">
-                          <a:latin typeface="Courier New" panose="02070309020205020404" pitchFamily="49" charset="0"/>
-                          <a:cs typeface="Courier New" panose="02070309020205020404" pitchFamily="49" charset="0"/>
-                        </a:rPr>
-                        <a:t>XX (XX.X%)</a:t>
-                      </a:r>
-                    </a:p>
-                  </a:txBody>
-                  <a:tcPr>
-                    <a:lnL w="12700" cap="flat" cmpd="sng" algn="ctr">
-                      <a:solidFill>
-                        <a:schemeClr val="tx1"/>
-                      </a:solidFill>
-                      <a:prstDash val="dot"/>
-                      <a:round/>
-                      <a:headEnd type="none" w="med" len="med"/>
-                      <a:tailEnd type="none" w="med" len="med"/>
-                    </a:lnL>
-                    <a:lnT w="12700" cap="flat" cmpd="sng" algn="ctr">
-                      <a:solidFill>
-                        <a:schemeClr val="tx1"/>
-                      </a:solidFill>
-                      <a:prstDash val="dot"/>
-                      <a:round/>
-                      <a:headEnd type="none" w="med" len="med"/>
-                      <a:tailEnd type="none" w="med" len="med"/>
-                    </a:lnT>
-                    <a:lnB w="12700" cap="flat" cmpd="sng" algn="ctr">
-                      <a:solidFill>
-                        <a:schemeClr val="tx1"/>
-                      </a:solidFill>
-                      <a:prstDash val="dot"/>
-                      <a:round/>
-                      <a:headEnd type="none" w="med" len="med"/>
-                      <a:tailEnd type="none" w="med" len="med"/>
-                    </a:lnB>
-                    <a:noFill/>
-                  </a:tcPr>
-                </a:tc>
-                <a:extLst>
-                  <a:ext uri="{0D108BD9-81ED-4DB2-BD59-A6C34878D82A}">
-                    <a16:rowId xmlns:a16="http://schemas.microsoft.com/office/drawing/2014/main" val="2791272013"/>
-                  </a:ext>
-                </a:extLst>
-              </a:tr>
-              <a:tr h="370840">
-                <a:tc>
-                  <a:txBody>
-                    <a:bodyPr/>
-                    <a:lstStyle/>
-                    <a:p>
-                      <a:endParaRPr lang="en-GB" sz="1600"/>
-                    </a:p>
-                  </a:txBody>
-                  <a:tcPr>
-                    <a:lnR w="12700" cap="flat" cmpd="sng" algn="ctr">
-                      <a:solidFill>
-                        <a:schemeClr val="tx1"/>
-                      </a:solidFill>
-                      <a:prstDash val="dot"/>
-                      <a:round/>
-                      <a:headEnd type="none" w="med" len="med"/>
-                      <a:tailEnd type="none" w="med" len="med"/>
-                    </a:lnR>
-                    <a:lnT w="12700" cap="flat" cmpd="sng" algn="ctr">
-                      <a:solidFill>
-                        <a:schemeClr val="tx1"/>
-                      </a:solidFill>
-                      <a:prstDash val="dot"/>
-                      <a:round/>
-                      <a:headEnd type="none" w="med" len="med"/>
-                      <a:tailEnd type="none" w="med" len="med"/>
-                    </a:lnT>
-                    <a:lnB w="12700" cap="flat" cmpd="sng" algn="ctr">
-                      <a:solidFill>
-                        <a:schemeClr val="tx1"/>
-                      </a:solidFill>
-                      <a:prstDash val="dot"/>
-                      <a:round/>
-                      <a:headEnd type="none" w="med" len="med"/>
-                      <a:tailEnd type="none" w="med" len="med"/>
-                    </a:lnB>
-                    <a:noFill/>
-                  </a:tcPr>
-                </a:tc>
-                <a:tc>
-                  <a:txBody>
-                    <a:bodyPr/>
-                    <a:lstStyle/>
-                    <a:p>
-                      <a:endParaRPr lang="en-GB" sz="1600"/>
-                    </a:p>
-                  </a:txBody>
-                  <a:tcPr>
-                    <a:lnL w="12700" cap="flat" cmpd="sng" algn="ctr">
-                      <a:solidFill>
-                        <a:schemeClr val="tx1"/>
-                      </a:solidFill>
-                      <a:prstDash val="dot"/>
-                      <a:round/>
-                      <a:headEnd type="none" w="med" len="med"/>
-                      <a:tailEnd type="none" w="med" len="med"/>
-                    </a:lnL>
-                    <a:lnR w="12700" cap="flat" cmpd="sng" algn="ctr">
-                      <a:solidFill>
-                        <a:schemeClr val="tx1"/>
-                      </a:solidFill>
-                      <a:prstDash val="solid"/>
-                      <a:round/>
-                      <a:headEnd type="none" w="med" len="med"/>
-                      <a:tailEnd type="none" w="med" len="med"/>
-                    </a:lnR>
-                    <a:lnT w="12700" cap="flat" cmpd="sng" algn="ctr">
-                      <a:solidFill>
-                        <a:schemeClr val="tx1"/>
-                      </a:solidFill>
-                      <a:prstDash val="dot"/>
-                      <a:round/>
-                      <a:headEnd type="none" w="med" len="med"/>
-                      <a:tailEnd type="none" w="med" len="med"/>
-                    </a:lnT>
-                    <a:lnB w="12700" cap="flat" cmpd="sng" algn="ctr">
-                      <a:solidFill>
-                        <a:schemeClr val="tx1"/>
-                      </a:solidFill>
-                      <a:prstDash val="dot"/>
-                      <a:round/>
-                      <a:headEnd type="none" w="med" len="med"/>
-                      <a:tailEnd type="none" w="med" len="med"/>
-                    </a:lnB>
-                    <a:noFill/>
-                  </a:tcPr>
-                </a:tc>
-                <a:tc>
-                  <a:txBody>
-                    <a:bodyPr/>
-                    <a:lstStyle/>
-                    <a:p>
-                      <a:pPr algn="ctr"/>
-                      <a:endParaRPr lang="en-GB" sz="1600">
-                        <a:latin typeface="Courier New" panose="02070309020205020404" pitchFamily="49" charset="0"/>
-                        <a:cs typeface="Courier New" panose="02070309020205020404" pitchFamily="49" charset="0"/>
-                      </a:endParaRPr>
-                    </a:p>
-                  </a:txBody>
-                  <a:tcPr>
-                    <a:lnL w="12700" cap="flat" cmpd="sng" algn="ctr">
-                      <a:solidFill>
-                        <a:schemeClr val="tx1"/>
-                      </a:solidFill>
-                      <a:prstDash val="solid"/>
-                      <a:round/>
-                      <a:headEnd type="none" w="med" len="med"/>
-                      <a:tailEnd type="none" w="med" len="med"/>
-                    </a:lnL>
-                    <a:lnR w="12700" cap="flat" cmpd="sng" algn="ctr">
-                      <a:solidFill>
-                        <a:schemeClr val="tx1"/>
-                      </a:solidFill>
-                      <a:prstDash val="dot"/>
-                      <a:round/>
-                      <a:headEnd type="none" w="med" len="med"/>
-                      <a:tailEnd type="none" w="med" len="med"/>
-                    </a:lnR>
-                    <a:lnT w="12700" cap="flat" cmpd="sng" algn="ctr">
-                      <a:solidFill>
-                        <a:schemeClr val="tx1"/>
-                      </a:solidFill>
-                      <a:prstDash val="dot"/>
-                      <a:round/>
-                      <a:headEnd type="none" w="med" len="med"/>
-                      <a:tailEnd type="none" w="med" len="med"/>
-                    </a:lnT>
-                    <a:lnB w="12700" cap="flat" cmpd="sng" algn="ctr">
-                      <a:solidFill>
-                        <a:schemeClr val="tx1"/>
-                      </a:solidFill>
-                      <a:prstDash val="dot"/>
-                      <a:round/>
-                      <a:headEnd type="none" w="med" len="med"/>
-                      <a:tailEnd type="none" w="med" len="med"/>
-                    </a:lnB>
-                    <a:noFill/>
-                  </a:tcPr>
-                </a:tc>
-                <a:tc>
-                  <a:txBody>
-                    <a:bodyPr/>
-                    <a:lstStyle/>
-                    <a:p>
-                      <a:pPr algn="ctr"/>
-                      <a:endParaRPr lang="en-GB" sz="1600">
-                        <a:latin typeface="Courier New" panose="02070309020205020404" pitchFamily="49" charset="0"/>
-                        <a:cs typeface="Courier New" panose="02070309020205020404" pitchFamily="49" charset="0"/>
-                      </a:endParaRPr>
-                    </a:p>
-                  </a:txBody>
-                  <a:tcPr>
-                    <a:lnL w="12700" cap="flat" cmpd="sng" algn="ctr">
-                      <a:solidFill>
-                        <a:schemeClr val="tx1"/>
-                      </a:solidFill>
-                      <a:prstDash val="dot"/>
-                      <a:round/>
-                      <a:headEnd type="none" w="med" len="med"/>
-                      <a:tailEnd type="none" w="med" len="med"/>
-                    </a:lnL>
-                    <a:lnR w="12700" cap="flat" cmpd="sng" algn="ctr">
-                      <a:solidFill>
-                        <a:schemeClr val="tx1"/>
-                      </a:solidFill>
-                      <a:prstDash val="dot"/>
-                      <a:round/>
-                      <a:headEnd type="none" w="med" len="med"/>
-                      <a:tailEnd type="none" w="med" len="med"/>
-                    </a:lnR>
-                    <a:lnT w="12700" cap="flat" cmpd="sng" algn="ctr">
-                      <a:solidFill>
-                        <a:schemeClr val="tx1"/>
-                      </a:solidFill>
-                      <a:prstDash val="dot"/>
-                      <a:round/>
-                      <a:headEnd type="none" w="med" len="med"/>
-                      <a:tailEnd type="none" w="med" len="med"/>
-                    </a:lnT>
-                    <a:lnB w="12700" cap="flat" cmpd="sng" algn="ctr">
-                      <a:solidFill>
-                        <a:schemeClr val="tx1"/>
-                      </a:solidFill>
-                      <a:prstDash val="dot"/>
-                      <a:round/>
-                      <a:headEnd type="none" w="med" len="med"/>
-                      <a:tailEnd type="none" w="med" len="med"/>
-                    </a:lnB>
-                    <a:noFill/>
-                  </a:tcPr>
-                </a:tc>
-                <a:tc>
-                  <a:txBody>
-                    <a:bodyPr/>
-                    <a:lstStyle/>
-                    <a:p>
-                      <a:pPr algn="ctr"/>
-                      <a:endParaRPr lang="en-GB" sz="1600">
-                        <a:latin typeface="Courier New" panose="02070309020205020404" pitchFamily="49" charset="0"/>
-                        <a:cs typeface="Courier New" panose="02070309020205020404" pitchFamily="49" charset="0"/>
-                      </a:endParaRPr>
-                    </a:p>
-                  </a:txBody>
-                  <a:tcPr>
-                    <a:lnL w="12700" cap="flat" cmpd="sng" algn="ctr">
-                      <a:solidFill>
-                        <a:schemeClr val="tx1"/>
-                      </a:solidFill>
-                      <a:prstDash val="dot"/>
-                      <a:round/>
-                      <a:headEnd type="none" w="med" len="med"/>
-                      <a:tailEnd type="none" w="med" len="med"/>
-                    </a:lnL>
-                    <a:lnT w="12700" cap="flat" cmpd="sng" algn="ctr">
-                      <a:solidFill>
-                        <a:schemeClr val="tx1"/>
-                      </a:solidFill>
-                      <a:prstDash val="dot"/>
-                      <a:round/>
-                      <a:headEnd type="none" w="med" len="med"/>
-                      <a:tailEnd type="none" w="med" len="med"/>
-                    </a:lnT>
-                    <a:lnB w="12700" cap="flat" cmpd="sng" algn="ctr">
-                      <a:solidFill>
-                        <a:schemeClr val="tx1"/>
-                      </a:solidFill>
-                      <a:prstDash val="dot"/>
-                      <a:round/>
-                      <a:headEnd type="none" w="med" len="med"/>
-                      <a:tailEnd type="none" w="med" len="med"/>
-                    </a:lnB>
-                    <a:noFill/>
-                  </a:tcPr>
-                </a:tc>
-                <a:extLst>
-                  <a:ext uri="{0D108BD9-81ED-4DB2-BD59-A6C34878D82A}">
-                    <a16:rowId xmlns:a16="http://schemas.microsoft.com/office/drawing/2014/main" val="216014934"/>
-                  </a:ext>
-                </a:extLst>
-              </a:tr>
-              <a:tr h="370840">
-                <a:tc>
-                  <a:txBody>
-                    <a:bodyPr/>
-                    <a:lstStyle/>
-                    <a:p>
-                      <a:r>
-                        <a:rPr lang="en-GB" sz="1600"/>
-                        <a:t>Sex</a:t>
-                      </a:r>
-                    </a:p>
-                  </a:txBody>
-                  <a:tcPr>
-                    <a:lnR w="12700" cap="flat" cmpd="sng" algn="ctr">
-                      <a:solidFill>
-                        <a:schemeClr val="tx1"/>
-                      </a:solidFill>
-                      <a:prstDash val="dot"/>
-                      <a:round/>
-                      <a:headEnd type="none" w="med" len="med"/>
-                      <a:tailEnd type="none" w="med" len="med"/>
-                    </a:lnR>
-                    <a:lnT w="12700" cap="flat" cmpd="sng" algn="ctr">
-                      <a:solidFill>
-                        <a:schemeClr val="tx1"/>
-                      </a:solidFill>
-                      <a:prstDash val="dot"/>
-                      <a:round/>
-                      <a:headEnd type="none" w="med" len="med"/>
-                      <a:tailEnd type="none" w="med" len="med"/>
-                    </a:lnT>
-                    <a:lnB w="12700" cap="flat" cmpd="sng" algn="ctr">
-                      <a:solidFill>
-                        <a:schemeClr val="tx1"/>
-                      </a:solidFill>
-                      <a:prstDash val="dot"/>
-                      <a:round/>
-                      <a:headEnd type="none" w="med" len="med"/>
-                      <a:tailEnd type="none" w="med" len="med"/>
-                    </a:lnB>
-                    <a:noFill/>
-                  </a:tcPr>
-                </a:tc>
-                <a:tc>
-                  <a:txBody>
-                    <a:bodyPr/>
-                    <a:lstStyle/>
-                    <a:p>
-                      <a:r>
-                        <a:rPr lang="en-GB" sz="1600"/>
-                        <a:t>n</a:t>
-                      </a:r>
-                    </a:p>
-                  </a:txBody>
-                  <a:tcPr>
-                    <a:lnL w="12700" cap="flat" cmpd="sng" algn="ctr">
-                      <a:solidFill>
-                        <a:schemeClr val="tx1"/>
-                      </a:solidFill>
-                      <a:prstDash val="dot"/>
-                      <a:round/>
-                      <a:headEnd type="none" w="med" len="med"/>
-                      <a:tailEnd type="none" w="med" len="med"/>
-                    </a:lnL>
-                    <a:lnR w="12700" cap="flat" cmpd="sng" algn="ctr">
-                      <a:solidFill>
-                        <a:schemeClr val="tx1"/>
-                      </a:solidFill>
-                      <a:prstDash val="solid"/>
-                      <a:round/>
-                      <a:headEnd type="none" w="med" len="med"/>
-                      <a:tailEnd type="none" w="med" len="med"/>
-                    </a:lnR>
-                    <a:lnT w="12700" cap="flat" cmpd="sng" algn="ctr">
-                      <a:solidFill>
-                        <a:schemeClr val="tx1"/>
-                      </a:solidFill>
-                      <a:prstDash val="dot"/>
-                      <a:round/>
-                      <a:headEnd type="none" w="med" len="med"/>
-                      <a:tailEnd type="none" w="med" len="med"/>
-                    </a:lnT>
-                    <a:lnB w="12700" cap="flat" cmpd="sng" algn="ctr">
-                      <a:solidFill>
-                        <a:schemeClr val="tx1"/>
-                      </a:solidFill>
-                      <a:prstDash val="dot"/>
-                      <a:round/>
-                      <a:headEnd type="none" w="med" len="med"/>
-                      <a:tailEnd type="none" w="med" len="med"/>
-                    </a:lnB>
-                    <a:noFill/>
-                  </a:tcPr>
-                </a:tc>
-                <a:tc>
-                  <a:txBody>
-                    <a:bodyPr/>
-                    <a:lstStyle/>
-                    <a:p>
-                      <a:pPr algn="ctr"/>
-                      <a:r>
-                        <a:rPr lang="en-GB" sz="1600">
-                          <a:latin typeface="Courier New" panose="02070309020205020404" pitchFamily="49" charset="0"/>
-                          <a:cs typeface="Courier New" panose="02070309020205020404" pitchFamily="49" charset="0"/>
-                        </a:rPr>
-                        <a:t>XX</a:t>
-                      </a:r>
-                    </a:p>
-                  </a:txBody>
-                  <a:tcPr>
-                    <a:lnL w="12700" cap="flat" cmpd="sng" algn="ctr">
-                      <a:solidFill>
-                        <a:schemeClr val="tx1"/>
-                      </a:solidFill>
-                      <a:prstDash val="solid"/>
-                      <a:round/>
-                      <a:headEnd type="none" w="med" len="med"/>
-                      <a:tailEnd type="none" w="med" len="med"/>
-                    </a:lnL>
-                    <a:lnR w="12700" cap="flat" cmpd="sng" algn="ctr">
-                      <a:solidFill>
-                        <a:schemeClr val="tx1"/>
-                      </a:solidFill>
-                      <a:prstDash val="dot"/>
-                      <a:round/>
-                      <a:headEnd type="none" w="med" len="med"/>
-                      <a:tailEnd type="none" w="med" len="med"/>
-                    </a:lnR>
-                    <a:lnT w="12700" cap="flat" cmpd="sng" algn="ctr">
-                      <a:solidFill>
-                        <a:schemeClr val="tx1"/>
-                      </a:solidFill>
-                      <a:prstDash val="dot"/>
-                      <a:round/>
-                      <a:headEnd type="none" w="med" len="med"/>
-                      <a:tailEnd type="none" w="med" len="med"/>
-                    </a:lnT>
-                    <a:lnB w="12700" cap="flat" cmpd="sng" algn="ctr">
-                      <a:solidFill>
-                        <a:schemeClr val="tx1"/>
-                      </a:solidFill>
-                      <a:prstDash val="dot"/>
-                      <a:round/>
-                      <a:headEnd type="none" w="med" len="med"/>
-                      <a:tailEnd type="none" w="med" len="med"/>
-                    </a:lnB>
-                    <a:noFill/>
-                  </a:tcPr>
-                </a:tc>
-                <a:tc>
-                  <a:txBody>
-                    <a:bodyPr/>
-                    <a:lstStyle/>
-                    <a:p>
-                      <a:pPr algn="ctr"/>
-                      <a:r>
-                        <a:rPr lang="en-GB" sz="1600">
-                          <a:latin typeface="Courier New" panose="02070309020205020404" pitchFamily="49" charset="0"/>
-                          <a:cs typeface="Courier New" panose="02070309020205020404" pitchFamily="49" charset="0"/>
-                        </a:rPr>
-                        <a:t>XX</a:t>
-                      </a:r>
-                    </a:p>
-                  </a:txBody>
-                  <a:tcPr>
-                    <a:lnL w="12700" cap="flat" cmpd="sng" algn="ctr">
-                      <a:solidFill>
-                        <a:schemeClr val="tx1"/>
-                      </a:solidFill>
-                      <a:prstDash val="dot"/>
-                      <a:round/>
-                      <a:headEnd type="none" w="med" len="med"/>
-                      <a:tailEnd type="none" w="med" len="med"/>
-                    </a:lnL>
-                    <a:lnR w="12700" cap="flat" cmpd="sng" algn="ctr">
-                      <a:solidFill>
-                        <a:schemeClr val="tx1"/>
-                      </a:solidFill>
-                      <a:prstDash val="dot"/>
-                      <a:round/>
-                      <a:headEnd type="none" w="med" len="med"/>
-                      <a:tailEnd type="none" w="med" len="med"/>
-                    </a:lnR>
-                    <a:lnT w="12700" cap="flat" cmpd="sng" algn="ctr">
-                      <a:solidFill>
-                        <a:schemeClr val="tx1"/>
-                      </a:solidFill>
-                      <a:prstDash val="dot"/>
-                      <a:round/>
-                      <a:headEnd type="none" w="med" len="med"/>
-                      <a:tailEnd type="none" w="med" len="med"/>
-                    </a:lnT>
-                    <a:lnB w="12700" cap="flat" cmpd="sng" algn="ctr">
-                      <a:solidFill>
-                        <a:schemeClr val="tx1"/>
-                      </a:solidFill>
-                      <a:prstDash val="dot"/>
-                      <a:round/>
-                      <a:headEnd type="none" w="med" len="med"/>
-                      <a:tailEnd type="none" w="med" len="med"/>
-                    </a:lnB>
-                    <a:noFill/>
-                  </a:tcPr>
-                </a:tc>
-                <a:tc>
-                  <a:txBody>
-                    <a:bodyPr/>
-                    <a:lstStyle/>
-                    <a:p>
-                      <a:pPr algn="ctr"/>
-                      <a:r>
-                        <a:rPr lang="en-GB" sz="1600">
-                          <a:latin typeface="Courier New" panose="02070309020205020404" pitchFamily="49" charset="0"/>
-                          <a:cs typeface="Courier New" panose="02070309020205020404" pitchFamily="49" charset="0"/>
-                        </a:rPr>
-                        <a:t>XX</a:t>
-                      </a:r>
-                    </a:p>
-                  </a:txBody>
-                  <a:tcPr>
-                    <a:lnL w="12700" cap="flat" cmpd="sng" algn="ctr">
-                      <a:solidFill>
-                        <a:schemeClr val="tx1"/>
-                      </a:solidFill>
-                      <a:prstDash val="dot"/>
-                      <a:round/>
-                      <a:headEnd type="none" w="med" len="med"/>
-                      <a:tailEnd type="none" w="med" len="med"/>
-                    </a:lnL>
-                    <a:lnT w="12700" cap="flat" cmpd="sng" algn="ctr">
-                      <a:solidFill>
-                        <a:schemeClr val="tx1"/>
-                      </a:solidFill>
-                      <a:prstDash val="dot"/>
-                      <a:round/>
-                      <a:headEnd type="none" w="med" len="med"/>
-                      <a:tailEnd type="none" w="med" len="med"/>
-                    </a:lnT>
-                    <a:lnB w="12700" cap="flat" cmpd="sng" algn="ctr">
-                      <a:solidFill>
-                        <a:schemeClr val="tx1"/>
-                      </a:solidFill>
-                      <a:prstDash val="dot"/>
-                      <a:round/>
-                      <a:headEnd type="none" w="med" len="med"/>
-                      <a:tailEnd type="none" w="med" len="med"/>
-                    </a:lnB>
-                    <a:noFill/>
-                  </a:tcPr>
-                </a:tc>
-                <a:extLst>
-                  <a:ext uri="{0D108BD9-81ED-4DB2-BD59-A6C34878D82A}">
-                    <a16:rowId xmlns:a16="http://schemas.microsoft.com/office/drawing/2014/main" val="1639783572"/>
-                  </a:ext>
-                </a:extLst>
-              </a:tr>
-              <a:tr h="370840">
-                <a:tc>
-                  <a:txBody>
-                    <a:bodyPr/>
-                    <a:lstStyle/>
-                    <a:p>
-                      <a:endParaRPr lang="en-GB" sz="1600"/>
-                    </a:p>
-                  </a:txBody>
-                  <a:tcPr>
-                    <a:lnR w="12700" cap="flat" cmpd="sng" algn="ctr">
-                      <a:solidFill>
-                        <a:schemeClr val="tx1"/>
-                      </a:solidFill>
-                      <a:prstDash val="dot"/>
-                      <a:round/>
-                      <a:headEnd type="none" w="med" len="med"/>
-                      <a:tailEnd type="none" w="med" len="med"/>
-                    </a:lnR>
-                    <a:lnT w="12700" cap="flat" cmpd="sng" algn="ctr">
-                      <a:solidFill>
-                        <a:schemeClr val="tx1"/>
-                      </a:solidFill>
-                      <a:prstDash val="dot"/>
-                      <a:round/>
-                      <a:headEnd type="none" w="med" len="med"/>
-                      <a:tailEnd type="none" w="med" len="med"/>
-                    </a:lnT>
-                    <a:lnB w="12700" cap="flat" cmpd="sng" algn="ctr">
-                      <a:solidFill>
-                        <a:schemeClr val="tx1"/>
-                      </a:solidFill>
-                      <a:prstDash val="dot"/>
-                      <a:round/>
-                      <a:headEnd type="none" w="med" len="med"/>
-                      <a:tailEnd type="none" w="med" len="med"/>
-                    </a:lnB>
-                    <a:noFill/>
-                  </a:tcPr>
-                </a:tc>
-                <a:tc>
-                  <a:txBody>
-                    <a:bodyPr/>
-                    <a:lstStyle/>
-                    <a:p>
-                      <a:r>
-                        <a:rPr lang="en-GB" sz="1600"/>
-                        <a:t>Male</a:t>
-                      </a:r>
-                    </a:p>
-                  </a:txBody>
-                  <a:tcPr>
-                    <a:lnL w="12700" cap="flat" cmpd="sng" algn="ctr">
-                      <a:solidFill>
-                        <a:schemeClr val="tx1"/>
-                      </a:solidFill>
-                      <a:prstDash val="dot"/>
-                      <a:round/>
-                      <a:headEnd type="none" w="med" len="med"/>
-                      <a:tailEnd type="none" w="med" len="med"/>
-                    </a:lnL>
-                    <a:lnR w="12700" cap="flat" cmpd="sng" algn="ctr">
-                      <a:solidFill>
-                        <a:schemeClr val="tx1"/>
-                      </a:solidFill>
-                      <a:prstDash val="solid"/>
-                      <a:round/>
-                      <a:headEnd type="none" w="med" len="med"/>
-                      <a:tailEnd type="none" w="med" len="med"/>
-                    </a:lnR>
-                    <a:lnT w="12700" cap="flat" cmpd="sng" algn="ctr">
-                      <a:solidFill>
-                        <a:schemeClr val="tx1"/>
-                      </a:solidFill>
-                      <a:prstDash val="dot"/>
-                      <a:round/>
-                      <a:headEnd type="none" w="med" len="med"/>
-                      <a:tailEnd type="none" w="med" len="med"/>
-                    </a:lnT>
-                    <a:lnB w="12700" cap="flat" cmpd="sng" algn="ctr">
-                      <a:solidFill>
-                        <a:schemeClr val="tx1"/>
-                      </a:solidFill>
-                      <a:prstDash val="dot"/>
-                      <a:round/>
-                      <a:headEnd type="none" w="med" len="med"/>
-                      <a:tailEnd type="none" w="med" len="med"/>
-                    </a:lnB>
-                    <a:noFill/>
-                  </a:tcPr>
-                </a:tc>
-                <a:tc>
-                  <a:txBody>
-                    <a:bodyPr/>
-                    <a:lstStyle/>
-                    <a:p>
-                      <a:pPr algn="ctr"/>
-                      <a:r>
-                        <a:rPr lang="en-GB" sz="1600">
-                          <a:latin typeface="Courier New" panose="02070309020205020404" pitchFamily="49" charset="0"/>
-                          <a:cs typeface="Courier New" panose="02070309020205020404" pitchFamily="49" charset="0"/>
-                        </a:rPr>
-                        <a:t>XX (XX.X%)</a:t>
-                      </a:r>
-                    </a:p>
-                  </a:txBody>
-                  <a:tcPr>
-                    <a:lnL w="12700" cap="flat" cmpd="sng" algn="ctr">
-                      <a:solidFill>
-                        <a:schemeClr val="tx1"/>
-                      </a:solidFill>
-                      <a:prstDash val="solid"/>
-                      <a:round/>
-                      <a:headEnd type="none" w="med" len="med"/>
-                      <a:tailEnd type="none" w="med" len="med"/>
-                    </a:lnL>
-                    <a:lnR w="12700" cap="flat" cmpd="sng" algn="ctr">
-                      <a:solidFill>
-                        <a:schemeClr val="tx1"/>
-                      </a:solidFill>
-                      <a:prstDash val="dot"/>
-                      <a:round/>
-                      <a:headEnd type="none" w="med" len="med"/>
-                      <a:tailEnd type="none" w="med" len="med"/>
-                    </a:lnR>
-                    <a:lnT w="12700" cap="flat" cmpd="sng" algn="ctr">
-                      <a:solidFill>
-                        <a:schemeClr val="tx1"/>
-                      </a:solidFill>
-                      <a:prstDash val="dot"/>
-                      <a:round/>
-                      <a:headEnd type="none" w="med" len="med"/>
-                      <a:tailEnd type="none" w="med" len="med"/>
-                    </a:lnT>
-                    <a:lnB w="12700" cap="flat" cmpd="sng" algn="ctr">
-                      <a:solidFill>
-                        <a:schemeClr val="tx1"/>
-                      </a:solidFill>
-                      <a:prstDash val="dot"/>
-                      <a:round/>
-                      <a:headEnd type="none" w="med" len="med"/>
-                      <a:tailEnd type="none" w="med" len="med"/>
-                    </a:lnB>
-                    <a:noFill/>
-                  </a:tcPr>
-                </a:tc>
-                <a:tc>
-                  <a:txBody>
-                    <a:bodyPr/>
-                    <a:lstStyle/>
-                    <a:p>
-                      <a:pPr marL="0" marR="0" lvl="0" indent="0" algn="ctr" defTabSz="1219170" rtl="0" eaLnBrk="1" fontAlgn="auto" latinLnBrk="0" hangingPunct="1">
-                        <a:lnSpc>
-                          <a:spcPct val="100000"/>
-                        </a:lnSpc>
-                        <a:spcBef>
-                          <a:spcPts val="0"/>
-                        </a:spcBef>
-                        <a:spcAft>
-                          <a:spcPts val="0"/>
-                        </a:spcAft>
-                        <a:buClrTx/>
-                        <a:buSzTx/>
-                        <a:buFontTx/>
-                        <a:buNone/>
-                        <a:tabLst/>
-                        <a:defRPr/>
-                      </a:pPr>
-                      <a:r>
-                        <a:rPr lang="en-GB" sz="1600">
-                          <a:latin typeface="Courier New" panose="02070309020205020404" pitchFamily="49" charset="0"/>
-                          <a:cs typeface="Courier New" panose="02070309020205020404" pitchFamily="49" charset="0"/>
-                        </a:rPr>
-                        <a:t>XX (XX.X%)</a:t>
-                      </a:r>
-                    </a:p>
-                  </a:txBody>
-                  <a:tcPr>
-                    <a:lnL w="12700" cap="flat" cmpd="sng" algn="ctr">
-                      <a:solidFill>
-                        <a:schemeClr val="tx1"/>
-                      </a:solidFill>
-                      <a:prstDash val="dot"/>
-                      <a:round/>
-                      <a:headEnd type="none" w="med" len="med"/>
-                      <a:tailEnd type="none" w="med" len="med"/>
-                    </a:lnL>
-                    <a:lnR w="12700" cap="flat" cmpd="sng" algn="ctr">
-                      <a:solidFill>
-                        <a:schemeClr val="tx1"/>
-                      </a:solidFill>
-                      <a:prstDash val="dot"/>
-                      <a:round/>
-                      <a:headEnd type="none" w="med" len="med"/>
-                      <a:tailEnd type="none" w="med" len="med"/>
-                    </a:lnR>
-                    <a:lnT w="12700" cap="flat" cmpd="sng" algn="ctr">
-                      <a:solidFill>
-                        <a:schemeClr val="tx1"/>
-                      </a:solidFill>
-                      <a:prstDash val="dot"/>
-                      <a:round/>
-                      <a:headEnd type="none" w="med" len="med"/>
-                      <a:tailEnd type="none" w="med" len="med"/>
-                    </a:lnT>
-                    <a:lnB w="12700" cap="flat" cmpd="sng" algn="ctr">
-                      <a:solidFill>
-                        <a:schemeClr val="tx1"/>
-                      </a:solidFill>
-                      <a:prstDash val="dot"/>
-                      <a:round/>
-                      <a:headEnd type="none" w="med" len="med"/>
-                      <a:tailEnd type="none" w="med" len="med"/>
-                    </a:lnB>
-                    <a:noFill/>
-                  </a:tcPr>
-                </a:tc>
-                <a:tc>
-                  <a:txBody>
-                    <a:bodyPr/>
-                    <a:lstStyle/>
-                    <a:p>
-                      <a:pPr marL="0" marR="0" lvl="0" indent="0" algn="ctr" defTabSz="1219170" rtl="0" eaLnBrk="1" fontAlgn="auto" latinLnBrk="0" hangingPunct="1">
-                        <a:lnSpc>
-                          <a:spcPct val="100000"/>
-                        </a:lnSpc>
-                        <a:spcBef>
-                          <a:spcPts val="0"/>
-                        </a:spcBef>
-                        <a:spcAft>
-                          <a:spcPts val="0"/>
-                        </a:spcAft>
-                        <a:buClrTx/>
-                        <a:buSzTx/>
-                        <a:buFontTx/>
-                        <a:buNone/>
-                        <a:tabLst/>
-                        <a:defRPr/>
-                      </a:pPr>
-                      <a:r>
-                        <a:rPr lang="en-GB" sz="1600">
-                          <a:latin typeface="Courier New" panose="02070309020205020404" pitchFamily="49" charset="0"/>
-                          <a:cs typeface="Courier New" panose="02070309020205020404" pitchFamily="49" charset="0"/>
-                        </a:rPr>
-                        <a:t>XX (XX.X%)</a:t>
-                      </a:r>
-                    </a:p>
-                  </a:txBody>
-                  <a:tcPr>
-                    <a:lnL w="12700" cap="flat" cmpd="sng" algn="ctr">
-                      <a:solidFill>
-                        <a:schemeClr val="tx1"/>
-                      </a:solidFill>
-                      <a:prstDash val="dot"/>
-                      <a:round/>
-                      <a:headEnd type="none" w="med" len="med"/>
-                      <a:tailEnd type="none" w="med" len="med"/>
-                    </a:lnL>
-                    <a:lnT w="12700" cap="flat" cmpd="sng" algn="ctr">
-                      <a:solidFill>
-                        <a:schemeClr val="tx1"/>
-                      </a:solidFill>
-                      <a:prstDash val="dot"/>
-                      <a:round/>
-                      <a:headEnd type="none" w="med" len="med"/>
-                      <a:tailEnd type="none" w="med" len="med"/>
-                    </a:lnT>
-                    <a:lnB w="12700" cap="flat" cmpd="sng" algn="ctr">
-                      <a:solidFill>
-                        <a:schemeClr val="tx1"/>
-                      </a:solidFill>
-                      <a:prstDash val="dot"/>
-                      <a:round/>
-                      <a:headEnd type="none" w="med" len="med"/>
-                      <a:tailEnd type="none" w="med" len="med"/>
-                    </a:lnB>
-                    <a:noFill/>
-                  </a:tcPr>
-                </a:tc>
-                <a:extLst>
-                  <a:ext uri="{0D108BD9-81ED-4DB2-BD59-A6C34878D82A}">
-                    <a16:rowId xmlns:a16="http://schemas.microsoft.com/office/drawing/2014/main" val="1544400279"/>
-                  </a:ext>
-                </a:extLst>
-              </a:tr>
-              <a:tr h="370840">
-                <a:tc>
-                  <a:txBody>
-                    <a:bodyPr/>
-                    <a:lstStyle/>
-                    <a:p>
-                      <a:endParaRPr lang="en-GB" sz="1600"/>
-                    </a:p>
-                  </a:txBody>
-                  <a:tcPr>
-                    <a:lnR w="12700" cap="flat" cmpd="sng" algn="ctr">
-                      <a:solidFill>
-                        <a:schemeClr val="tx1"/>
-                      </a:solidFill>
-                      <a:prstDash val="dot"/>
-                      <a:round/>
-                      <a:headEnd type="none" w="med" len="med"/>
-                      <a:tailEnd type="none" w="med" len="med"/>
-                    </a:lnR>
-                    <a:lnT w="12700" cap="flat" cmpd="sng" algn="ctr">
-                      <a:solidFill>
-                        <a:schemeClr val="tx1"/>
-                      </a:solidFill>
-                      <a:prstDash val="dot"/>
-                      <a:round/>
-                      <a:headEnd type="none" w="med" len="med"/>
-                      <a:tailEnd type="none" w="med" len="med"/>
-                    </a:lnT>
-                    <a:noFill/>
-                  </a:tcPr>
-                </a:tc>
-                <a:tc>
-                  <a:txBody>
-                    <a:bodyPr/>
-                    <a:lstStyle/>
-                    <a:p>
-                      <a:r>
-                        <a:rPr lang="en-GB" sz="1600"/>
-                        <a:t>Female</a:t>
-                      </a:r>
-                    </a:p>
-                  </a:txBody>
-                  <a:tcPr>
-                    <a:lnL w="12700" cap="flat" cmpd="sng" algn="ctr">
-                      <a:solidFill>
-                        <a:schemeClr val="tx1"/>
-                      </a:solidFill>
-                      <a:prstDash val="dot"/>
-                      <a:round/>
-                      <a:headEnd type="none" w="med" len="med"/>
-                      <a:tailEnd type="none" w="med" len="med"/>
-                    </a:lnL>
-                    <a:lnR w="12700" cap="flat" cmpd="sng" algn="ctr">
-                      <a:solidFill>
-                        <a:schemeClr val="tx1"/>
-                      </a:solidFill>
-                      <a:prstDash val="solid"/>
-                      <a:round/>
-                      <a:headEnd type="none" w="med" len="med"/>
-                      <a:tailEnd type="none" w="med" len="med"/>
-                    </a:lnR>
-                    <a:lnT w="12700" cap="flat" cmpd="sng" algn="ctr">
-                      <a:solidFill>
-                        <a:schemeClr val="tx1"/>
-                      </a:solidFill>
-                      <a:prstDash val="dot"/>
-                      <a:round/>
-                      <a:headEnd type="none" w="med" len="med"/>
-                      <a:tailEnd type="none" w="med" len="med"/>
-                    </a:lnT>
-                    <a:noFill/>
-                  </a:tcPr>
-                </a:tc>
-                <a:tc>
-                  <a:txBody>
-                    <a:bodyPr/>
-                    <a:lstStyle/>
-                    <a:p>
-                      <a:pPr algn="ctr"/>
-                      <a:r>
-                        <a:rPr lang="en-GB" sz="1600">
-                          <a:latin typeface="Courier New" panose="02070309020205020404" pitchFamily="49" charset="0"/>
-                          <a:cs typeface="Courier New" panose="02070309020205020404" pitchFamily="49" charset="0"/>
-                        </a:rPr>
-                        <a:t>XX (XX.X%)</a:t>
-                      </a:r>
-                    </a:p>
-                  </a:txBody>
-                  <a:tcPr>
-                    <a:lnL w="12700" cap="flat" cmpd="sng" algn="ctr">
-                      <a:solidFill>
-                        <a:schemeClr val="tx1"/>
-                      </a:solidFill>
-                      <a:prstDash val="solid"/>
-                      <a:round/>
-                      <a:headEnd type="none" w="med" len="med"/>
-                      <a:tailEnd type="none" w="med" len="med"/>
-                    </a:lnL>
-                    <a:lnR w="12700" cap="flat" cmpd="sng" algn="ctr">
-                      <a:solidFill>
-                        <a:schemeClr val="tx1"/>
-                      </a:solidFill>
-                      <a:prstDash val="dot"/>
-                      <a:round/>
-                      <a:headEnd type="none" w="med" len="med"/>
-                      <a:tailEnd type="none" w="med" len="med"/>
-                    </a:lnR>
-                    <a:lnT w="12700" cap="flat" cmpd="sng" algn="ctr">
-                      <a:solidFill>
-                        <a:schemeClr val="tx1"/>
-                      </a:solidFill>
-                      <a:prstDash val="dot"/>
-                      <a:round/>
-                      <a:headEnd type="none" w="med" len="med"/>
-                      <a:tailEnd type="none" w="med" len="med"/>
-                    </a:lnT>
-                    <a:noFill/>
-                  </a:tcPr>
-                </a:tc>
-                <a:tc>
-                  <a:txBody>
-                    <a:bodyPr/>
-                    <a:lstStyle/>
-                    <a:p>
-                      <a:pPr marL="0" marR="0" lvl="0" indent="0" algn="ctr" defTabSz="1219170" rtl="0" eaLnBrk="1" fontAlgn="auto" latinLnBrk="0" hangingPunct="1">
-                        <a:lnSpc>
-                          <a:spcPct val="100000"/>
-                        </a:lnSpc>
-                        <a:spcBef>
-                          <a:spcPts val="0"/>
-                        </a:spcBef>
-                        <a:spcAft>
-                          <a:spcPts val="0"/>
-                        </a:spcAft>
-                        <a:buClrTx/>
-                        <a:buSzTx/>
-                        <a:buFontTx/>
-                        <a:buNone/>
-                        <a:tabLst/>
-                        <a:defRPr/>
-                      </a:pPr>
-                      <a:r>
-                        <a:rPr lang="en-GB" sz="1600">
-                          <a:latin typeface="Courier New" panose="02070309020205020404" pitchFamily="49" charset="0"/>
-                          <a:cs typeface="Courier New" panose="02070309020205020404" pitchFamily="49" charset="0"/>
-                        </a:rPr>
-                        <a:t>XX (XX.X%)</a:t>
-                      </a:r>
-                    </a:p>
-                  </a:txBody>
-                  <a:tcPr>
-                    <a:lnL w="12700" cap="flat" cmpd="sng" algn="ctr">
-                      <a:solidFill>
-                        <a:schemeClr val="tx1"/>
-                      </a:solidFill>
-                      <a:prstDash val="dot"/>
-                      <a:round/>
-                      <a:headEnd type="none" w="med" len="med"/>
-                      <a:tailEnd type="none" w="med" len="med"/>
-                    </a:lnL>
-                    <a:lnR w="12700" cap="flat" cmpd="sng" algn="ctr">
-                      <a:solidFill>
-                        <a:schemeClr val="tx1"/>
-                      </a:solidFill>
-                      <a:prstDash val="dot"/>
-                      <a:round/>
-                      <a:headEnd type="none" w="med" len="med"/>
-                      <a:tailEnd type="none" w="med" len="med"/>
-                    </a:lnR>
-                    <a:lnT w="12700" cap="flat" cmpd="sng" algn="ctr">
-                      <a:solidFill>
-                        <a:schemeClr val="tx1"/>
-                      </a:solidFill>
-                      <a:prstDash val="dot"/>
-                      <a:round/>
-                      <a:headEnd type="none" w="med" len="med"/>
-                      <a:tailEnd type="none" w="med" len="med"/>
-                    </a:lnT>
-                    <a:noFill/>
-                  </a:tcPr>
-                </a:tc>
-                <a:tc>
-                  <a:txBody>
-                    <a:bodyPr/>
-                    <a:lstStyle/>
-                    <a:p>
-                      <a:pPr marL="0" marR="0" lvl="0" indent="0" algn="ctr" defTabSz="1219170" rtl="0" eaLnBrk="1" fontAlgn="auto" latinLnBrk="0" hangingPunct="1">
-                        <a:lnSpc>
-                          <a:spcPct val="100000"/>
-                        </a:lnSpc>
-                        <a:spcBef>
-                          <a:spcPts val="0"/>
-                        </a:spcBef>
-                        <a:spcAft>
-                          <a:spcPts val="0"/>
-                        </a:spcAft>
-                        <a:buClrTx/>
-                        <a:buSzTx/>
-                        <a:buFontTx/>
-                        <a:buNone/>
-                        <a:tabLst/>
-                        <a:defRPr/>
-                      </a:pPr>
-                      <a:r>
-                        <a:rPr lang="en-GB" sz="1600">
-                          <a:latin typeface="Courier New" panose="02070309020205020404" pitchFamily="49" charset="0"/>
-                          <a:cs typeface="Courier New" panose="02070309020205020404" pitchFamily="49" charset="0"/>
-                        </a:rPr>
-                        <a:t>XX (XX.X%)</a:t>
-                      </a:r>
-                    </a:p>
-                  </a:txBody>
-                  <a:tcPr>
-                    <a:lnL w="12700" cap="flat" cmpd="sng" algn="ctr">
-                      <a:solidFill>
-                        <a:schemeClr val="tx1"/>
-                      </a:solidFill>
-                      <a:prstDash val="dot"/>
-                      <a:round/>
-                      <a:headEnd type="none" w="med" len="med"/>
-                      <a:tailEnd type="none" w="med" len="med"/>
-                    </a:lnL>
-                    <a:lnT w="12700" cap="flat" cmpd="sng" algn="ctr">
-                      <a:solidFill>
-                        <a:schemeClr val="tx1"/>
-                      </a:solidFill>
-                      <a:prstDash val="dot"/>
-                      <a:round/>
-                      <a:headEnd type="none" w="med" len="med"/>
-                      <a:tailEnd type="none" w="med" len="med"/>
-                    </a:lnT>
-                    <a:noFill/>
-                  </a:tcPr>
-                </a:tc>
-                <a:extLst>
-                  <a:ext uri="{0D108BD9-81ED-4DB2-BD59-A6C34878D82A}">
-                    <a16:rowId xmlns:a16="http://schemas.microsoft.com/office/drawing/2014/main" val="3192875556"/>
-                  </a:ext>
-                </a:extLst>
-              </a:tr>
-            </a:tbl>
-          </a:graphicData>
-        </a:graphic>
-      </p:graphicFrame>
-      <p:sp>
-        <p:nvSpPr>
-          <p:cNvPr id="10" name="Rectangle 9">
-            <a:extLst>
-              <a:ext uri="{FF2B5EF4-FFF2-40B4-BE49-F238E27FC236}">
-                <a16:creationId xmlns:a16="http://schemas.microsoft.com/office/drawing/2014/main" id="{3BDDD35B-4A75-4E76-83FF-6AEDB4DF9C4D}"/>
-              </a:ext>
-            </a:extLst>
-          </p:cNvPr>
-          <p:cNvSpPr/>
-          <p:nvPr/>
-        </p:nvSpPr>
-        <p:spPr bwMode="auto">
-          <a:xfrm>
-            <a:off x="2049694" y="1134078"/>
-            <a:ext cx="3457254" cy="5102335"/>
-          </a:xfrm>
-          <a:prstGeom prst="rect">
-            <a:avLst/>
-          </a:prstGeom>
-          <a:noFill/>
-          <a:ln>
-            <a:headEnd/>
-            <a:tailEnd/>
-          </a:ln>
-        </p:spPr>
-        <p:style>
-          <a:lnRef idx="2">
-            <a:schemeClr val="accent3"/>
-          </a:lnRef>
-          <a:fillRef idx="1">
-            <a:schemeClr val="lt1"/>
-          </a:fillRef>
-          <a:effectRef idx="0">
-            <a:schemeClr val="accent3"/>
-          </a:effectRef>
-          <a:fontRef idx="minor">
-            <a:schemeClr val="dk1"/>
-          </a:fontRef>
-        </p:style>
-        <p:txBody>
-          <a:bodyPr rot="0" spcFirstLastPara="0" vertOverflow="overflow" horzOverflow="overflow" vert="horz" wrap="square" lIns="180000" tIns="180000" rIns="180000" bIns="180000" numCol="1" spcCol="0" rtlCol="0" fromWordArt="0" anchor="t" anchorCtr="0" forceAA="0" compatLnSpc="1">
-            <a:prstTxWarp prst="textNoShape">
-              <a:avLst/>
-            </a:prstTxWarp>
-            <a:noAutofit/>
-          </a:bodyPr>
-          <a:lstStyle/>
-          <a:p>
-            <a:pPr marL="285750" indent="-285750" algn="l" eaLnBrk="0" fontAlgn="auto" hangingPunct="0">
-              <a:spcBef>
-                <a:spcPts val="300"/>
-              </a:spcBef>
-              <a:spcAft>
-                <a:spcPts val="300"/>
-              </a:spcAft>
-              <a:buClr>
-                <a:schemeClr val="tx2"/>
-              </a:buClr>
-              <a:buSzPct val="110000"/>
-              <a:buFont typeface="Arial" panose="020B0604020202020204" pitchFamily="34" charset="0"/>
-              <a:buChar char="•"/>
-            </a:pPr>
-            <a:endParaRPr lang="en-GB" sz="1600" kern="0" err="1">
-              <a:solidFill>
-                <a:schemeClr val="tx1"/>
-              </a:solidFill>
-            </a:endParaRPr>
-          </a:p>
-        </p:txBody>
-      </p:sp>
-      <p:sp>
-        <p:nvSpPr>
-          <p:cNvPr id="11" name="Rectangle 10">
-            <a:extLst>
-              <a:ext uri="{FF2B5EF4-FFF2-40B4-BE49-F238E27FC236}">
-                <a16:creationId xmlns:a16="http://schemas.microsoft.com/office/drawing/2014/main" id="{E9E22FA6-98BF-49F7-9812-F5E19856E8D4}"/>
-              </a:ext>
-            </a:extLst>
-          </p:cNvPr>
-          <p:cNvSpPr/>
-          <p:nvPr/>
-        </p:nvSpPr>
-        <p:spPr bwMode="auto">
-          <a:xfrm>
-            <a:off x="1972640" y="1068925"/>
-            <a:ext cx="8768993" cy="657133"/>
-          </a:xfrm>
-          <a:prstGeom prst="rect">
-            <a:avLst/>
-          </a:prstGeom>
-          <a:noFill/>
-          <a:ln>
-            <a:headEnd/>
-            <a:tailEnd/>
-          </a:ln>
-        </p:spPr>
-        <p:style>
-          <a:lnRef idx="2">
-            <a:schemeClr val="accent5"/>
-          </a:lnRef>
-          <a:fillRef idx="1">
-            <a:schemeClr val="lt1"/>
-          </a:fillRef>
-          <a:effectRef idx="0">
-            <a:schemeClr val="accent5"/>
-          </a:effectRef>
-          <a:fontRef idx="minor">
-            <a:schemeClr val="dk1"/>
-          </a:fontRef>
-        </p:style>
-        <p:txBody>
-          <a:bodyPr rot="0" spcFirstLastPara="0" vertOverflow="overflow" horzOverflow="overflow" vert="horz" wrap="square" lIns="180000" tIns="180000" rIns="180000" bIns="180000" numCol="1" spcCol="0" rtlCol="0" fromWordArt="0" anchor="t" anchorCtr="0" forceAA="0" compatLnSpc="1">
-            <a:prstTxWarp prst="textNoShape">
-              <a:avLst/>
-            </a:prstTxWarp>
-            <a:noAutofit/>
-          </a:bodyPr>
-          <a:lstStyle/>
-          <a:p>
-            <a:pPr marL="285750" indent="-285750" algn="l" eaLnBrk="0" fontAlgn="auto" hangingPunct="0">
-              <a:spcBef>
-                <a:spcPts val="300"/>
-              </a:spcBef>
-              <a:spcAft>
-                <a:spcPts val="300"/>
-              </a:spcAft>
-              <a:buClr>
-                <a:schemeClr val="tx2"/>
-              </a:buClr>
-              <a:buSzPct val="110000"/>
-              <a:buFont typeface="Arial" panose="020B0604020202020204" pitchFamily="34" charset="0"/>
-              <a:buChar char="•"/>
-            </a:pPr>
-            <a:endParaRPr lang="en-GB" sz="1600" kern="0" err="1">
-              <a:solidFill>
-                <a:schemeClr val="tx1"/>
-              </a:solidFill>
-            </a:endParaRPr>
-          </a:p>
-        </p:txBody>
-      </p:sp>
-      <p:sp>
-        <p:nvSpPr>
-          <p:cNvPr id="12" name="Rectangle 11">
-            <a:extLst>
-              <a:ext uri="{FF2B5EF4-FFF2-40B4-BE49-F238E27FC236}">
-                <a16:creationId xmlns:a16="http://schemas.microsoft.com/office/drawing/2014/main" id="{BC9CDF0C-46ED-4CD3-AAA3-4BA1201D1695}"/>
-              </a:ext>
-            </a:extLst>
-          </p:cNvPr>
-          <p:cNvSpPr/>
-          <p:nvPr/>
-        </p:nvSpPr>
-        <p:spPr bwMode="auto">
-          <a:xfrm>
-            <a:off x="5506947" y="1726058"/>
-            <a:ext cx="5234685" cy="4510355"/>
-          </a:xfrm>
-          <a:prstGeom prst="rect">
-            <a:avLst/>
-          </a:prstGeom>
-          <a:noFill/>
-          <a:ln>
-            <a:headEnd/>
-            <a:tailEnd/>
-          </a:ln>
-        </p:spPr>
-        <p:style>
-          <a:lnRef idx="2">
-            <a:schemeClr val="accent2"/>
-          </a:lnRef>
-          <a:fillRef idx="1">
-            <a:schemeClr val="lt1"/>
-          </a:fillRef>
-          <a:effectRef idx="0">
-            <a:schemeClr val="accent2"/>
-          </a:effectRef>
-          <a:fontRef idx="minor">
-            <a:schemeClr val="dk1"/>
-          </a:fontRef>
-        </p:style>
-        <p:txBody>
-          <a:bodyPr rot="0" spcFirstLastPara="0" vertOverflow="overflow" horzOverflow="overflow" vert="horz" wrap="square" lIns="180000" tIns="180000" rIns="180000" bIns="180000" numCol="1" spcCol="0" rtlCol="0" fromWordArt="0" anchor="t" anchorCtr="0" forceAA="0" compatLnSpc="1">
-            <a:prstTxWarp prst="textNoShape">
-              <a:avLst/>
-            </a:prstTxWarp>
-            <a:noAutofit/>
-          </a:bodyPr>
-          <a:lstStyle/>
-          <a:p>
-            <a:pPr marL="285750" indent="-285750" algn="l" eaLnBrk="0" fontAlgn="auto" hangingPunct="0">
-              <a:spcBef>
-                <a:spcPts val="300"/>
-              </a:spcBef>
-              <a:spcAft>
-                <a:spcPts val="300"/>
-              </a:spcAft>
-              <a:buClr>
-                <a:schemeClr val="tx2"/>
-              </a:buClr>
-              <a:buSzPct val="110000"/>
-              <a:buFont typeface="Arial" panose="020B0604020202020204" pitchFamily="34" charset="0"/>
-              <a:buChar char="•"/>
-            </a:pPr>
-            <a:endParaRPr lang="en-GB" sz="1600" kern="0" err="1">
-              <a:solidFill>
-                <a:schemeClr val="tx1"/>
-              </a:solidFill>
-            </a:endParaRPr>
-          </a:p>
-        </p:txBody>
-      </p:sp>
-      <p:sp>
-        <p:nvSpPr>
-          <p:cNvPr id="13" name="TextBox 12">
-            <a:extLst>
-              <a:ext uri="{FF2B5EF4-FFF2-40B4-BE49-F238E27FC236}">
-                <a16:creationId xmlns:a16="http://schemas.microsoft.com/office/drawing/2014/main" id="{97CACC48-FABE-437F-BB90-6E3099D97E77}"/>
-              </a:ext>
-            </a:extLst>
-          </p:cNvPr>
-          <p:cNvSpPr txBox="1"/>
-          <p:nvPr/>
-        </p:nvSpPr>
-        <p:spPr>
-          <a:xfrm>
-            <a:off x="10695397" y="3981235"/>
-            <a:ext cx="914400" cy="914400"/>
-          </a:xfrm>
-          <a:prstGeom prst="rect">
-            <a:avLst/>
-          </a:prstGeom>
-          <a:noFill/>
-        </p:spPr>
-        <p:txBody>
-          <a:bodyPr wrap="none" lIns="180000" tIns="180000" rIns="180000" bIns="180000" rtlCol="0">
-            <a:normAutofit/>
-          </a:bodyPr>
-          <a:lstStyle/>
-          <a:p>
-            <a:pPr algn="l">
-              <a:spcBef>
-                <a:spcPts val="300"/>
-              </a:spcBef>
-              <a:spcAft>
-                <a:spcPts val="300"/>
-              </a:spcAft>
-              <a:buClr>
-                <a:schemeClr val="tx2"/>
-              </a:buClr>
-              <a:buSzPct val="110000"/>
-            </a:pPr>
-            <a:r>
-              <a:rPr lang="en-GB" sz="1600"/>
-              <a:t>Table body</a:t>
-            </a:r>
-          </a:p>
-        </p:txBody>
-      </p:sp>
-      <p:sp>
-        <p:nvSpPr>
-          <p:cNvPr id="9" name="Rectangle 8">
-            <a:extLst>
-              <a:ext uri="{FF2B5EF4-FFF2-40B4-BE49-F238E27FC236}">
-                <a16:creationId xmlns:a16="http://schemas.microsoft.com/office/drawing/2014/main" id="{7277F3E7-C0FD-40C1-8022-A211A77011B7}"/>
-              </a:ext>
-            </a:extLst>
-          </p:cNvPr>
-          <p:cNvSpPr/>
-          <p:nvPr/>
-        </p:nvSpPr>
-        <p:spPr bwMode="auto">
-          <a:xfrm>
-            <a:off x="1972640" y="1726058"/>
-            <a:ext cx="8768993" cy="1741470"/>
-          </a:xfrm>
-          <a:prstGeom prst="rect">
-            <a:avLst/>
-          </a:prstGeom>
-          <a:noFill/>
-          <a:ln>
-            <a:headEnd/>
-            <a:tailEnd/>
-          </a:ln>
-        </p:spPr>
-        <p:style>
-          <a:lnRef idx="2">
-            <a:schemeClr val="accent1"/>
-          </a:lnRef>
-          <a:fillRef idx="1">
-            <a:schemeClr val="lt1"/>
-          </a:fillRef>
-          <a:effectRef idx="0">
-            <a:schemeClr val="accent1"/>
-          </a:effectRef>
-          <a:fontRef idx="minor">
-            <a:schemeClr val="dk1"/>
-          </a:fontRef>
-        </p:style>
-        <p:txBody>
-          <a:bodyPr rot="0" spcFirstLastPara="0" vertOverflow="overflow" horzOverflow="overflow" vert="horz" wrap="square" lIns="180000" tIns="180000" rIns="180000" bIns="180000" numCol="1" spcCol="0" rtlCol="0" fromWordArt="0" anchor="t" anchorCtr="0" forceAA="0" compatLnSpc="1">
-            <a:prstTxWarp prst="textNoShape">
-              <a:avLst/>
-            </a:prstTxWarp>
-            <a:noAutofit/>
-          </a:bodyPr>
-          <a:lstStyle/>
-          <a:p>
-            <a:pPr marL="285750" indent="-285750" algn="l" eaLnBrk="0" fontAlgn="auto" hangingPunct="0">
-              <a:spcBef>
-                <a:spcPts val="300"/>
-              </a:spcBef>
-              <a:spcAft>
-                <a:spcPts val="300"/>
-              </a:spcAft>
-              <a:buClr>
-                <a:schemeClr val="tx2"/>
-              </a:buClr>
-              <a:buSzPct val="110000"/>
-              <a:buFont typeface="Arial" panose="020B0604020202020204" pitchFamily="34" charset="0"/>
-              <a:buChar char="•"/>
-            </a:pPr>
-            <a:endParaRPr lang="en-GB" sz="1600" kern="0" err="1">
-              <a:solidFill>
-                <a:schemeClr val="tx1"/>
-              </a:solidFill>
-            </a:endParaRPr>
-          </a:p>
-        </p:txBody>
-      </p:sp>
-      <p:sp>
-        <p:nvSpPr>
-          <p:cNvPr id="14" name="TextBox 13">
-            <a:extLst>
-              <a:ext uri="{FF2B5EF4-FFF2-40B4-BE49-F238E27FC236}">
-                <a16:creationId xmlns:a16="http://schemas.microsoft.com/office/drawing/2014/main" id="{D73B2EF8-92F0-40B5-81E5-DEDC3A2CAB29}"/>
-              </a:ext>
-            </a:extLst>
-          </p:cNvPr>
-          <p:cNvSpPr txBox="1"/>
-          <p:nvPr/>
-        </p:nvSpPr>
-        <p:spPr>
-          <a:xfrm>
-            <a:off x="10715376" y="1047750"/>
-            <a:ext cx="914400" cy="914400"/>
-          </a:xfrm>
-          <a:prstGeom prst="rect">
-            <a:avLst/>
-          </a:prstGeom>
-          <a:noFill/>
-        </p:spPr>
-        <p:txBody>
-          <a:bodyPr wrap="none" lIns="180000" tIns="180000" rIns="180000" bIns="180000" rtlCol="0">
-            <a:normAutofit/>
-          </a:bodyPr>
-          <a:lstStyle/>
-          <a:p>
-            <a:pPr algn="l">
-              <a:spcBef>
-                <a:spcPts val="300"/>
-              </a:spcBef>
-              <a:spcAft>
-                <a:spcPts val="300"/>
-              </a:spcAft>
-              <a:buClr>
-                <a:schemeClr val="tx2"/>
-              </a:buClr>
-              <a:buSzPct val="110000"/>
-            </a:pPr>
-            <a:r>
-              <a:rPr lang="en-GB" sz="1600"/>
-              <a:t>Columns</a:t>
-            </a:r>
-          </a:p>
-        </p:txBody>
-      </p:sp>
-      <p:sp>
-        <p:nvSpPr>
-          <p:cNvPr id="15" name="TextBox 14">
-            <a:extLst>
-              <a:ext uri="{FF2B5EF4-FFF2-40B4-BE49-F238E27FC236}">
-                <a16:creationId xmlns:a16="http://schemas.microsoft.com/office/drawing/2014/main" id="{8E432CDC-159E-48B9-84FD-E35A4AC73E20}"/>
-              </a:ext>
-            </a:extLst>
-          </p:cNvPr>
-          <p:cNvSpPr txBox="1"/>
-          <p:nvPr/>
-        </p:nvSpPr>
-        <p:spPr>
-          <a:xfrm>
-            <a:off x="1009722" y="3685245"/>
-            <a:ext cx="1109609" cy="914400"/>
-          </a:xfrm>
-          <a:prstGeom prst="rect">
-            <a:avLst/>
-          </a:prstGeom>
-          <a:noFill/>
-        </p:spPr>
-        <p:txBody>
-          <a:bodyPr wrap="square" lIns="180000" tIns="180000" rIns="180000" bIns="180000" rtlCol="0">
-            <a:normAutofit fontScale="85000" lnSpcReduction="20000"/>
-          </a:bodyPr>
-          <a:lstStyle/>
-          <a:p>
-            <a:pPr algn="l">
-              <a:spcBef>
-                <a:spcPts val="300"/>
-              </a:spcBef>
-              <a:spcAft>
-                <a:spcPts val="300"/>
-              </a:spcAft>
-              <a:buClr>
-                <a:schemeClr val="tx2"/>
-              </a:buClr>
-              <a:buSzPct val="110000"/>
-            </a:pPr>
-            <a:r>
-              <a:rPr lang="en-GB" sz="1600"/>
-              <a:t>Labels and groups</a:t>
-            </a:r>
-          </a:p>
-        </p:txBody>
-      </p:sp>
-      <p:sp>
-        <p:nvSpPr>
-          <p:cNvPr id="16" name="TextBox 15">
-            <a:extLst>
-              <a:ext uri="{FF2B5EF4-FFF2-40B4-BE49-F238E27FC236}">
-                <a16:creationId xmlns:a16="http://schemas.microsoft.com/office/drawing/2014/main" id="{F748C954-DE06-4012-BCBF-C86B25A976D1}"/>
-              </a:ext>
-            </a:extLst>
-          </p:cNvPr>
-          <p:cNvSpPr txBox="1"/>
-          <p:nvPr/>
-        </p:nvSpPr>
-        <p:spPr>
-          <a:xfrm>
-            <a:off x="627297" y="2460661"/>
-            <a:ext cx="914400" cy="914400"/>
-          </a:xfrm>
-          <a:prstGeom prst="rect">
-            <a:avLst/>
-          </a:prstGeom>
-          <a:noFill/>
-        </p:spPr>
-        <p:txBody>
-          <a:bodyPr wrap="none" lIns="180000" tIns="180000" rIns="180000" bIns="180000" rtlCol="0">
-            <a:normAutofit/>
-          </a:bodyPr>
-          <a:lstStyle/>
-          <a:p>
-            <a:pPr algn="l">
-              <a:spcBef>
-                <a:spcPts val="300"/>
-              </a:spcBef>
-              <a:spcAft>
-                <a:spcPts val="300"/>
-              </a:spcAft>
-              <a:buClr>
-                <a:schemeClr val="tx2"/>
-              </a:buClr>
-              <a:buSzPct val="110000"/>
-            </a:pPr>
-            <a:r>
-              <a:rPr lang="en-GB" sz="1600"/>
-              <a:t>Row groups</a:t>
-            </a:r>
-          </a:p>
-        </p:txBody>
-      </p:sp>
-    </p:spTree>
-    <p:extLst>
-      <p:ext uri="{BB962C8B-B14F-4D97-AF65-F5344CB8AC3E}">
-        <p14:creationId xmlns:p14="http://schemas.microsoft.com/office/powerpoint/2010/main" val="2261250158"/>
-      </p:ext>
-    </p:extLst>
-  </p:cSld>
-  <p:clrMapOvr>
-    <a:masterClrMapping/>
-  </p:clrMapOvr>
-  <mc:AlternateContent xmlns:mc="http://schemas.openxmlformats.org/markup-compatibility/2006" xmlns:p14="http://schemas.microsoft.com/office/powerpoint/2010/main">
-    <mc:Choice Requires="p14">
-      <p:transition spd="med" p14:dur="700">
-        <p:fade/>
-      </p:transition>
-    </mc:Choice>
-    <mc:Fallback xmlns="">
-      <p:transition spd="med">
-        <p:fade/>
-      </p:transition>
-    </mc:Fallback>
-  </mc:AlternateContent>
-  <p:timing>
-    <p:tnLst>
-      <p:par>
-        <p:cTn id="1" dur="indefinite" restart="never" nodeType="tmRoot">
-          <p:childTnLst>
-            <p:seq concurrent="1" nextAc="seek">
-              <p:cTn id="2" dur="indefinite" nodeType="mainSeq">
-                <p:childTnLst>
-                  <p:par>
-                    <p:cTn id="3" fill="hold">
-                      <p:stCondLst>
-                        <p:cond delay="indefinite"/>
-                      </p:stCondLst>
-                      <p:childTnLst>
-                        <p:par>
-                          <p:cTn id="4" fill="hold">
-                            <p:stCondLst>
-                              <p:cond delay="0"/>
-                            </p:stCondLst>
-                            <p:childTnLst>
-                              <p:par>
-                                <p:cTn id="5" presetID="1" presetClass="entr" presetSubtype="0" fill="hold" grpId="0" nodeType="clickEffect">
-                                  <p:stCondLst>
-                                    <p:cond delay="0"/>
-                                  </p:stCondLst>
-                                  <p:childTnLst>
-                                    <p:set>
-                                      <p:cBhvr>
-                                        <p:cTn id="6" dur="1" fill="hold">
-                                          <p:stCondLst>
-                                            <p:cond delay="0"/>
-                                          </p:stCondLst>
-                                        </p:cTn>
-                                        <p:tgtEl>
-                                          <p:spTgt spid="12"/>
-                                        </p:tgtEl>
-                                        <p:attrNameLst>
-                                          <p:attrName>style.visibility</p:attrName>
-                                        </p:attrNameLst>
-                                      </p:cBhvr>
-                                      <p:to>
-                                        <p:strVal val="visible"/>
-                                      </p:to>
-                                    </p:set>
-                                  </p:childTnLst>
-                                </p:cTn>
-                              </p:par>
-                              <p:par>
-                                <p:cTn id="7" presetID="1" presetClass="entr" presetSubtype="0" fill="hold" grpId="0" nodeType="withEffect">
-                                  <p:stCondLst>
-                                    <p:cond delay="0"/>
-                                  </p:stCondLst>
-                                  <p:childTnLst>
-                                    <p:set>
-                                      <p:cBhvr>
-                                        <p:cTn id="8" dur="1" fill="hold">
-                                          <p:stCondLst>
-                                            <p:cond delay="0"/>
-                                          </p:stCondLst>
-                                        </p:cTn>
-                                        <p:tgtEl>
-                                          <p:spTgt spid="13"/>
-                                        </p:tgtEl>
-                                        <p:attrNameLst>
-                                          <p:attrName>style.visibility</p:attrName>
-                                        </p:attrNameLst>
-                                      </p:cBhvr>
-                                      <p:to>
-                                        <p:strVal val="visible"/>
-                                      </p:to>
-                                    </p:set>
-                                  </p:childTnLst>
-                                </p:cTn>
-                              </p:par>
-                            </p:childTnLst>
-                          </p:cTn>
-                        </p:par>
-                      </p:childTnLst>
-                    </p:cTn>
-                  </p:par>
-                  <p:par>
-                    <p:cTn id="9" fill="hold">
-                      <p:stCondLst>
-                        <p:cond delay="indefinite"/>
-                      </p:stCondLst>
-                      <p:childTnLst>
-                        <p:par>
-                          <p:cTn id="10" fill="hold">
-                            <p:stCondLst>
-                              <p:cond delay="0"/>
-                            </p:stCondLst>
-                            <p:childTnLst>
-                              <p:par>
-                                <p:cTn id="11" presetID="1" presetClass="entr" presetSubtype="0" fill="hold" grpId="0" nodeType="clickEffect">
-                                  <p:stCondLst>
-                                    <p:cond delay="0"/>
-                                  </p:stCondLst>
-                                  <p:childTnLst>
-                                    <p:set>
-                                      <p:cBhvr>
-                                        <p:cTn id="12" dur="1" fill="hold">
-                                          <p:stCondLst>
-                                            <p:cond delay="0"/>
-                                          </p:stCondLst>
-                                        </p:cTn>
-                                        <p:tgtEl>
-                                          <p:spTgt spid="11"/>
-                                        </p:tgtEl>
-                                        <p:attrNameLst>
-                                          <p:attrName>style.visibility</p:attrName>
-                                        </p:attrNameLst>
-                                      </p:cBhvr>
-                                      <p:to>
-                                        <p:strVal val="visible"/>
-                                      </p:to>
-                                    </p:set>
-                                  </p:childTnLst>
-                                </p:cTn>
-                              </p:par>
-                              <p:par>
-                                <p:cTn id="13" presetID="1" presetClass="entr" presetSubtype="0" fill="hold" grpId="0" nodeType="withEffect">
-                                  <p:stCondLst>
-                                    <p:cond delay="0"/>
-                                  </p:stCondLst>
-                                  <p:childTnLst>
-                                    <p:set>
-                                      <p:cBhvr>
-                                        <p:cTn id="14" dur="1" fill="hold">
-                                          <p:stCondLst>
-                                            <p:cond delay="0"/>
-                                          </p:stCondLst>
-                                        </p:cTn>
-                                        <p:tgtEl>
-                                          <p:spTgt spid="14"/>
-                                        </p:tgtEl>
-                                        <p:attrNameLst>
-                                          <p:attrName>style.visibility</p:attrName>
-                                        </p:attrNameLst>
-                                      </p:cBhvr>
-                                      <p:to>
-                                        <p:strVal val="visible"/>
-                                      </p:to>
-                                    </p:set>
-                                  </p:childTnLst>
-                                </p:cTn>
-                              </p:par>
-                            </p:childTnLst>
-                          </p:cTn>
-                        </p:par>
-                      </p:childTnLst>
-                    </p:cTn>
-                  </p:par>
-                  <p:par>
-                    <p:cTn id="15" fill="hold">
-                      <p:stCondLst>
-                        <p:cond delay="indefinite"/>
-                      </p:stCondLst>
-                      <p:childTnLst>
-                        <p:par>
-                          <p:cTn id="16" fill="hold">
-                            <p:stCondLst>
-                              <p:cond delay="0"/>
-                            </p:stCondLst>
-                            <p:childTnLst>
-                              <p:par>
-                                <p:cTn id="17" presetID="1" presetClass="entr" presetSubtype="0" fill="hold" grpId="0" nodeType="clickEffect">
-                                  <p:stCondLst>
-                                    <p:cond delay="0"/>
-                                  </p:stCondLst>
-                                  <p:childTnLst>
-                                    <p:set>
-                                      <p:cBhvr>
-                                        <p:cTn id="18" dur="1" fill="hold">
-                                          <p:stCondLst>
-                                            <p:cond delay="0"/>
-                                          </p:stCondLst>
-                                        </p:cTn>
-                                        <p:tgtEl>
-                                          <p:spTgt spid="10"/>
-                                        </p:tgtEl>
-                                        <p:attrNameLst>
-                                          <p:attrName>style.visibility</p:attrName>
-                                        </p:attrNameLst>
-                                      </p:cBhvr>
-                                      <p:to>
-                                        <p:strVal val="visible"/>
-                                      </p:to>
-                                    </p:set>
-                                  </p:childTnLst>
-                                </p:cTn>
-                              </p:par>
-                              <p:par>
-                                <p:cTn id="19" presetID="1" presetClass="entr" presetSubtype="0" fill="hold" grpId="0" nodeType="withEffect">
-                                  <p:stCondLst>
-                                    <p:cond delay="0"/>
-                                  </p:stCondLst>
-                                  <p:childTnLst>
-                                    <p:set>
-                                      <p:cBhvr>
-                                        <p:cTn id="20" dur="1" fill="hold">
-                                          <p:stCondLst>
-                                            <p:cond delay="0"/>
-                                          </p:stCondLst>
-                                        </p:cTn>
-                                        <p:tgtEl>
-                                          <p:spTgt spid="15"/>
-                                        </p:tgtEl>
-                                        <p:attrNameLst>
-                                          <p:attrName>style.visibility</p:attrName>
-                                        </p:attrNameLst>
-                                      </p:cBhvr>
-                                      <p:to>
-                                        <p:strVal val="visible"/>
-                                      </p:to>
-                                    </p:set>
-                                  </p:childTnLst>
-                                </p:cTn>
-                              </p:par>
-                            </p:childTnLst>
-                          </p:cTn>
-                        </p:par>
-                      </p:childTnLst>
-                    </p:cTn>
-                  </p:par>
-                  <p:par>
-                    <p:cTn id="21" fill="hold">
-                      <p:stCondLst>
-                        <p:cond delay="indefinite"/>
-                      </p:stCondLst>
-                      <p:childTnLst>
-                        <p:par>
-                          <p:cTn id="22" fill="hold">
-                            <p:stCondLst>
-                              <p:cond delay="0"/>
-                            </p:stCondLst>
-                            <p:childTnLst>
-                              <p:par>
-                                <p:cTn id="23" presetID="1" presetClass="entr" presetSubtype="0" fill="hold" grpId="0" nodeType="clickEffect">
-                                  <p:stCondLst>
-                                    <p:cond delay="0"/>
-                                  </p:stCondLst>
-                                  <p:childTnLst>
-                                    <p:set>
-                                      <p:cBhvr>
-                                        <p:cTn id="24" dur="1" fill="hold">
-                                          <p:stCondLst>
-                                            <p:cond delay="0"/>
-                                          </p:stCondLst>
-                                        </p:cTn>
-                                        <p:tgtEl>
-                                          <p:spTgt spid="9"/>
-                                        </p:tgtEl>
-                                        <p:attrNameLst>
-                                          <p:attrName>style.visibility</p:attrName>
-                                        </p:attrNameLst>
-                                      </p:cBhvr>
-                                      <p:to>
-                                        <p:strVal val="visible"/>
-                                      </p:to>
-                                    </p:set>
-                                  </p:childTnLst>
-                                </p:cTn>
-                              </p:par>
-                              <p:par>
-                                <p:cTn id="25" presetID="1" presetClass="entr" presetSubtype="0" fill="hold" grpId="0" nodeType="withEffect">
-                                  <p:stCondLst>
-                                    <p:cond delay="0"/>
-                                  </p:stCondLst>
-                                  <p:childTnLst>
-                                    <p:set>
-                                      <p:cBhvr>
-                                        <p:cTn id="26" dur="1" fill="hold">
-                                          <p:stCondLst>
-                                            <p:cond delay="0"/>
-                                          </p:stCondLst>
-                                        </p:cTn>
-                                        <p:tgtEl>
-                                          <p:spTgt spid="16"/>
-                                        </p:tgtEl>
-                                        <p:attrNameLst>
-                                          <p:attrName>style.visibility</p:attrName>
-                                        </p:attrNameLst>
-                                      </p:cBhvr>
-                                      <p:to>
-                                        <p:strVal val="visible"/>
-                                      </p:to>
-                                    </p:set>
-                                  </p:childTnLst>
-                                </p:cTn>
-                              </p:par>
-                            </p:childTnLst>
-                          </p:cTn>
-                        </p:par>
-                      </p:childTnLst>
-                    </p:cTn>
-                  </p:par>
-                </p:childTnLst>
-              </p:cTn>
-              <p:prevCondLst>
-                <p:cond evt="onPrev" delay="0">
-                  <p:tgtEl>
-                    <p:sldTgt/>
-                  </p:tgtEl>
-                </p:cond>
-              </p:prevCondLst>
-              <p:nextCondLst>
-                <p:cond evt="onNext" delay="0">
-                  <p:tgtEl>
-                    <p:sldTgt/>
-                  </p:tgtEl>
-                </p:cond>
-              </p:nextCondLst>
-            </p:seq>
-          </p:childTnLst>
-        </p:cTn>
-      </p:par>
-    </p:tnLst>
-    <p:bldLst>
-      <p:bldP spid="10" grpId="0" animBg="1"/>
-      <p:bldP spid="11" grpId="0" animBg="1"/>
-      <p:bldP spid="12" grpId="0" animBg="1"/>
-      <p:bldP spid="13" grpId="0"/>
-      <p:bldP spid="9" grpId="0" animBg="1"/>
-      <p:bldP spid="14" grpId="0"/>
-      <p:bldP spid="15" grpId="0"/>
-      <p:bldP spid="16" grpId="0"/>
-    </p:bldLst>
-  </p:timing>
-</p:sld>
-</file>
-
 <file path=ppt/tags/tag1.xml><?xml version="1.0" encoding="utf-8"?>
 <p:tagLst xmlns:a="http://schemas.openxmlformats.org/drawingml/2006/main" xmlns:r="http://schemas.openxmlformats.org/officeDocument/2006/relationships" xmlns:p="http://schemas.openxmlformats.org/presentationml/2006/main">
   <p:tag name="ARTICULATE_SLIDE_THUMBNAIL_REFRESH" val="1"/>
